--- a/paper/卒論.pptx
+++ b/paper/卒論.pptx
@@ -5,24 +5,25 @@
     <p:sldMasterId id="2147483648" r:id="rId1"/>
   </p:sldMasterIdLst>
   <p:notesMasterIdLst>
-    <p:notesMasterId r:id="rId17"/>
+    <p:notesMasterId r:id="rId18"/>
   </p:notesMasterIdLst>
   <p:sldIdLst>
     <p:sldId id="256" r:id="rId2"/>
     <p:sldId id="257" r:id="rId3"/>
-    <p:sldId id="258" r:id="rId4"/>
+    <p:sldId id="272" r:id="rId4"/>
     <p:sldId id="259" r:id="rId5"/>
-    <p:sldId id="270" r:id="rId6"/>
-    <p:sldId id="260" r:id="rId7"/>
-    <p:sldId id="261" r:id="rId8"/>
-    <p:sldId id="271" r:id="rId9"/>
-    <p:sldId id="262" r:id="rId10"/>
-    <p:sldId id="263" r:id="rId11"/>
-    <p:sldId id="265" r:id="rId12"/>
-    <p:sldId id="266" r:id="rId13"/>
-    <p:sldId id="267" r:id="rId14"/>
-    <p:sldId id="268" r:id="rId15"/>
-    <p:sldId id="269" r:id="rId16"/>
+    <p:sldId id="258" r:id="rId6"/>
+    <p:sldId id="270" r:id="rId7"/>
+    <p:sldId id="260" r:id="rId8"/>
+    <p:sldId id="261" r:id="rId9"/>
+    <p:sldId id="271" r:id="rId10"/>
+    <p:sldId id="262" r:id="rId11"/>
+    <p:sldId id="263" r:id="rId12"/>
+    <p:sldId id="265" r:id="rId13"/>
+    <p:sldId id="266" r:id="rId14"/>
+    <p:sldId id="267" r:id="rId15"/>
+    <p:sldId id="268" r:id="rId16"/>
+    <p:sldId id="269" r:id="rId17"/>
   </p:sldIdLst>
   <p:sldSz cx="12192000" cy="6858000"/>
   <p:notesSz cx="6858000" cy="9144000"/>
@@ -508,6 +509,977 @@
     </a:lvl9pPr>
   </p:notesStyle>
 </p:notesMaster>
+</file>
+
+<file path=ppt/notesSlides/notesSlide1.xml><?xml version="1.0" encoding="utf-8"?>
+<p:notes xmlns:a="http://schemas.openxmlformats.org/drawingml/2006/main" xmlns:r="http://schemas.openxmlformats.org/officeDocument/2006/relationships" xmlns:p="http://schemas.openxmlformats.org/presentationml/2006/main">
+  <p:cSld>
+    <p:spTree>
+      <p:nvGrpSpPr>
+        <p:cNvPr id="1" name=""/>
+        <p:cNvGrpSpPr/>
+        <p:nvPr/>
+      </p:nvGrpSpPr>
+      <p:grpSpPr>
+        <a:xfrm>
+          <a:off x="0" y="0"/>
+          <a:ext cx="0" cy="0"/>
+          <a:chOff x="0" y="0"/>
+          <a:chExt cx="0" cy="0"/>
+        </a:xfrm>
+      </p:grpSpPr>
+      <p:sp>
+        <p:nvSpPr>
+          <p:cNvPr id="2" name="スライド イメージ プレースホルダー 1"/>
+          <p:cNvSpPr>
+            <a:spLocks noGrp="1" noRot="1" noChangeAspect="1"/>
+          </p:cNvSpPr>
+          <p:nvPr>
+            <p:ph type="sldImg"/>
+          </p:nvPr>
+        </p:nvSpPr>
+        <p:spPr/>
+      </p:sp>
+      <p:sp>
+        <p:nvSpPr>
+          <p:cNvPr id="3" name="ノート プレースホルダー 2"/>
+          <p:cNvSpPr>
+            <a:spLocks noGrp="1"/>
+          </p:cNvSpPr>
+          <p:nvPr>
+            <p:ph type="body" idx="1"/>
+          </p:nvPr>
+        </p:nvSpPr>
+        <p:spPr/>
+        <p:txBody>
+          <a:bodyPr/>
+          <a:lstStyle/>
+          <a:p>
+            <a:r>
+              <a:rPr kumimoji="1" lang="ja-JP" altLang="en-US" dirty="0"/>
+              <a:t>山田研究室所属の飯田琉斗です</a:t>
+            </a:r>
+            <a:endParaRPr kumimoji="1" lang="en-US" altLang="ja-JP" dirty="0"/>
+          </a:p>
+          <a:p>
+            <a:r>
+              <a:rPr kumimoji="1" lang="ja-JP" altLang="en-US" dirty="0"/>
+              <a:t>本研究テーマは、</a:t>
+            </a:r>
+            <a:r>
+              <a:rPr kumimoji="1" lang="en-US" altLang="ja-JP" dirty="0"/>
+              <a:t>LLM</a:t>
+            </a:r>
+            <a:r>
+              <a:rPr kumimoji="1" lang="ja-JP" altLang="en-US" dirty="0"/>
+              <a:t>による打ち合わせログからの要求仕様書生成です</a:t>
+            </a:r>
+            <a:endParaRPr kumimoji="1" lang="en-US" altLang="ja-JP" dirty="0"/>
+          </a:p>
+          <a:p>
+            <a:r>
+              <a:rPr kumimoji="1" lang="ja-JP" altLang="en-US" dirty="0"/>
+              <a:t>よろしくお願いします</a:t>
+            </a:r>
+          </a:p>
+        </p:txBody>
+      </p:sp>
+      <p:sp>
+        <p:nvSpPr>
+          <p:cNvPr id="4" name="スライド番号プレースホルダー 3"/>
+          <p:cNvSpPr>
+            <a:spLocks noGrp="1"/>
+          </p:cNvSpPr>
+          <p:nvPr>
+            <p:ph type="sldNum" sz="quarter" idx="5"/>
+          </p:nvPr>
+        </p:nvSpPr>
+        <p:spPr/>
+        <p:txBody>
+          <a:bodyPr/>
+          <a:lstStyle/>
+          <a:p>
+            <a:fld id="{0BEF29B3-0BFE-45E1-AC17-47FA859AF79F}" type="slidenum">
+              <a:rPr kumimoji="1" lang="ja-JP" altLang="en-US" smtClean="0"/>
+              <a:t>1</a:t>
+            </a:fld>
+            <a:endParaRPr kumimoji="1" lang="ja-JP" altLang="en-US"/>
+          </a:p>
+        </p:txBody>
+      </p:sp>
+    </p:spTree>
+    <p:extLst>
+      <p:ext uri="{BB962C8B-B14F-4D97-AF65-F5344CB8AC3E}">
+        <p14:creationId xmlns:p14="http://schemas.microsoft.com/office/powerpoint/2010/main" val="951515298"/>
+      </p:ext>
+    </p:extLst>
+  </p:cSld>
+  <p:clrMapOvr>
+    <a:masterClrMapping/>
+  </p:clrMapOvr>
+</p:notes>
+</file>
+
+<file path=ppt/notesSlides/notesSlide2.xml><?xml version="1.0" encoding="utf-8"?>
+<p:notes xmlns:a="http://schemas.openxmlformats.org/drawingml/2006/main" xmlns:r="http://schemas.openxmlformats.org/officeDocument/2006/relationships" xmlns:p="http://schemas.openxmlformats.org/presentationml/2006/main">
+  <p:cSld>
+    <p:spTree>
+      <p:nvGrpSpPr>
+        <p:cNvPr id="1" name=""/>
+        <p:cNvGrpSpPr/>
+        <p:nvPr/>
+      </p:nvGrpSpPr>
+      <p:grpSpPr>
+        <a:xfrm>
+          <a:off x="0" y="0"/>
+          <a:ext cx="0" cy="0"/>
+          <a:chOff x="0" y="0"/>
+          <a:chExt cx="0" cy="0"/>
+        </a:xfrm>
+      </p:grpSpPr>
+      <p:sp>
+        <p:nvSpPr>
+          <p:cNvPr id="2" name="スライド イメージ プレースホルダー 1"/>
+          <p:cNvSpPr>
+            <a:spLocks noGrp="1" noRot="1" noChangeAspect="1"/>
+          </p:cNvSpPr>
+          <p:nvPr>
+            <p:ph type="sldImg"/>
+          </p:nvPr>
+        </p:nvSpPr>
+        <p:spPr/>
+      </p:sp>
+      <p:sp>
+        <p:nvSpPr>
+          <p:cNvPr id="3" name="ノート プレースホルダー 2"/>
+          <p:cNvSpPr>
+            <a:spLocks noGrp="1"/>
+          </p:cNvSpPr>
+          <p:nvPr>
+            <p:ph type="body" idx="1"/>
+          </p:nvPr>
+        </p:nvSpPr>
+        <p:spPr/>
+        <p:txBody>
+          <a:bodyPr/>
+          <a:lstStyle/>
+          <a:p>
+            <a:r>
+              <a:rPr kumimoji="1" lang="ja-JP" altLang="en-US" dirty="0"/>
+              <a:t>背景として、仕様書の作成は、現在人手に依存しており、多くの時間とコストがかかっています。</a:t>
+            </a:r>
+            <a:endParaRPr kumimoji="1" lang="en-US" altLang="ja-JP" dirty="0"/>
+          </a:p>
+          <a:p>
+            <a:r>
+              <a:rPr kumimoji="1" lang="ja-JP" altLang="en-US" dirty="0"/>
+              <a:t>私の体験として、開発プロジェクトでは、開発チーム向けに開発要件や機能をまとめた仕様書が共有されます。</a:t>
+            </a:r>
+            <a:endParaRPr kumimoji="1" lang="en-US" altLang="ja-JP" dirty="0"/>
+          </a:p>
+          <a:p>
+            <a:r>
+              <a:rPr kumimoji="1" lang="ja-JP" altLang="en-US" dirty="0"/>
+              <a:t>しかし、所要時間やタスク優先度によって、更新が先送りになったり、タイプミスや別トピックとの混同により内容に誤りがあるなどいくつか課題があります。</a:t>
+            </a:r>
+            <a:endParaRPr kumimoji="1" lang="en-US" altLang="ja-JP" dirty="0"/>
+          </a:p>
+          <a:p>
+            <a:r>
+              <a:rPr kumimoji="1" lang="ja-JP" altLang="en-US" dirty="0"/>
+              <a:t>そこで、提示している</a:t>
+            </a:r>
+            <a:r>
+              <a:rPr kumimoji="1" lang="en-US" altLang="ja-JP" dirty="0"/>
+              <a:t>4</a:t>
+            </a:r>
+            <a:r>
+              <a:rPr kumimoji="1" lang="ja-JP" altLang="en-US" dirty="0"/>
+              <a:t>つの課題について、生成</a:t>
+            </a:r>
+            <a:r>
+              <a:rPr kumimoji="1" lang="en-US" altLang="ja-JP" dirty="0"/>
+              <a:t>AI</a:t>
+            </a:r>
+            <a:r>
+              <a:rPr kumimoji="1" lang="ja-JP" altLang="en-US" dirty="0"/>
+              <a:t>を用いて解決できないかと考えました。</a:t>
+            </a:r>
+          </a:p>
+        </p:txBody>
+      </p:sp>
+      <p:sp>
+        <p:nvSpPr>
+          <p:cNvPr id="4" name="スライド番号プレースホルダー 3"/>
+          <p:cNvSpPr>
+            <a:spLocks noGrp="1"/>
+          </p:cNvSpPr>
+          <p:nvPr>
+            <p:ph type="sldNum" sz="quarter" idx="5"/>
+          </p:nvPr>
+        </p:nvSpPr>
+        <p:spPr/>
+        <p:txBody>
+          <a:bodyPr/>
+          <a:lstStyle/>
+          <a:p>
+            <a:fld id="{0BEF29B3-0BFE-45E1-AC17-47FA859AF79F}" type="slidenum">
+              <a:rPr kumimoji="1" lang="ja-JP" altLang="en-US" smtClean="0"/>
+              <a:t>2</a:t>
+            </a:fld>
+            <a:endParaRPr kumimoji="1" lang="ja-JP" altLang="en-US"/>
+          </a:p>
+        </p:txBody>
+      </p:sp>
+    </p:spTree>
+    <p:extLst>
+      <p:ext uri="{BB962C8B-B14F-4D97-AF65-F5344CB8AC3E}">
+        <p14:creationId xmlns:p14="http://schemas.microsoft.com/office/powerpoint/2010/main" val="1982070331"/>
+      </p:ext>
+    </p:extLst>
+  </p:cSld>
+  <p:clrMapOvr>
+    <a:masterClrMapping/>
+  </p:clrMapOvr>
+</p:notes>
+</file>
+
+<file path=ppt/notesSlides/notesSlide3.xml><?xml version="1.0" encoding="utf-8"?>
+<p:notes xmlns:a="http://schemas.openxmlformats.org/drawingml/2006/main" xmlns:r="http://schemas.openxmlformats.org/officeDocument/2006/relationships" xmlns:p="http://schemas.openxmlformats.org/presentationml/2006/main">
+  <p:cSld>
+    <p:spTree>
+      <p:nvGrpSpPr>
+        <p:cNvPr id="1" name=""/>
+        <p:cNvGrpSpPr/>
+        <p:nvPr/>
+      </p:nvGrpSpPr>
+      <p:grpSpPr>
+        <a:xfrm>
+          <a:off x="0" y="0"/>
+          <a:ext cx="0" cy="0"/>
+          <a:chOff x="0" y="0"/>
+          <a:chExt cx="0" cy="0"/>
+        </a:xfrm>
+      </p:grpSpPr>
+      <p:sp>
+        <p:nvSpPr>
+          <p:cNvPr id="2" name="スライド イメージ プレースホルダー 1"/>
+          <p:cNvSpPr>
+            <a:spLocks noGrp="1" noRot="1" noChangeAspect="1"/>
+          </p:cNvSpPr>
+          <p:nvPr>
+            <p:ph type="sldImg"/>
+          </p:nvPr>
+        </p:nvSpPr>
+        <p:spPr/>
+      </p:sp>
+      <p:sp>
+        <p:nvSpPr>
+          <p:cNvPr id="3" name="ノート プレースホルダー 2"/>
+          <p:cNvSpPr>
+            <a:spLocks noGrp="1"/>
+          </p:cNvSpPr>
+          <p:nvPr>
+            <p:ph type="body" idx="1"/>
+          </p:nvPr>
+        </p:nvSpPr>
+        <p:spPr/>
+        <p:txBody>
+          <a:bodyPr/>
+          <a:lstStyle/>
+          <a:p>
+            <a:r>
+              <a:rPr kumimoji="1" lang="ja-JP" altLang="en-US" dirty="0"/>
+              <a:t>まず、生成</a:t>
+            </a:r>
+            <a:r>
+              <a:rPr kumimoji="1" lang="en-US" altLang="ja-JP" dirty="0"/>
+              <a:t>AI</a:t>
+            </a:r>
+            <a:r>
+              <a:rPr kumimoji="1" lang="ja-JP" altLang="en-US" dirty="0"/>
+              <a:t>の現状について調査してみました。</a:t>
+            </a:r>
+            <a:endParaRPr kumimoji="1" lang="en-US" altLang="ja-JP" dirty="0"/>
+          </a:p>
+          <a:p>
+            <a:r>
+              <a:rPr kumimoji="1" lang="ja-JP" altLang="en-US" dirty="0"/>
+              <a:t>同一プロンプト、データファイルを用いて、同じ処理を</a:t>
+            </a:r>
+            <a:r>
+              <a:rPr kumimoji="1" lang="en-US" altLang="ja-JP" dirty="0"/>
+              <a:t>10</a:t>
+            </a:r>
+            <a:r>
+              <a:rPr kumimoji="1" lang="ja-JP" altLang="en-US" dirty="0"/>
+              <a:t>回行ってみたところ、毎回同じ結果というわけではなく、ばらつきが生じることが分かりました。</a:t>
+            </a:r>
+            <a:endParaRPr kumimoji="1" lang="en-US" altLang="ja-JP" dirty="0"/>
+          </a:p>
+          <a:p>
+            <a:r>
+              <a:rPr kumimoji="1" lang="en-US" altLang="ja-JP" dirty="0"/>
+              <a:t>10</a:t>
+            </a:r>
+            <a:r>
+              <a:rPr kumimoji="1" lang="ja-JP" altLang="en-US" dirty="0"/>
+              <a:t>回の平均をとってみると、全項目数</a:t>
+            </a:r>
+            <a:r>
+              <a:rPr kumimoji="1" lang="en-US" altLang="ja-JP" dirty="0"/>
+              <a:t>9</a:t>
+            </a:r>
+            <a:r>
+              <a:rPr kumimoji="1" lang="ja-JP" altLang="en-US" dirty="0"/>
+              <a:t>に対して、最大が</a:t>
+            </a:r>
+            <a:r>
+              <a:rPr kumimoji="1" lang="en-US" altLang="ja-JP" dirty="0"/>
+              <a:t>8</a:t>
+            </a:r>
+            <a:r>
+              <a:rPr kumimoji="1" lang="ja-JP" altLang="en-US" dirty="0"/>
+              <a:t>項目、平均で</a:t>
+            </a:r>
+            <a:r>
+              <a:rPr kumimoji="1" lang="en-US" altLang="ja-JP" dirty="0"/>
+              <a:t>6.2</a:t>
+            </a:r>
+            <a:r>
+              <a:rPr kumimoji="1" lang="ja-JP" altLang="en-US" dirty="0"/>
+              <a:t>項目という結果でした。</a:t>
+            </a:r>
+            <a:endParaRPr kumimoji="1" lang="en-US" altLang="ja-JP" dirty="0"/>
+          </a:p>
+          <a:p>
+            <a:r>
+              <a:rPr kumimoji="1" lang="ja-JP" altLang="en-US" dirty="0"/>
+              <a:t>また、一度に命令を与えるのではなく、命令を分けて行ってみると、処理時間の短縮、ばらつきの軽減を確認できました。</a:t>
+            </a:r>
+            <a:endParaRPr kumimoji="1" lang="en-US" altLang="ja-JP" dirty="0"/>
+          </a:p>
+          <a:p>
+            <a:r>
+              <a:rPr kumimoji="1" lang="ja-JP" altLang="en-US" dirty="0"/>
+              <a:t>しかし、ばらつきを完全になくすことはできませんでした。</a:t>
+            </a:r>
+          </a:p>
+        </p:txBody>
+      </p:sp>
+      <p:sp>
+        <p:nvSpPr>
+          <p:cNvPr id="4" name="スライド番号プレースホルダー 3"/>
+          <p:cNvSpPr>
+            <a:spLocks noGrp="1"/>
+          </p:cNvSpPr>
+          <p:nvPr>
+            <p:ph type="sldNum" sz="quarter" idx="5"/>
+          </p:nvPr>
+        </p:nvSpPr>
+        <p:spPr/>
+        <p:txBody>
+          <a:bodyPr/>
+          <a:lstStyle/>
+          <a:p>
+            <a:fld id="{0BEF29B3-0BFE-45E1-AC17-47FA859AF79F}" type="slidenum">
+              <a:rPr kumimoji="1" lang="ja-JP" altLang="en-US" smtClean="0"/>
+              <a:t>4</a:t>
+            </a:fld>
+            <a:endParaRPr kumimoji="1" lang="ja-JP" altLang="en-US"/>
+          </a:p>
+        </p:txBody>
+      </p:sp>
+    </p:spTree>
+    <p:extLst>
+      <p:ext uri="{BB962C8B-B14F-4D97-AF65-F5344CB8AC3E}">
+        <p14:creationId xmlns:p14="http://schemas.microsoft.com/office/powerpoint/2010/main" val="615082841"/>
+      </p:ext>
+    </p:extLst>
+  </p:cSld>
+  <p:clrMapOvr>
+    <a:masterClrMapping/>
+  </p:clrMapOvr>
+</p:notes>
+</file>
+
+<file path=ppt/notesSlides/notesSlide4.xml><?xml version="1.0" encoding="utf-8"?>
+<p:notes xmlns:a="http://schemas.openxmlformats.org/drawingml/2006/main" xmlns:r="http://schemas.openxmlformats.org/officeDocument/2006/relationships" xmlns:p="http://schemas.openxmlformats.org/presentationml/2006/main">
+  <p:cSld>
+    <p:spTree>
+      <p:nvGrpSpPr>
+        <p:cNvPr id="1" name=""/>
+        <p:cNvGrpSpPr/>
+        <p:nvPr/>
+      </p:nvGrpSpPr>
+      <p:grpSpPr>
+        <a:xfrm>
+          <a:off x="0" y="0"/>
+          <a:ext cx="0" cy="0"/>
+          <a:chOff x="0" y="0"/>
+          <a:chExt cx="0" cy="0"/>
+        </a:xfrm>
+      </p:grpSpPr>
+      <p:sp>
+        <p:nvSpPr>
+          <p:cNvPr id="2" name="スライド イメージ プレースホルダー 1"/>
+          <p:cNvSpPr>
+            <a:spLocks noGrp="1" noRot="1" noChangeAspect="1"/>
+          </p:cNvSpPr>
+          <p:nvPr>
+            <p:ph type="sldImg"/>
+          </p:nvPr>
+        </p:nvSpPr>
+        <p:spPr/>
+      </p:sp>
+      <p:sp>
+        <p:nvSpPr>
+          <p:cNvPr id="3" name="ノート プレースホルダー 2"/>
+          <p:cNvSpPr>
+            <a:spLocks noGrp="1"/>
+          </p:cNvSpPr>
+          <p:nvPr>
+            <p:ph type="body" idx="1"/>
+          </p:nvPr>
+        </p:nvSpPr>
+        <p:spPr/>
+        <p:txBody>
+          <a:bodyPr/>
+          <a:lstStyle/>
+          <a:p>
+            <a:r>
+              <a:rPr kumimoji="1" lang="ja-JP" altLang="en-US" dirty="0"/>
+              <a:t>先ほどの</a:t>
+            </a:r>
+            <a:r>
+              <a:rPr kumimoji="1" lang="en-US" altLang="ja-JP" dirty="0"/>
+              <a:t>10</a:t>
+            </a:r>
+            <a:r>
+              <a:rPr kumimoji="1" lang="ja-JP" altLang="en-US" dirty="0"/>
+              <a:t>回の試行により、素の生成</a:t>
+            </a:r>
+            <a:r>
+              <a:rPr kumimoji="1" lang="en-US" altLang="ja-JP" dirty="0"/>
+              <a:t>AI</a:t>
+            </a:r>
+            <a:r>
+              <a:rPr kumimoji="1" lang="ja-JP" altLang="en-US" dirty="0"/>
+              <a:t>では、人が作成する場合とは異なる新たな課題があることが分かりました。</a:t>
+            </a:r>
+            <a:endParaRPr kumimoji="1" lang="en-US" altLang="ja-JP" dirty="0"/>
+          </a:p>
+          <a:p>
+            <a:r>
+              <a:rPr kumimoji="1" lang="ja-JP" altLang="en-US" dirty="0"/>
+              <a:t>昨今の生成</a:t>
+            </a:r>
+            <a:r>
+              <a:rPr kumimoji="1" lang="en-US" altLang="ja-JP" dirty="0"/>
+              <a:t>AI</a:t>
+            </a:r>
+            <a:r>
+              <a:rPr kumimoji="1" lang="ja-JP" altLang="en-US" dirty="0"/>
+              <a:t>の進化に伴い、推測する能力が向上しています。</a:t>
+            </a:r>
+            <a:endParaRPr kumimoji="1" lang="en-US" altLang="ja-JP" dirty="0"/>
+          </a:p>
+          <a:p>
+            <a:r>
+              <a:rPr kumimoji="1" lang="ja-JP" altLang="en-US" dirty="0"/>
+              <a:t>その影響で、データに含まれていない情報を推測補完したり、情報を勝手に拡張させるケースが見られました。</a:t>
+            </a:r>
+            <a:endParaRPr kumimoji="1" lang="en-US" altLang="ja-JP" dirty="0"/>
+          </a:p>
+          <a:p>
+            <a:r>
+              <a:rPr kumimoji="1" lang="ja-JP" altLang="en-US" dirty="0"/>
+              <a:t>また、要件の変更があった場合、変更前の情報で出力されていたり、変更前と変更後を別項目として抽出されるケースも確認されました。</a:t>
+            </a:r>
+            <a:endParaRPr kumimoji="1" lang="en-US" altLang="ja-JP" dirty="0"/>
+          </a:p>
+          <a:p>
+            <a:r>
+              <a:rPr kumimoji="1" lang="ja-JP" altLang="en-US" dirty="0"/>
+              <a:t>これにより、生成</a:t>
+            </a:r>
+            <a:r>
+              <a:rPr kumimoji="1" lang="en-US" altLang="ja-JP" dirty="0"/>
+              <a:t>AI</a:t>
+            </a:r>
+            <a:r>
+              <a:rPr kumimoji="1" lang="ja-JP" altLang="en-US" dirty="0"/>
+              <a:t>をそのまま利用することは難しいと判断しました。</a:t>
+            </a:r>
+          </a:p>
+        </p:txBody>
+      </p:sp>
+      <p:sp>
+        <p:nvSpPr>
+          <p:cNvPr id="4" name="スライド番号プレースホルダー 3"/>
+          <p:cNvSpPr>
+            <a:spLocks noGrp="1"/>
+          </p:cNvSpPr>
+          <p:nvPr>
+            <p:ph type="sldNum" sz="quarter" idx="5"/>
+          </p:nvPr>
+        </p:nvSpPr>
+        <p:spPr/>
+        <p:txBody>
+          <a:bodyPr/>
+          <a:lstStyle/>
+          <a:p>
+            <a:fld id="{0BEF29B3-0BFE-45E1-AC17-47FA859AF79F}" type="slidenum">
+              <a:rPr kumimoji="1" lang="ja-JP" altLang="en-US" smtClean="0"/>
+              <a:t>5</a:t>
+            </a:fld>
+            <a:endParaRPr kumimoji="1" lang="ja-JP" altLang="en-US"/>
+          </a:p>
+        </p:txBody>
+      </p:sp>
+    </p:spTree>
+    <p:extLst>
+      <p:ext uri="{BB962C8B-B14F-4D97-AF65-F5344CB8AC3E}">
+        <p14:creationId xmlns:p14="http://schemas.microsoft.com/office/powerpoint/2010/main" val="3437306182"/>
+      </p:ext>
+    </p:extLst>
+  </p:cSld>
+  <p:clrMapOvr>
+    <a:masterClrMapping/>
+  </p:clrMapOvr>
+</p:notes>
+</file>
+
+<file path=ppt/notesSlides/notesSlide5.xml><?xml version="1.0" encoding="utf-8"?>
+<p:notes xmlns:a="http://schemas.openxmlformats.org/drawingml/2006/main" xmlns:r="http://schemas.openxmlformats.org/officeDocument/2006/relationships" xmlns:p="http://schemas.openxmlformats.org/presentationml/2006/main">
+  <p:cSld>
+    <p:spTree>
+      <p:nvGrpSpPr>
+        <p:cNvPr id="1" name=""/>
+        <p:cNvGrpSpPr/>
+        <p:nvPr/>
+      </p:nvGrpSpPr>
+      <p:grpSpPr>
+        <a:xfrm>
+          <a:off x="0" y="0"/>
+          <a:ext cx="0" cy="0"/>
+          <a:chOff x="0" y="0"/>
+          <a:chExt cx="0" cy="0"/>
+        </a:xfrm>
+      </p:grpSpPr>
+      <p:sp>
+        <p:nvSpPr>
+          <p:cNvPr id="2" name="スライド イメージ プレースホルダー 1"/>
+          <p:cNvSpPr>
+            <a:spLocks noGrp="1" noRot="1" noChangeAspect="1"/>
+          </p:cNvSpPr>
+          <p:nvPr>
+            <p:ph type="sldImg"/>
+          </p:nvPr>
+        </p:nvSpPr>
+        <p:spPr/>
+      </p:sp>
+      <p:sp>
+        <p:nvSpPr>
+          <p:cNvPr id="3" name="ノート プレースホルダー 2"/>
+          <p:cNvSpPr>
+            <a:spLocks noGrp="1"/>
+          </p:cNvSpPr>
+          <p:nvPr>
+            <p:ph type="body" idx="1"/>
+          </p:nvPr>
+        </p:nvSpPr>
+        <p:spPr/>
+        <p:txBody>
+          <a:bodyPr/>
+          <a:lstStyle/>
+          <a:p>
+            <a:r>
+              <a:rPr kumimoji="1" lang="ja-JP" altLang="en-US" dirty="0"/>
+              <a:t>そこで、本研究では、人手と</a:t>
+            </a:r>
+            <a:r>
+              <a:rPr kumimoji="1" lang="en-US" altLang="ja-JP" dirty="0"/>
+              <a:t>AI</a:t>
+            </a:r>
+            <a:r>
+              <a:rPr kumimoji="1" lang="ja-JP" altLang="en-US" dirty="0"/>
+              <a:t>で見られた課題に対して、技術的アプローチを行い解決することを目的として進めます。</a:t>
+            </a:r>
+            <a:endParaRPr kumimoji="1" lang="en-US" altLang="ja-JP" dirty="0"/>
+          </a:p>
+          <a:p>
+            <a:r>
+              <a:rPr kumimoji="1" lang="ja-JP" altLang="en-US" dirty="0"/>
+              <a:t>今回、改善対象としている課題は、この</a:t>
+            </a:r>
+            <a:r>
+              <a:rPr kumimoji="1" lang="en-US" altLang="ja-JP" dirty="0"/>
+              <a:t>7</a:t>
+            </a:r>
+            <a:r>
+              <a:rPr kumimoji="1" lang="ja-JP" altLang="en-US" dirty="0"/>
+              <a:t>つになります。</a:t>
+            </a:r>
+            <a:endParaRPr kumimoji="1" lang="en-US" altLang="ja-JP" dirty="0"/>
+          </a:p>
+          <a:p>
+            <a:endParaRPr kumimoji="1" lang="en-US" altLang="ja-JP" dirty="0"/>
+          </a:p>
+          <a:p>
+            <a:endParaRPr kumimoji="1" lang="ja-JP" altLang="en-US" dirty="0"/>
+          </a:p>
+        </p:txBody>
+      </p:sp>
+      <p:sp>
+        <p:nvSpPr>
+          <p:cNvPr id="4" name="スライド番号プレースホルダー 3"/>
+          <p:cNvSpPr>
+            <a:spLocks noGrp="1"/>
+          </p:cNvSpPr>
+          <p:nvPr>
+            <p:ph type="sldNum" sz="quarter" idx="5"/>
+          </p:nvPr>
+        </p:nvSpPr>
+        <p:spPr/>
+        <p:txBody>
+          <a:bodyPr/>
+          <a:lstStyle/>
+          <a:p>
+            <a:fld id="{0BEF29B3-0BFE-45E1-AC17-47FA859AF79F}" type="slidenum">
+              <a:rPr kumimoji="1" lang="ja-JP" altLang="en-US" smtClean="0"/>
+              <a:t>6</a:t>
+            </a:fld>
+            <a:endParaRPr kumimoji="1" lang="ja-JP" altLang="en-US"/>
+          </a:p>
+        </p:txBody>
+      </p:sp>
+    </p:spTree>
+    <p:extLst>
+      <p:ext uri="{BB962C8B-B14F-4D97-AF65-F5344CB8AC3E}">
+        <p14:creationId xmlns:p14="http://schemas.microsoft.com/office/powerpoint/2010/main" val="63194634"/>
+      </p:ext>
+    </p:extLst>
+  </p:cSld>
+  <p:clrMapOvr>
+    <a:masterClrMapping/>
+  </p:clrMapOvr>
+</p:notes>
+</file>
+
+<file path=ppt/notesSlides/notesSlide6.xml><?xml version="1.0" encoding="utf-8"?>
+<p:notes xmlns:a="http://schemas.openxmlformats.org/drawingml/2006/main" xmlns:r="http://schemas.openxmlformats.org/officeDocument/2006/relationships" xmlns:p="http://schemas.openxmlformats.org/presentationml/2006/main">
+  <p:cSld>
+    <p:spTree>
+      <p:nvGrpSpPr>
+        <p:cNvPr id="1" name=""/>
+        <p:cNvGrpSpPr/>
+        <p:nvPr/>
+      </p:nvGrpSpPr>
+      <p:grpSpPr>
+        <a:xfrm>
+          <a:off x="0" y="0"/>
+          <a:ext cx="0" cy="0"/>
+          <a:chOff x="0" y="0"/>
+          <a:chExt cx="0" cy="0"/>
+        </a:xfrm>
+      </p:grpSpPr>
+      <p:sp>
+        <p:nvSpPr>
+          <p:cNvPr id="2" name="スライド イメージ プレースホルダー 1"/>
+          <p:cNvSpPr>
+            <a:spLocks noGrp="1" noRot="1" noChangeAspect="1"/>
+          </p:cNvSpPr>
+          <p:nvPr>
+            <p:ph type="sldImg"/>
+          </p:nvPr>
+        </p:nvSpPr>
+        <p:spPr/>
+      </p:sp>
+      <p:sp>
+        <p:nvSpPr>
+          <p:cNvPr id="3" name="ノート プレースホルダー 2"/>
+          <p:cNvSpPr>
+            <a:spLocks noGrp="1"/>
+          </p:cNvSpPr>
+          <p:nvPr>
+            <p:ph type="body" idx="1"/>
+          </p:nvPr>
+        </p:nvSpPr>
+        <p:spPr/>
+        <p:txBody>
+          <a:bodyPr/>
+          <a:lstStyle/>
+          <a:p>
+            <a:r>
+              <a:rPr kumimoji="1" lang="ja-JP" altLang="en-US" dirty="0"/>
+              <a:t>提案手法についてです。</a:t>
+            </a:r>
+            <a:endParaRPr kumimoji="1" lang="en-US" altLang="ja-JP" dirty="0"/>
+          </a:p>
+          <a:p>
+            <a:r>
+              <a:rPr kumimoji="1" lang="ja-JP" altLang="en-US" dirty="0"/>
+              <a:t>先ほど、単純な命令では精度がよいことが確認できたので、ステップを分けて、ステップごとに補正を行うプログラムを設計します。</a:t>
+            </a:r>
+            <a:endParaRPr kumimoji="1" lang="en-US" altLang="ja-JP" dirty="0"/>
+          </a:p>
+          <a:p>
+            <a:r>
+              <a:rPr kumimoji="1" lang="ja-JP" altLang="en-US" dirty="0"/>
+              <a:t>手順として、生成</a:t>
+            </a:r>
+            <a:r>
+              <a:rPr kumimoji="1" lang="en-US" altLang="ja-JP" dirty="0"/>
+              <a:t>AI</a:t>
+            </a:r>
+            <a:r>
+              <a:rPr kumimoji="1" lang="ja-JP" altLang="en-US" dirty="0"/>
+              <a:t>を用いるのは、②と③なので、①と②、③と④を同時に行い、２ステップで行うよう設計しました。</a:t>
+            </a:r>
+            <a:endParaRPr kumimoji="1" lang="en-US" altLang="ja-JP" dirty="0"/>
+          </a:p>
+          <a:p>
+            <a:r>
+              <a:rPr kumimoji="1" lang="ja-JP" altLang="en-US" dirty="0"/>
+              <a:t>今回用いる生成</a:t>
+            </a:r>
+            <a:r>
+              <a:rPr kumimoji="1" lang="en-US" altLang="ja-JP" dirty="0"/>
+              <a:t>AI</a:t>
+            </a:r>
+            <a:r>
+              <a:rPr kumimoji="1" lang="ja-JP" altLang="en-US" dirty="0"/>
+              <a:t>は、</a:t>
+            </a:r>
+            <a:r>
+              <a:rPr kumimoji="1" lang="en-US" altLang="ja-JP" dirty="0"/>
+              <a:t>OpenAI</a:t>
+            </a:r>
+            <a:r>
+              <a:rPr kumimoji="1" lang="ja-JP" altLang="en-US" dirty="0"/>
+              <a:t>の</a:t>
+            </a:r>
+            <a:r>
+              <a:rPr kumimoji="1" lang="en-US" altLang="ja-JP" dirty="0"/>
+              <a:t>GPT-4o</a:t>
+            </a:r>
+            <a:r>
+              <a:rPr kumimoji="1" lang="ja-JP" altLang="en-US" dirty="0"/>
+              <a:t>を使用します。</a:t>
+            </a:r>
+            <a:endParaRPr kumimoji="1" lang="en-US" altLang="ja-JP" dirty="0"/>
+          </a:p>
+          <a:p>
+            <a:r>
+              <a:rPr kumimoji="1" lang="ja-JP" altLang="en-US" dirty="0"/>
+              <a:t>このモデルの特徴として、</a:t>
+            </a:r>
+            <a:r>
+              <a:rPr kumimoji="1" lang="ja-JP" altLang="ja-JP" sz="1200" kern="1200" dirty="0">
+                <a:solidFill>
+                  <a:schemeClr val="tx1"/>
+                </a:solidFill>
+                <a:effectLst/>
+                <a:latin typeface="+mn-lt"/>
+                <a:ea typeface="+mn-ea"/>
+                <a:cs typeface="+mn-cs"/>
+              </a:rPr>
+              <a:t>高度な自然言語理解能力を持ち、テキストの文脈理解や要約処理において優れた性能を</a:t>
+            </a:r>
+            <a:r>
+              <a:rPr kumimoji="1" lang="ja-JP" altLang="en-US" sz="1200" kern="1200" dirty="0">
+                <a:solidFill>
+                  <a:schemeClr val="tx1"/>
+                </a:solidFill>
+                <a:effectLst/>
+                <a:latin typeface="+mn-lt"/>
+                <a:ea typeface="+mn-ea"/>
+                <a:cs typeface="+mn-cs"/>
+              </a:rPr>
+              <a:t>示しています。</a:t>
+            </a:r>
+            <a:endParaRPr kumimoji="1" lang="en-US" altLang="ja-JP" sz="1200" kern="1200" dirty="0">
+              <a:solidFill>
+                <a:schemeClr val="tx1"/>
+              </a:solidFill>
+              <a:effectLst/>
+              <a:latin typeface="+mn-lt"/>
+              <a:ea typeface="+mn-ea"/>
+              <a:cs typeface="+mn-cs"/>
+            </a:endParaRPr>
+          </a:p>
+          <a:p>
+            <a:r>
+              <a:rPr kumimoji="1" lang="ja-JP" altLang="en-US" sz="1200" kern="1200" dirty="0">
+                <a:solidFill>
+                  <a:schemeClr val="tx1"/>
+                </a:solidFill>
+                <a:effectLst/>
+                <a:latin typeface="+mn-lt"/>
+                <a:ea typeface="+mn-ea"/>
+                <a:cs typeface="+mn-cs"/>
+              </a:rPr>
+              <a:t>そのため、本プログラムに適していると判断しました。</a:t>
+            </a:r>
+            <a:endParaRPr kumimoji="1" lang="ja-JP" altLang="en-US" dirty="0"/>
+          </a:p>
+        </p:txBody>
+      </p:sp>
+      <p:sp>
+        <p:nvSpPr>
+          <p:cNvPr id="4" name="スライド番号プレースホルダー 3"/>
+          <p:cNvSpPr>
+            <a:spLocks noGrp="1"/>
+          </p:cNvSpPr>
+          <p:nvPr>
+            <p:ph type="sldNum" sz="quarter" idx="5"/>
+          </p:nvPr>
+        </p:nvSpPr>
+        <p:spPr/>
+        <p:txBody>
+          <a:bodyPr/>
+          <a:lstStyle/>
+          <a:p>
+            <a:fld id="{0BEF29B3-0BFE-45E1-AC17-47FA859AF79F}" type="slidenum">
+              <a:rPr kumimoji="1" lang="ja-JP" altLang="en-US" smtClean="0"/>
+              <a:t>7</a:t>
+            </a:fld>
+            <a:endParaRPr kumimoji="1" lang="ja-JP" altLang="en-US"/>
+          </a:p>
+        </p:txBody>
+      </p:sp>
+    </p:spTree>
+    <p:extLst>
+      <p:ext uri="{BB962C8B-B14F-4D97-AF65-F5344CB8AC3E}">
+        <p14:creationId xmlns:p14="http://schemas.microsoft.com/office/powerpoint/2010/main" val="1581036316"/>
+      </p:ext>
+    </p:extLst>
+  </p:cSld>
+  <p:clrMapOvr>
+    <a:masterClrMapping/>
+  </p:clrMapOvr>
+</p:notes>
+</file>
+
+<file path=ppt/notesSlides/notesSlide7.xml><?xml version="1.0" encoding="utf-8"?>
+<p:notes xmlns:a="http://schemas.openxmlformats.org/drawingml/2006/main" xmlns:r="http://schemas.openxmlformats.org/officeDocument/2006/relationships" xmlns:p="http://schemas.openxmlformats.org/presentationml/2006/main">
+  <p:cSld>
+    <p:spTree>
+      <p:nvGrpSpPr>
+        <p:cNvPr id="1" name=""/>
+        <p:cNvGrpSpPr/>
+        <p:nvPr/>
+      </p:nvGrpSpPr>
+      <p:grpSpPr>
+        <a:xfrm>
+          <a:off x="0" y="0"/>
+          <a:ext cx="0" cy="0"/>
+          <a:chOff x="0" y="0"/>
+          <a:chExt cx="0" cy="0"/>
+        </a:xfrm>
+      </p:grpSpPr>
+      <p:sp>
+        <p:nvSpPr>
+          <p:cNvPr id="2" name="スライド イメージ プレースホルダー 1"/>
+          <p:cNvSpPr>
+            <a:spLocks noGrp="1" noRot="1" noChangeAspect="1"/>
+          </p:cNvSpPr>
+          <p:nvPr>
+            <p:ph type="sldImg"/>
+          </p:nvPr>
+        </p:nvSpPr>
+        <p:spPr/>
+      </p:sp>
+      <p:sp>
+        <p:nvSpPr>
+          <p:cNvPr id="3" name="ノート プレースホルダー 2"/>
+          <p:cNvSpPr>
+            <a:spLocks noGrp="1"/>
+          </p:cNvSpPr>
+          <p:nvPr>
+            <p:ph type="body" idx="1"/>
+          </p:nvPr>
+        </p:nvSpPr>
+        <p:spPr/>
+        <p:txBody>
+          <a:bodyPr/>
+          <a:lstStyle/>
+          <a:p>
+            <a:r>
+              <a:rPr kumimoji="1" lang="ja-JP" altLang="en-US" dirty="0"/>
+              <a:t>各課題に対してのアプローチ方法です。</a:t>
+            </a:r>
+            <a:endParaRPr kumimoji="1" lang="en-US" altLang="ja-JP" dirty="0"/>
+          </a:p>
+          <a:p>
+            <a:r>
+              <a:rPr kumimoji="1" lang="en-US" altLang="ja-JP" dirty="0"/>
+              <a:t>temperature</a:t>
+            </a:r>
+            <a:r>
+              <a:rPr kumimoji="1" lang="ja-JP" altLang="en-US" dirty="0"/>
+              <a:t>を最適化することで、出力に一貫性を持たせる。</a:t>
+            </a:r>
+            <a:endParaRPr kumimoji="1" lang="en-US" altLang="ja-JP" dirty="0"/>
+          </a:p>
+          <a:p>
+            <a:r>
+              <a:rPr kumimoji="1" lang="ja-JP" altLang="en-US" dirty="0"/>
+              <a:t>中間の出力として、識別ラベルを付与した</a:t>
+            </a:r>
+            <a:r>
+              <a:rPr kumimoji="1" lang="en-US" altLang="ja-JP" dirty="0"/>
+              <a:t>JSON</a:t>
+            </a:r>
+            <a:r>
+              <a:rPr kumimoji="1" lang="ja-JP" altLang="en-US" dirty="0"/>
+              <a:t>ファイルを用いることで、必要データを識別する。</a:t>
+            </a:r>
+            <a:endParaRPr kumimoji="1" lang="en-US" altLang="ja-JP" dirty="0"/>
+          </a:p>
+          <a:p>
+            <a:endParaRPr kumimoji="1" lang="en-US" altLang="ja-JP" dirty="0"/>
+          </a:p>
+          <a:p>
+            <a:endParaRPr kumimoji="1" lang="en-US" altLang="ja-JP" dirty="0"/>
+          </a:p>
+        </p:txBody>
+      </p:sp>
+      <p:sp>
+        <p:nvSpPr>
+          <p:cNvPr id="4" name="スライド番号プレースホルダー 3"/>
+          <p:cNvSpPr>
+            <a:spLocks noGrp="1"/>
+          </p:cNvSpPr>
+          <p:nvPr>
+            <p:ph type="sldNum" sz="quarter" idx="5"/>
+          </p:nvPr>
+        </p:nvSpPr>
+        <p:spPr/>
+        <p:txBody>
+          <a:bodyPr/>
+          <a:lstStyle/>
+          <a:p>
+            <a:fld id="{0BEF29B3-0BFE-45E1-AC17-47FA859AF79F}" type="slidenum">
+              <a:rPr kumimoji="1" lang="ja-JP" altLang="en-US" smtClean="0"/>
+              <a:t>8</a:t>
+            </a:fld>
+            <a:endParaRPr kumimoji="1" lang="ja-JP" altLang="en-US"/>
+          </a:p>
+        </p:txBody>
+      </p:sp>
+    </p:spTree>
+    <p:extLst>
+      <p:ext uri="{BB962C8B-B14F-4D97-AF65-F5344CB8AC3E}">
+        <p14:creationId xmlns:p14="http://schemas.microsoft.com/office/powerpoint/2010/main" val="3575418203"/>
+      </p:ext>
+    </p:extLst>
+  </p:cSld>
+  <p:clrMapOvr>
+    <a:masterClrMapping/>
+  </p:clrMapOvr>
+</p:notes>
 </file>
 
 <file path=ppt/slideLayouts/slideLayout1.xml><?xml version="1.0" encoding="utf-8"?>
@@ -4129,7 +5101,7 @@
           <p:cNvPr id="2" name="タイトル 1">
             <a:extLst>
               <a:ext uri="{FF2B5EF4-FFF2-40B4-BE49-F238E27FC236}">
-                <a16:creationId xmlns:a16="http://schemas.microsoft.com/office/drawing/2014/main" id="{647DA839-E95E-908B-711A-361B862C3C9C}"/>
+                <a16:creationId xmlns:a16="http://schemas.microsoft.com/office/drawing/2014/main" id="{8F8D795F-3571-2932-A553-AFB3741A5F0A}"/>
               </a:ext>
             </a:extLst>
           </p:cNvPr>
@@ -4146,65 +5118,8 @@
           <a:lstStyle/>
           <a:p>
             <a:r>
-              <a:rPr kumimoji="1" lang="ja-JP" altLang="en-US" dirty="0"/>
-              <a:t>③ 決定事項の抽出</a:t>
-            </a:r>
-            <a:r>
-              <a:rPr kumimoji="1" lang="en-US" altLang="ja-JP" dirty="0"/>
-              <a:t>+</a:t>
-            </a:r>
-            <a:r>
-              <a:rPr kumimoji="1" lang="ja-JP" altLang="en-US" dirty="0"/>
-              <a:t>④ テンプレート出力 </a:t>
-            </a:r>
-          </a:p>
-        </p:txBody>
-      </p:sp>
-      <p:sp>
-        <p:nvSpPr>
-          <p:cNvPr id="3" name="コンテンツ プレースホルダー 2">
-            <a:extLst>
-              <a:ext uri="{FF2B5EF4-FFF2-40B4-BE49-F238E27FC236}">
-                <a16:creationId xmlns:a16="http://schemas.microsoft.com/office/drawing/2014/main" id="{14B658B0-79D1-D7D5-BE9D-C61CB13398E8}"/>
-              </a:ext>
-            </a:extLst>
-          </p:cNvPr>
-          <p:cNvSpPr>
-            <a:spLocks noGrp="1"/>
-          </p:cNvSpPr>
-          <p:nvPr>
-            <p:ph idx="1"/>
-          </p:nvPr>
-        </p:nvSpPr>
-        <p:spPr>
-          <a:xfrm>
-            <a:off x="838199" y="1825625"/>
-            <a:ext cx="10872537" cy="4351338"/>
-          </a:xfrm>
-        </p:spPr>
-        <p:txBody>
-          <a:bodyPr/>
-          <a:lstStyle/>
-          <a:p>
-            <a:pPr marL="0" indent="0">
-              <a:buNone/>
-            </a:pPr>
-            <a:r>
-              <a:rPr kumimoji="1" lang="ja-JP" altLang="en-US" dirty="0"/>
-              <a:t>目的</a:t>
-            </a:r>
-            <a:r>
-              <a:rPr kumimoji="1" lang="en-US" altLang="ja-JP" dirty="0"/>
-              <a:t>:</a:t>
-            </a:r>
-          </a:p>
-          <a:p>
-            <a:pPr marL="0" indent="0">
-              <a:buNone/>
-            </a:pPr>
-            <a:r>
               <a:rPr lang="ja-JP" altLang="en-US" dirty="0"/>
-              <a:t>②で出力したラベル付き</a:t>
+              <a:t>① </a:t>
             </a:r>
             <a:r>
               <a:rPr lang="en-US" altLang="ja-JP" dirty="0"/>
@@ -4212,7 +5127,59 @@
             </a:r>
             <a:r>
               <a:rPr lang="ja-JP" altLang="en-US" dirty="0"/>
-              <a:t>から、時系列と情報の整合化を行う</a:t>
+              <a:t>入力</a:t>
+            </a:r>
+            <a:r>
+              <a:rPr lang="en-US" altLang="ja-JP" dirty="0"/>
+              <a:t>+</a:t>
+            </a:r>
+            <a:r>
+              <a:rPr kumimoji="1" lang="ja-JP" altLang="en-US" dirty="0"/>
+              <a:t>② 分類ラベルの付与</a:t>
+            </a:r>
+          </a:p>
+        </p:txBody>
+      </p:sp>
+      <p:sp>
+        <p:nvSpPr>
+          <p:cNvPr id="3" name="コンテンツ プレースホルダー 2">
+            <a:extLst>
+              <a:ext uri="{FF2B5EF4-FFF2-40B4-BE49-F238E27FC236}">
+                <a16:creationId xmlns:a16="http://schemas.microsoft.com/office/drawing/2014/main" id="{9FD9FBC1-780C-9F71-1BA4-3865D9D0CB7B}"/>
+              </a:ext>
+            </a:extLst>
+          </p:cNvPr>
+          <p:cNvSpPr>
+            <a:spLocks noGrp="1"/>
+          </p:cNvSpPr>
+          <p:nvPr>
+            <p:ph idx="1"/>
+          </p:nvPr>
+        </p:nvSpPr>
+        <p:spPr/>
+        <p:txBody>
+          <a:bodyPr/>
+          <a:lstStyle/>
+          <a:p>
+            <a:pPr marL="0" indent="0">
+              <a:buNone/>
+            </a:pPr>
+            <a:r>
+              <a:rPr kumimoji="1" lang="ja-JP" altLang="en-US" dirty="0"/>
+              <a:t>目的</a:t>
+            </a:r>
+            <a:r>
+              <a:rPr kumimoji="1" lang="en-US" altLang="ja-JP" dirty="0"/>
+              <a:t>: </a:t>
+            </a:r>
+          </a:p>
+          <a:p>
+            <a:pPr marL="0" indent="0">
+              <a:buNone/>
+            </a:pPr>
+            <a:r>
+              <a:rPr kumimoji="1" lang="ja-JP" altLang="en-US" dirty="0"/>
+              <a:t>ラベル付けをして、情報の分析を行い、機能とノイズを識別する</a:t>
             </a:r>
             <a:endParaRPr kumimoji="1" lang="en-US" altLang="ja-JP" dirty="0"/>
           </a:p>
@@ -4228,59 +5195,82 @@
             </a:pPr>
             <a:r>
               <a:rPr kumimoji="1" lang="ja-JP" altLang="en-US" dirty="0"/>
-              <a:t>手法</a:t>
+              <a:t>入力</a:t>
             </a:r>
             <a:r>
               <a:rPr kumimoji="1" lang="en-US" altLang="ja-JP" dirty="0"/>
-              <a:t>:</a:t>
-            </a:r>
-          </a:p>
-          <a:p>
-            <a:r>
-              <a:rPr kumimoji="1" lang="ja-JP" altLang="en-US" dirty="0"/>
-              <a:t>中間</a:t>
+              <a:t>: </a:t>
+            </a:r>
+            <a:r>
+              <a:rPr kumimoji="1" lang="ja-JP" altLang="en-US" dirty="0"/>
+              <a:t>データ</a:t>
             </a:r>
             <a:r>
               <a:rPr kumimoji="1" lang="en-US" altLang="ja-JP" dirty="0"/>
               <a:t>JSON</a:t>
             </a:r>
-            <a:r>
-              <a:rPr kumimoji="1" lang="ja-JP" altLang="en-US" dirty="0"/>
-              <a:t>から</a:t>
+          </a:p>
+          <a:p>
+            <a:pPr marL="0" indent="0">
+              <a:buNone/>
+            </a:pPr>
+            <a:r>
+              <a:rPr lang="ja-JP" altLang="en-US" dirty="0"/>
+              <a:t>出力</a:t>
+            </a:r>
+            <a:r>
+              <a:rPr lang="en-US" altLang="ja-JP" dirty="0"/>
+              <a:t>: </a:t>
+            </a:r>
+            <a:r>
+              <a:rPr lang="ja-JP" altLang="en-US" dirty="0"/>
+              <a:t>中間</a:t>
+            </a:r>
+            <a:r>
+              <a:rPr lang="en-US" altLang="ja-JP" dirty="0"/>
+              <a:t>JSON(</a:t>
+            </a:r>
+            <a:r>
+              <a:rPr lang="ja-JP" altLang="en-US" dirty="0"/>
+              <a:t>ラベル付与</a:t>
+            </a:r>
+            <a:r>
+              <a:rPr lang="en-US" altLang="ja-JP" dirty="0"/>
+              <a:t>)</a:t>
+            </a:r>
+            <a:endParaRPr kumimoji="1" lang="en-US" altLang="ja-JP" dirty="0"/>
+          </a:p>
+          <a:p>
+            <a:pPr marL="0" indent="0">
+              <a:buNone/>
+            </a:pPr>
+            <a:endParaRPr lang="en-US" altLang="ja-JP" dirty="0"/>
+          </a:p>
+          <a:p>
+            <a:pPr marL="0" indent="0">
+              <a:buNone/>
+            </a:pPr>
+            <a:r>
+              <a:rPr kumimoji="1" lang="ja-JP" altLang="en-US" dirty="0"/>
+              <a:t>ラベル定義</a:t>
             </a:r>
             <a:r>
               <a:rPr kumimoji="1" lang="en-US" altLang="ja-JP" dirty="0"/>
-              <a:t>decision</a:t>
-            </a:r>
-            <a:r>
-              <a:rPr kumimoji="1" lang="ja-JP" altLang="en-US" dirty="0"/>
-              <a:t>ラベルを抽出</a:t>
-            </a:r>
-            <a:endParaRPr kumimoji="1" lang="en-US" altLang="ja-JP" dirty="0"/>
-          </a:p>
-          <a:p>
-            <a:r>
-              <a:rPr lang="en-US" altLang="ja-JP" dirty="0"/>
-              <a:t>chitchat</a:t>
-            </a:r>
-            <a:r>
-              <a:rPr lang="ja-JP" altLang="en-US" dirty="0"/>
-              <a:t>ラベルを除去することでノイズを取り除く</a:t>
-            </a:r>
-            <a:endParaRPr lang="en-US" altLang="ja-JP" dirty="0"/>
-          </a:p>
-          <a:p>
-            <a:r>
-              <a:rPr lang="en-US" altLang="ja-JP" dirty="0"/>
-              <a:t>Jinja2</a:t>
-            </a:r>
-            <a:r>
-              <a:rPr lang="ja-JP" altLang="en-US" dirty="0"/>
-              <a:t>より、テンプレートを指定し、書式の統一化を行う</a:t>
-            </a:r>
-            <a:endParaRPr lang="en-US" altLang="ja-JP" dirty="0"/>
-          </a:p>
-          <a:p>
+              <a:t>: decision/proposal/question/chitchat/other</a:t>
+            </a:r>
+          </a:p>
+          <a:p>
+            <a:pPr marL="0" indent="0">
+              <a:buNone/>
+            </a:pPr>
+            <a:r>
+              <a:rPr kumimoji="1" lang="ja-JP" altLang="en-US" dirty="0"/>
+              <a:t>設定</a:t>
+            </a:r>
+            <a:r>
+              <a:rPr kumimoji="1" lang="en-US" altLang="ja-JP" dirty="0"/>
+              <a:t>: temperature=0.2</a:t>
+            </a:r>
             <a:endParaRPr kumimoji="1" lang="ja-JP" altLang="en-US" dirty="0"/>
           </a:p>
         </p:txBody>
@@ -4290,7 +5280,7 @@
           <p:cNvPr id="4" name="スライド番号プレースホルダー 3">
             <a:extLst>
               <a:ext uri="{FF2B5EF4-FFF2-40B4-BE49-F238E27FC236}">
-                <a16:creationId xmlns:a16="http://schemas.microsoft.com/office/drawing/2014/main" id="{CB80E148-22FE-BF74-0A29-0379B4D12FA0}"/>
+                <a16:creationId xmlns:a16="http://schemas.microsoft.com/office/drawing/2014/main" id="{BD02FA91-04BC-946F-88F6-711FEBDD004A}"/>
               </a:ext>
             </a:extLst>
           </p:cNvPr>
@@ -4317,7 +5307,7 @@
     </p:spTree>
     <p:extLst>
       <p:ext uri="{BB962C8B-B14F-4D97-AF65-F5344CB8AC3E}">
-        <p14:creationId xmlns:p14="http://schemas.microsoft.com/office/powerpoint/2010/main" val="1502067219"/>
+        <p14:creationId xmlns:p14="http://schemas.microsoft.com/office/powerpoint/2010/main" val="1121097724"/>
       </p:ext>
     </p:extLst>
   </p:cSld>
@@ -4349,7 +5339,7 @@
           <p:cNvPr id="2" name="タイトル 1">
             <a:extLst>
               <a:ext uri="{FF2B5EF4-FFF2-40B4-BE49-F238E27FC236}">
-                <a16:creationId xmlns:a16="http://schemas.microsoft.com/office/drawing/2014/main" id="{87FA88E0-30F9-EB7C-4AA1-94D92B6AFC85}"/>
+                <a16:creationId xmlns:a16="http://schemas.microsoft.com/office/drawing/2014/main" id="{647DA839-E95E-908B-711A-361B862C3C9C}"/>
               </a:ext>
             </a:extLst>
           </p:cNvPr>
@@ -4367,73 +5357,150 @@
           <a:p>
             <a:r>
               <a:rPr kumimoji="1" lang="ja-JP" altLang="en-US" dirty="0"/>
-              <a:t>比較①</a:t>
+              <a:t>③ 決定事項の抽出</a:t>
             </a:r>
             <a:r>
               <a:rPr kumimoji="1" lang="en-US" altLang="ja-JP" dirty="0"/>
-              <a:t>: </a:t>
-            </a:r>
+              <a:t>+</a:t>
+            </a:r>
+            <a:r>
+              <a:rPr kumimoji="1" lang="ja-JP" altLang="en-US" dirty="0"/>
+              <a:t>④ テンプレート出力 </a:t>
+            </a:r>
+          </a:p>
+        </p:txBody>
+      </p:sp>
+      <p:sp>
+        <p:nvSpPr>
+          <p:cNvPr id="3" name="コンテンツ プレースホルダー 2">
+            <a:extLst>
+              <a:ext uri="{FF2B5EF4-FFF2-40B4-BE49-F238E27FC236}">
+                <a16:creationId xmlns:a16="http://schemas.microsoft.com/office/drawing/2014/main" id="{14B658B0-79D1-D7D5-BE9D-C61CB13398E8}"/>
+              </a:ext>
+            </a:extLst>
+          </p:cNvPr>
+          <p:cNvSpPr>
+            <a:spLocks noGrp="1"/>
+          </p:cNvSpPr>
+          <p:nvPr>
+            <p:ph idx="1"/>
+          </p:nvPr>
+        </p:nvSpPr>
+        <p:spPr>
+          <a:xfrm>
+            <a:off x="838199" y="1825625"/>
+            <a:ext cx="10872537" cy="4351338"/>
+          </a:xfrm>
+        </p:spPr>
+        <p:txBody>
+          <a:bodyPr/>
+          <a:lstStyle/>
+          <a:p>
+            <a:pPr marL="0" indent="0">
+              <a:buNone/>
+            </a:pPr>
+            <a:r>
+              <a:rPr kumimoji="1" lang="ja-JP" altLang="en-US" dirty="0"/>
+              <a:t>目的</a:t>
+            </a:r>
+            <a:r>
+              <a:rPr kumimoji="1" lang="en-US" altLang="ja-JP" dirty="0"/>
+              <a:t>:</a:t>
+            </a:r>
+          </a:p>
+          <a:p>
+            <a:pPr marL="0" indent="0">
+              <a:buNone/>
+            </a:pPr>
             <a:r>
               <a:rPr lang="ja-JP" altLang="en-US" dirty="0"/>
-              <a:t>素の</a:t>
+              <a:t>②で出力したラベル付き</a:t>
             </a:r>
             <a:r>
               <a:rPr lang="en-US" altLang="ja-JP" dirty="0"/>
-              <a:t>AI vs AI</a:t>
+              <a:t>JSON</a:t>
             </a:r>
             <a:r>
               <a:rPr lang="ja-JP" altLang="en-US" dirty="0"/>
-              <a:t>プログラム</a:t>
-            </a:r>
+              <a:t>から、時系列と情報の整合化を行う</a:t>
+            </a:r>
+            <a:endParaRPr kumimoji="1" lang="en-US" altLang="ja-JP" dirty="0"/>
+          </a:p>
+          <a:p>
+            <a:pPr marL="0" indent="0">
+              <a:buNone/>
+            </a:pPr>
+            <a:endParaRPr lang="en-US" altLang="ja-JP" dirty="0"/>
+          </a:p>
+          <a:p>
+            <a:pPr marL="0" indent="0">
+              <a:buNone/>
+            </a:pPr>
+            <a:r>
+              <a:rPr kumimoji="1" lang="ja-JP" altLang="en-US" dirty="0"/>
+              <a:t>手法</a:t>
+            </a:r>
+            <a:r>
+              <a:rPr kumimoji="1" lang="en-US" altLang="ja-JP" dirty="0"/>
+              <a:t>:</a:t>
+            </a:r>
+          </a:p>
+          <a:p>
+            <a:r>
+              <a:rPr kumimoji="1" lang="ja-JP" altLang="en-US" dirty="0"/>
+              <a:t>中間</a:t>
+            </a:r>
+            <a:r>
+              <a:rPr kumimoji="1" lang="en-US" altLang="ja-JP" dirty="0"/>
+              <a:t>JSON</a:t>
+            </a:r>
+            <a:r>
+              <a:rPr kumimoji="1" lang="ja-JP" altLang="en-US" dirty="0"/>
+              <a:t>から</a:t>
+            </a:r>
+            <a:r>
+              <a:rPr kumimoji="1" lang="en-US" altLang="ja-JP" dirty="0"/>
+              <a:t>decision</a:t>
+            </a:r>
+            <a:r>
+              <a:rPr kumimoji="1" lang="ja-JP" altLang="en-US" dirty="0"/>
+              <a:t>ラベルを抽出</a:t>
+            </a:r>
+            <a:endParaRPr kumimoji="1" lang="en-US" altLang="ja-JP" dirty="0"/>
+          </a:p>
+          <a:p>
+            <a:r>
+              <a:rPr lang="en-US" altLang="ja-JP" dirty="0"/>
+              <a:t>chitchat</a:t>
+            </a:r>
+            <a:r>
+              <a:rPr lang="ja-JP" altLang="en-US" dirty="0"/>
+              <a:t>ラベルを除去することでノイズを取り除く</a:t>
+            </a:r>
+            <a:endParaRPr lang="en-US" altLang="ja-JP" dirty="0"/>
+          </a:p>
+          <a:p>
+            <a:r>
+              <a:rPr lang="en-US" altLang="ja-JP" dirty="0"/>
+              <a:t>Jinja2</a:t>
+            </a:r>
+            <a:r>
+              <a:rPr lang="ja-JP" altLang="en-US" dirty="0"/>
+              <a:t>より、テンプレートを指定し、書式の統一化を行う</a:t>
+            </a:r>
+            <a:endParaRPr lang="en-US" altLang="ja-JP" dirty="0"/>
+          </a:p>
+          <a:p>
             <a:endParaRPr kumimoji="1" lang="ja-JP" altLang="en-US" dirty="0"/>
           </a:p>
         </p:txBody>
       </p:sp>
       <p:sp>
         <p:nvSpPr>
-          <p:cNvPr id="3" name="コンテンツ プレースホルダー 2">
-            <a:extLst>
-              <a:ext uri="{FF2B5EF4-FFF2-40B4-BE49-F238E27FC236}">
-                <a16:creationId xmlns:a16="http://schemas.microsoft.com/office/drawing/2014/main" id="{6FE68077-EA7A-F552-733B-BA7C7CFB7285}"/>
-              </a:ext>
-            </a:extLst>
-          </p:cNvPr>
-          <p:cNvSpPr>
-            <a:spLocks noGrp="1"/>
-          </p:cNvSpPr>
-          <p:nvPr>
-            <p:ph idx="1"/>
-          </p:nvPr>
-        </p:nvSpPr>
-        <p:spPr/>
-        <p:txBody>
-          <a:bodyPr/>
-          <a:lstStyle/>
-          <a:p>
-            <a:pPr marL="0" indent="0">
-              <a:buNone/>
-            </a:pPr>
-            <a:r>
-              <a:rPr kumimoji="1" lang="ja-JP" altLang="en-US" dirty="0"/>
-              <a:t>それぞれ、</a:t>
-            </a:r>
-            <a:r>
-              <a:rPr kumimoji="1" lang="en-US" altLang="ja-JP" dirty="0"/>
-              <a:t>10</a:t>
-            </a:r>
-            <a:r>
-              <a:rPr kumimoji="1" lang="ja-JP" altLang="en-US" dirty="0"/>
-              <a:t>回行った平均の値を用いて比較する</a:t>
-            </a:r>
-          </a:p>
-        </p:txBody>
-      </p:sp>
-      <p:sp>
-        <p:nvSpPr>
           <p:cNvPr id="4" name="スライド番号プレースホルダー 3">
             <a:extLst>
               <a:ext uri="{FF2B5EF4-FFF2-40B4-BE49-F238E27FC236}">
-                <a16:creationId xmlns:a16="http://schemas.microsoft.com/office/drawing/2014/main" id="{7ED792A9-450D-5492-EFDC-3A9EB610B0F9}"/>
+                <a16:creationId xmlns:a16="http://schemas.microsoft.com/office/drawing/2014/main" id="{CB80E148-22FE-BF74-0A29-0379B4D12FA0}"/>
               </a:ext>
             </a:extLst>
           </p:cNvPr>
@@ -4452,6 +5519,149 @@
             <a:fld id="{F32C8F3A-98E9-46B1-BAC9-77D093337233}" type="slidenum">
               <a:rPr kumimoji="1" lang="ja-JP" altLang="en-US" smtClean="0"/>
               <a:t>11</a:t>
+            </a:fld>
+            <a:endParaRPr kumimoji="1" lang="ja-JP" altLang="en-US"/>
+          </a:p>
+        </p:txBody>
+      </p:sp>
+    </p:spTree>
+    <p:extLst>
+      <p:ext uri="{BB962C8B-B14F-4D97-AF65-F5344CB8AC3E}">
+        <p14:creationId xmlns:p14="http://schemas.microsoft.com/office/powerpoint/2010/main" val="1502067219"/>
+      </p:ext>
+    </p:extLst>
+  </p:cSld>
+  <p:clrMapOvr>
+    <a:masterClrMapping/>
+  </p:clrMapOvr>
+</p:sld>
+</file>
+
+<file path=ppt/slides/slide12.xml><?xml version="1.0" encoding="utf-8"?>
+<p:sld xmlns:a="http://schemas.openxmlformats.org/drawingml/2006/main" xmlns:r="http://schemas.openxmlformats.org/officeDocument/2006/relationships" xmlns:p="http://schemas.openxmlformats.org/presentationml/2006/main">
+  <p:cSld>
+    <p:spTree>
+      <p:nvGrpSpPr>
+        <p:cNvPr id="1" name=""/>
+        <p:cNvGrpSpPr/>
+        <p:nvPr/>
+      </p:nvGrpSpPr>
+      <p:grpSpPr>
+        <a:xfrm>
+          <a:off x="0" y="0"/>
+          <a:ext cx="0" cy="0"/>
+          <a:chOff x="0" y="0"/>
+          <a:chExt cx="0" cy="0"/>
+        </a:xfrm>
+      </p:grpSpPr>
+      <p:sp>
+        <p:nvSpPr>
+          <p:cNvPr id="2" name="タイトル 1">
+            <a:extLst>
+              <a:ext uri="{FF2B5EF4-FFF2-40B4-BE49-F238E27FC236}">
+                <a16:creationId xmlns:a16="http://schemas.microsoft.com/office/drawing/2014/main" id="{87FA88E0-30F9-EB7C-4AA1-94D92B6AFC85}"/>
+              </a:ext>
+            </a:extLst>
+          </p:cNvPr>
+          <p:cNvSpPr>
+            <a:spLocks noGrp="1"/>
+          </p:cNvSpPr>
+          <p:nvPr>
+            <p:ph type="title"/>
+          </p:nvPr>
+        </p:nvSpPr>
+        <p:spPr/>
+        <p:txBody>
+          <a:bodyPr/>
+          <a:lstStyle/>
+          <a:p>
+            <a:r>
+              <a:rPr kumimoji="1" lang="ja-JP" altLang="en-US" dirty="0"/>
+              <a:t>比較①</a:t>
+            </a:r>
+            <a:r>
+              <a:rPr kumimoji="1" lang="en-US" altLang="ja-JP" dirty="0"/>
+              <a:t>: </a:t>
+            </a:r>
+            <a:r>
+              <a:rPr lang="ja-JP" altLang="en-US" dirty="0"/>
+              <a:t>素の</a:t>
+            </a:r>
+            <a:r>
+              <a:rPr lang="en-US" altLang="ja-JP" dirty="0"/>
+              <a:t>AI vs AI</a:t>
+            </a:r>
+            <a:r>
+              <a:rPr lang="ja-JP" altLang="en-US" dirty="0"/>
+              <a:t>プログラム</a:t>
+            </a:r>
+            <a:endParaRPr kumimoji="1" lang="ja-JP" altLang="en-US" dirty="0"/>
+          </a:p>
+        </p:txBody>
+      </p:sp>
+      <p:sp>
+        <p:nvSpPr>
+          <p:cNvPr id="3" name="コンテンツ プレースホルダー 2">
+            <a:extLst>
+              <a:ext uri="{FF2B5EF4-FFF2-40B4-BE49-F238E27FC236}">
+                <a16:creationId xmlns:a16="http://schemas.microsoft.com/office/drawing/2014/main" id="{6FE68077-EA7A-F552-733B-BA7C7CFB7285}"/>
+              </a:ext>
+            </a:extLst>
+          </p:cNvPr>
+          <p:cNvSpPr>
+            <a:spLocks noGrp="1"/>
+          </p:cNvSpPr>
+          <p:nvPr>
+            <p:ph idx="1"/>
+          </p:nvPr>
+        </p:nvSpPr>
+        <p:spPr/>
+        <p:txBody>
+          <a:bodyPr/>
+          <a:lstStyle/>
+          <a:p>
+            <a:pPr marL="0" indent="0">
+              <a:buNone/>
+            </a:pPr>
+            <a:r>
+              <a:rPr kumimoji="1" lang="ja-JP" altLang="en-US" dirty="0"/>
+              <a:t>それぞれ、</a:t>
+            </a:r>
+            <a:r>
+              <a:rPr kumimoji="1" lang="en-US" altLang="ja-JP" dirty="0"/>
+              <a:t>10</a:t>
+            </a:r>
+            <a:r>
+              <a:rPr kumimoji="1" lang="ja-JP" altLang="en-US" dirty="0"/>
+              <a:t>回行った平均の値を用いて比較する</a:t>
+            </a:r>
+          </a:p>
+        </p:txBody>
+      </p:sp>
+      <p:sp>
+        <p:nvSpPr>
+          <p:cNvPr id="4" name="スライド番号プレースホルダー 3">
+            <a:extLst>
+              <a:ext uri="{FF2B5EF4-FFF2-40B4-BE49-F238E27FC236}">
+                <a16:creationId xmlns:a16="http://schemas.microsoft.com/office/drawing/2014/main" id="{7ED792A9-450D-5492-EFDC-3A9EB610B0F9}"/>
+              </a:ext>
+            </a:extLst>
+          </p:cNvPr>
+          <p:cNvSpPr>
+            <a:spLocks noGrp="1"/>
+          </p:cNvSpPr>
+          <p:nvPr>
+            <p:ph type="sldNum" sz="quarter" idx="12"/>
+          </p:nvPr>
+        </p:nvSpPr>
+        <p:spPr/>
+        <p:txBody>
+          <a:bodyPr/>
+          <a:lstStyle/>
+          <a:p>
+            <a:fld id="{F32C8F3A-98E9-46B1-BAC9-77D093337233}" type="slidenum">
+              <a:rPr kumimoji="1" lang="ja-JP" altLang="en-US" smtClean="0"/>
+              <a:t>12</a:t>
             </a:fld>
             <a:endParaRPr kumimoji="1" lang="ja-JP" altLang="en-US"/>
           </a:p>
@@ -4838,7 +6048,7 @@
 </p:sld>
 </file>
 
-<file path=ppt/slides/slide12.xml><?xml version="1.0" encoding="utf-8"?>
+<file path=ppt/slides/slide13.xml><?xml version="1.0" encoding="utf-8"?>
 <p:sld xmlns:a="http://schemas.openxmlformats.org/drawingml/2006/main" xmlns:r="http://schemas.openxmlformats.org/officeDocument/2006/relationships" xmlns:p="http://schemas.openxmlformats.org/presentationml/2006/main">
   <p:cSld>
     <p:spTree>
@@ -4965,7 +6175,7 @@
           <a:p>
             <a:fld id="{F32C8F3A-98E9-46B1-BAC9-77D093337233}" type="slidenum">
               <a:rPr kumimoji="1" lang="ja-JP" altLang="en-US" smtClean="0"/>
-              <a:t>12</a:t>
+              <a:t>13</a:t>
             </a:fld>
             <a:endParaRPr kumimoji="1" lang="ja-JP" altLang="en-US"/>
           </a:p>
@@ -5296,237 +6506,6 @@
 </p:sld>
 </file>
 
-<file path=ppt/slides/slide13.xml><?xml version="1.0" encoding="utf-8"?>
-<p:sld xmlns:a="http://schemas.openxmlformats.org/drawingml/2006/main" xmlns:r="http://schemas.openxmlformats.org/officeDocument/2006/relationships" xmlns:p="http://schemas.openxmlformats.org/presentationml/2006/main">
-  <p:cSld>
-    <p:spTree>
-      <p:nvGrpSpPr>
-        <p:cNvPr id="1" name=""/>
-        <p:cNvGrpSpPr/>
-        <p:nvPr/>
-      </p:nvGrpSpPr>
-      <p:grpSpPr>
-        <a:xfrm>
-          <a:off x="0" y="0"/>
-          <a:ext cx="0" cy="0"/>
-          <a:chOff x="0" y="0"/>
-          <a:chExt cx="0" cy="0"/>
-        </a:xfrm>
-      </p:grpSpPr>
-      <p:sp>
-        <p:nvSpPr>
-          <p:cNvPr id="2" name="タイトル 1">
-            <a:extLst>
-              <a:ext uri="{FF2B5EF4-FFF2-40B4-BE49-F238E27FC236}">
-                <a16:creationId xmlns:a16="http://schemas.microsoft.com/office/drawing/2014/main" id="{B70B8726-2F14-6E86-3EE0-073DC0749652}"/>
-              </a:ext>
-            </a:extLst>
-          </p:cNvPr>
-          <p:cNvSpPr>
-            <a:spLocks noGrp="1"/>
-          </p:cNvSpPr>
-          <p:nvPr>
-            <p:ph type="title"/>
-          </p:nvPr>
-        </p:nvSpPr>
-        <p:spPr/>
-        <p:txBody>
-          <a:bodyPr/>
-          <a:lstStyle/>
-          <a:p>
-            <a:r>
-              <a:rPr kumimoji="1" lang="ja-JP" altLang="en-US" dirty="0"/>
-              <a:t>評価まとめ</a:t>
-            </a:r>
-          </a:p>
-        </p:txBody>
-      </p:sp>
-      <p:sp>
-        <p:nvSpPr>
-          <p:cNvPr id="3" name="コンテンツ プレースホルダー 2">
-            <a:extLst>
-              <a:ext uri="{FF2B5EF4-FFF2-40B4-BE49-F238E27FC236}">
-                <a16:creationId xmlns:a16="http://schemas.microsoft.com/office/drawing/2014/main" id="{91A01277-3616-851A-7BBC-AF5B59E4B1C4}"/>
-              </a:ext>
-            </a:extLst>
-          </p:cNvPr>
-          <p:cNvSpPr>
-            <a:spLocks noGrp="1"/>
-          </p:cNvSpPr>
-          <p:nvPr>
-            <p:ph idx="1"/>
-          </p:nvPr>
-        </p:nvSpPr>
-        <p:spPr/>
-        <p:txBody>
-          <a:bodyPr/>
-          <a:lstStyle/>
-          <a:p>
-            <a:r>
-              <a:rPr kumimoji="1" lang="ja-JP" altLang="en-US" dirty="0"/>
-              <a:t>本プログラムにて、挙げていた</a:t>
-            </a:r>
-            <a:r>
-              <a:rPr lang="en-US" altLang="ja-JP" dirty="0"/>
-              <a:t>AI</a:t>
-            </a:r>
-            <a:r>
-              <a:rPr lang="ja-JP" altLang="en-US" dirty="0"/>
-              <a:t>・人手の課題を満たしている</a:t>
-            </a:r>
-            <a:endParaRPr lang="en-US" altLang="ja-JP" dirty="0"/>
-          </a:p>
-          <a:p>
-            <a:r>
-              <a:rPr kumimoji="1" lang="ja-JP" altLang="en-US" dirty="0"/>
-              <a:t>作成時間を人手と比較して大幅削減できた</a:t>
-            </a:r>
-            <a:endParaRPr lang="en-US" altLang="ja-JP" dirty="0"/>
-          </a:p>
-          <a:p>
-            <a:pPr marL="0" indent="0">
-              <a:buNone/>
-            </a:pPr>
-            <a:endParaRPr kumimoji="1" lang="en-US" altLang="ja-JP" dirty="0"/>
-          </a:p>
-          <a:p>
-            <a:pPr marL="0" indent="0">
-              <a:buNone/>
-            </a:pPr>
-            <a:r>
-              <a:rPr lang="ja-JP" altLang="en-US" dirty="0"/>
-              <a:t>本プログラムの処理時間</a:t>
-            </a:r>
-            <a:r>
-              <a:rPr lang="en-US" altLang="ja-JP" dirty="0"/>
-              <a:t>:</a:t>
-            </a:r>
-          </a:p>
-          <a:p>
-            <a:pPr marL="0" indent="0">
-              <a:buNone/>
-            </a:pPr>
-            <a:r>
-              <a:rPr kumimoji="1" lang="ja-JP" altLang="en-US" dirty="0"/>
-              <a:t>最小</a:t>
-            </a:r>
-            <a:r>
-              <a:rPr kumimoji="1" lang="en-US" altLang="ja-JP" dirty="0"/>
-              <a:t>: 7</a:t>
-            </a:r>
-            <a:r>
-              <a:rPr kumimoji="1" lang="ja-JP" altLang="en-US" dirty="0"/>
-              <a:t>分</a:t>
-            </a:r>
-            <a:r>
-              <a:rPr kumimoji="1" lang="en-US" altLang="ja-JP" dirty="0"/>
-              <a:t>26</a:t>
-            </a:r>
-            <a:r>
-              <a:rPr kumimoji="1" lang="ja-JP" altLang="en-US" dirty="0"/>
-              <a:t>秒</a:t>
-            </a:r>
-            <a:endParaRPr kumimoji="1" lang="en-US" altLang="ja-JP" dirty="0"/>
-          </a:p>
-          <a:p>
-            <a:pPr marL="0" indent="0">
-              <a:buNone/>
-            </a:pPr>
-            <a:r>
-              <a:rPr kumimoji="1" lang="ja-JP" altLang="en-US" dirty="0"/>
-              <a:t>最大</a:t>
-            </a:r>
-            <a:r>
-              <a:rPr kumimoji="1" lang="en-US" altLang="ja-JP" dirty="0"/>
-              <a:t>: 12</a:t>
-            </a:r>
-            <a:r>
-              <a:rPr kumimoji="1" lang="ja-JP" altLang="en-US" dirty="0"/>
-              <a:t>分</a:t>
-            </a:r>
-            <a:r>
-              <a:rPr kumimoji="1" lang="en-US" altLang="ja-JP" dirty="0"/>
-              <a:t>3</a:t>
-            </a:r>
-            <a:r>
-              <a:rPr kumimoji="1" lang="ja-JP" altLang="en-US" dirty="0"/>
-              <a:t>秒</a:t>
-            </a:r>
-            <a:endParaRPr kumimoji="1" lang="en-US" altLang="ja-JP" dirty="0"/>
-          </a:p>
-          <a:p>
-            <a:pPr marL="0" indent="0">
-              <a:buNone/>
-            </a:pPr>
-            <a:r>
-              <a:rPr lang="ja-JP" altLang="en-US" dirty="0"/>
-              <a:t>平均</a:t>
-            </a:r>
-            <a:r>
-              <a:rPr lang="en-US" altLang="ja-JP" dirty="0"/>
-              <a:t>: 9</a:t>
-            </a:r>
-            <a:r>
-              <a:rPr lang="ja-JP" altLang="en-US" dirty="0"/>
-              <a:t>分</a:t>
-            </a:r>
-            <a:r>
-              <a:rPr lang="en-US" altLang="ja-JP" dirty="0"/>
-              <a:t>18</a:t>
-            </a:r>
-            <a:r>
-              <a:rPr lang="ja-JP" altLang="en-US" dirty="0"/>
-              <a:t>秒</a:t>
-            </a:r>
-            <a:endParaRPr kumimoji="1" lang="en-US" altLang="ja-JP" dirty="0"/>
-          </a:p>
-          <a:p>
-            <a:endParaRPr kumimoji="1" lang="ja-JP" altLang="en-US" dirty="0"/>
-          </a:p>
-        </p:txBody>
-      </p:sp>
-      <p:sp>
-        <p:nvSpPr>
-          <p:cNvPr id="4" name="スライド番号プレースホルダー 3">
-            <a:extLst>
-              <a:ext uri="{FF2B5EF4-FFF2-40B4-BE49-F238E27FC236}">
-                <a16:creationId xmlns:a16="http://schemas.microsoft.com/office/drawing/2014/main" id="{621FE781-C1E2-FB7D-0EC7-BA82BC686AFD}"/>
-              </a:ext>
-            </a:extLst>
-          </p:cNvPr>
-          <p:cNvSpPr>
-            <a:spLocks noGrp="1"/>
-          </p:cNvSpPr>
-          <p:nvPr>
-            <p:ph type="sldNum" sz="quarter" idx="12"/>
-          </p:nvPr>
-        </p:nvSpPr>
-        <p:spPr/>
-        <p:txBody>
-          <a:bodyPr/>
-          <a:lstStyle/>
-          <a:p>
-            <a:fld id="{F32C8F3A-98E9-46B1-BAC9-77D093337233}" type="slidenum">
-              <a:rPr kumimoji="1" lang="ja-JP" altLang="en-US" smtClean="0"/>
-              <a:t>13</a:t>
-            </a:fld>
-            <a:endParaRPr kumimoji="1" lang="ja-JP" altLang="en-US"/>
-          </a:p>
-        </p:txBody>
-      </p:sp>
-    </p:spTree>
-    <p:extLst>
-      <p:ext uri="{BB962C8B-B14F-4D97-AF65-F5344CB8AC3E}">
-        <p14:creationId xmlns:p14="http://schemas.microsoft.com/office/powerpoint/2010/main" val="166997391"/>
-      </p:ext>
-    </p:extLst>
-  </p:cSld>
-  <p:clrMapOvr>
-    <a:masterClrMapping/>
-  </p:clrMapOvr>
-</p:sld>
-</file>
-
 <file path=ppt/slides/slide14.xml><?xml version="1.0" encoding="utf-8"?>
 <p:sld xmlns:a="http://schemas.openxmlformats.org/drawingml/2006/main" xmlns:r="http://schemas.openxmlformats.org/officeDocument/2006/relationships" xmlns:p="http://schemas.openxmlformats.org/presentationml/2006/main">
   <p:cSld>
@@ -5549,7 +6528,7 @@
           <p:cNvPr id="2" name="タイトル 1">
             <a:extLst>
               <a:ext uri="{FF2B5EF4-FFF2-40B4-BE49-F238E27FC236}">
-                <a16:creationId xmlns:a16="http://schemas.microsoft.com/office/drawing/2014/main" id="{21A863AB-7D98-4734-8F3C-55234BE5B0C1}"/>
+                <a16:creationId xmlns:a16="http://schemas.microsoft.com/office/drawing/2014/main" id="{B70B8726-2F14-6E86-3EE0-073DC0749652}"/>
               </a:ext>
             </a:extLst>
           </p:cNvPr>
@@ -5567,7 +6546,7 @@
           <a:p>
             <a:r>
               <a:rPr kumimoji="1" lang="ja-JP" altLang="en-US" dirty="0"/>
-              <a:t>結論</a:t>
+              <a:t>評価まとめ</a:t>
             </a:r>
           </a:p>
         </p:txBody>
@@ -5577,7 +6556,7 @@
           <p:cNvPr id="3" name="コンテンツ プレースホルダー 2">
             <a:extLst>
               <a:ext uri="{FF2B5EF4-FFF2-40B4-BE49-F238E27FC236}">
-                <a16:creationId xmlns:a16="http://schemas.microsoft.com/office/drawing/2014/main" id="{3132E176-FCD7-3C70-78D1-FEFDE228BF41}"/>
+                <a16:creationId xmlns:a16="http://schemas.microsoft.com/office/drawing/2014/main" id="{91A01277-3616-851A-7BBC-AF5B59E4B1C4}"/>
               </a:ext>
             </a:extLst>
           </p:cNvPr>
@@ -5594,35 +6573,125 @@
           <a:lstStyle/>
           <a:p>
             <a:r>
+              <a:rPr kumimoji="1" lang="ja-JP" altLang="en-US" dirty="0"/>
+              <a:t>本プログラムにて、挙げていた</a:t>
+            </a:r>
+            <a:r>
+              <a:rPr lang="en-US" altLang="ja-JP" dirty="0"/>
+              <a:t>AI</a:t>
+            </a:r>
+            <a:r>
               <a:rPr lang="ja-JP" altLang="en-US" dirty="0"/>
-              <a:t>使用したデータにおいて、高い精度が見られた</a:t>
+              <a:t>・人手の課題を満たしている</a:t>
             </a:r>
             <a:endParaRPr lang="en-US" altLang="ja-JP" dirty="0"/>
           </a:p>
           <a:p>
             <a:r>
               <a:rPr kumimoji="1" lang="ja-JP" altLang="en-US" dirty="0"/>
-              <a:t>テストデータが少ない為、実用性について評価することができなかった</a:t>
-            </a:r>
+              <a:t>作成時間を人手と比較して大幅削減できた</a:t>
+            </a:r>
+            <a:endParaRPr lang="en-US" altLang="ja-JP" dirty="0"/>
+          </a:p>
+          <a:p>
+            <a:pPr marL="0" indent="0">
+              <a:buNone/>
+            </a:pPr>
             <a:endParaRPr kumimoji="1" lang="en-US" altLang="ja-JP" dirty="0"/>
           </a:p>
           <a:p>
+            <a:pPr marL="0" indent="0">
+              <a:buNone/>
+            </a:pPr>
+            <a:r>
+              <a:rPr lang="ja-JP" altLang="en-US" dirty="0"/>
+              <a:t>本プログラムの処理時間</a:t>
+            </a:r>
+            <a:r>
+              <a:rPr lang="en-US" altLang="ja-JP" dirty="0"/>
+              <a:t>:</a:t>
+            </a:r>
+          </a:p>
+          <a:p>
+            <a:pPr marL="0" indent="0">
+              <a:buNone/>
+            </a:pPr>
+            <a:r>
+              <a:rPr kumimoji="1" lang="ja-JP" altLang="en-US" dirty="0"/>
+              <a:t>最小</a:t>
+            </a:r>
             <a:r>
               <a:rPr kumimoji="1" lang="en-US" altLang="ja-JP" dirty="0"/>
-              <a:t>Web</a:t>
-            </a:r>
-            <a:r>
-              <a:rPr kumimoji="1" lang="ja-JP" altLang="en-US" dirty="0"/>
-              <a:t>開発においては、仕様変更にて</a:t>
+              <a:t>: 7</a:t>
+            </a:r>
+            <a:r>
+              <a:rPr kumimoji="1" lang="ja-JP" altLang="en-US" dirty="0"/>
+              <a:t>分</a:t>
             </a:r>
             <a:r>
               <a:rPr kumimoji="1" lang="en-US" altLang="ja-JP" dirty="0"/>
-              <a:t>UI</a:t>
-            </a:r>
-            <a:r>
-              <a:rPr kumimoji="1" lang="ja-JP" altLang="en-US" dirty="0"/>
-              <a:t>の重なりや他項目への影響までは考慮することができなかった</a:t>
-            </a:r>
+              <a:t>26</a:t>
+            </a:r>
+            <a:r>
+              <a:rPr kumimoji="1" lang="ja-JP" altLang="en-US" dirty="0"/>
+              <a:t>秒</a:t>
+            </a:r>
+            <a:endParaRPr kumimoji="1" lang="en-US" altLang="ja-JP" dirty="0"/>
+          </a:p>
+          <a:p>
+            <a:pPr marL="0" indent="0">
+              <a:buNone/>
+            </a:pPr>
+            <a:r>
+              <a:rPr kumimoji="1" lang="ja-JP" altLang="en-US" dirty="0"/>
+              <a:t>最大</a:t>
+            </a:r>
+            <a:r>
+              <a:rPr kumimoji="1" lang="en-US" altLang="ja-JP" dirty="0"/>
+              <a:t>: 12</a:t>
+            </a:r>
+            <a:r>
+              <a:rPr kumimoji="1" lang="ja-JP" altLang="en-US" dirty="0"/>
+              <a:t>分</a:t>
+            </a:r>
+            <a:r>
+              <a:rPr kumimoji="1" lang="en-US" altLang="ja-JP" dirty="0"/>
+              <a:t>3</a:t>
+            </a:r>
+            <a:r>
+              <a:rPr kumimoji="1" lang="ja-JP" altLang="en-US" dirty="0"/>
+              <a:t>秒</a:t>
+            </a:r>
+            <a:endParaRPr kumimoji="1" lang="en-US" altLang="ja-JP" dirty="0"/>
+          </a:p>
+          <a:p>
+            <a:pPr marL="0" indent="0">
+              <a:buNone/>
+            </a:pPr>
+            <a:r>
+              <a:rPr lang="ja-JP" altLang="en-US" dirty="0"/>
+              <a:t>平均</a:t>
+            </a:r>
+            <a:r>
+              <a:rPr lang="en-US" altLang="ja-JP" dirty="0"/>
+              <a:t>: 9</a:t>
+            </a:r>
+            <a:r>
+              <a:rPr lang="ja-JP" altLang="en-US" dirty="0"/>
+              <a:t>分</a:t>
+            </a:r>
+            <a:r>
+              <a:rPr lang="en-US" altLang="ja-JP" dirty="0"/>
+              <a:t>18</a:t>
+            </a:r>
+            <a:r>
+              <a:rPr lang="ja-JP" altLang="en-US" dirty="0"/>
+              <a:t>秒</a:t>
+            </a:r>
+            <a:endParaRPr kumimoji="1" lang="en-US" altLang="ja-JP" dirty="0"/>
+          </a:p>
+          <a:p>
+            <a:endParaRPr kumimoji="1" lang="ja-JP" altLang="en-US" dirty="0"/>
           </a:p>
         </p:txBody>
       </p:sp>
@@ -5631,7 +6700,7 @@
           <p:cNvPr id="4" name="スライド番号プレースホルダー 3">
             <a:extLst>
               <a:ext uri="{FF2B5EF4-FFF2-40B4-BE49-F238E27FC236}">
-                <a16:creationId xmlns:a16="http://schemas.microsoft.com/office/drawing/2014/main" id="{3E16830D-5AE5-1862-4234-E4A5BDA485B7}"/>
+                <a16:creationId xmlns:a16="http://schemas.microsoft.com/office/drawing/2014/main" id="{621FE781-C1E2-FB7D-0EC7-BA82BC686AFD}"/>
               </a:ext>
             </a:extLst>
           </p:cNvPr>
@@ -5658,7 +6727,7 @@
     </p:spTree>
     <p:extLst>
       <p:ext uri="{BB962C8B-B14F-4D97-AF65-F5344CB8AC3E}">
-        <p14:creationId xmlns:p14="http://schemas.microsoft.com/office/powerpoint/2010/main" val="46700812"/>
+        <p14:creationId xmlns:p14="http://schemas.microsoft.com/office/powerpoint/2010/main" val="166997391"/>
       </p:ext>
     </p:extLst>
   </p:cSld>
@@ -5690,6 +6759,147 @@
           <p:cNvPr id="2" name="タイトル 1">
             <a:extLst>
               <a:ext uri="{FF2B5EF4-FFF2-40B4-BE49-F238E27FC236}">
+                <a16:creationId xmlns:a16="http://schemas.microsoft.com/office/drawing/2014/main" id="{21A863AB-7D98-4734-8F3C-55234BE5B0C1}"/>
+              </a:ext>
+            </a:extLst>
+          </p:cNvPr>
+          <p:cNvSpPr>
+            <a:spLocks noGrp="1"/>
+          </p:cNvSpPr>
+          <p:nvPr>
+            <p:ph type="title"/>
+          </p:nvPr>
+        </p:nvSpPr>
+        <p:spPr/>
+        <p:txBody>
+          <a:bodyPr/>
+          <a:lstStyle/>
+          <a:p>
+            <a:r>
+              <a:rPr kumimoji="1" lang="ja-JP" altLang="en-US" dirty="0"/>
+              <a:t>結論</a:t>
+            </a:r>
+          </a:p>
+        </p:txBody>
+      </p:sp>
+      <p:sp>
+        <p:nvSpPr>
+          <p:cNvPr id="3" name="コンテンツ プレースホルダー 2">
+            <a:extLst>
+              <a:ext uri="{FF2B5EF4-FFF2-40B4-BE49-F238E27FC236}">
+                <a16:creationId xmlns:a16="http://schemas.microsoft.com/office/drawing/2014/main" id="{3132E176-FCD7-3C70-78D1-FEFDE228BF41}"/>
+              </a:ext>
+            </a:extLst>
+          </p:cNvPr>
+          <p:cNvSpPr>
+            <a:spLocks noGrp="1"/>
+          </p:cNvSpPr>
+          <p:nvPr>
+            <p:ph idx="1"/>
+          </p:nvPr>
+        </p:nvSpPr>
+        <p:spPr/>
+        <p:txBody>
+          <a:bodyPr/>
+          <a:lstStyle/>
+          <a:p>
+            <a:r>
+              <a:rPr lang="ja-JP" altLang="en-US" dirty="0"/>
+              <a:t>使用したデータにおいて、高い精度が見られた</a:t>
+            </a:r>
+            <a:endParaRPr lang="en-US" altLang="ja-JP" dirty="0"/>
+          </a:p>
+          <a:p>
+            <a:r>
+              <a:rPr kumimoji="1" lang="ja-JP" altLang="en-US" dirty="0"/>
+              <a:t>テストデータが少ない為、実用性について評価することができなかった</a:t>
+            </a:r>
+            <a:endParaRPr kumimoji="1" lang="en-US" altLang="ja-JP" dirty="0"/>
+          </a:p>
+          <a:p>
+            <a:r>
+              <a:rPr lang="ja-JP" altLang="en-US" dirty="0"/>
+              <a:t>今回では、</a:t>
+            </a:r>
+            <a:r>
+              <a:rPr kumimoji="1" lang="ja-JP" altLang="en-US" dirty="0"/>
+              <a:t>仕様変更にて</a:t>
+            </a:r>
+            <a:r>
+              <a:rPr kumimoji="1" lang="en-US" altLang="ja-JP" dirty="0"/>
+              <a:t>UI</a:t>
+            </a:r>
+            <a:r>
+              <a:rPr kumimoji="1" lang="ja-JP" altLang="en-US" dirty="0"/>
+              <a:t>の重なりや他項目への影響までは考慮することができなかった</a:t>
+            </a:r>
+          </a:p>
+        </p:txBody>
+      </p:sp>
+      <p:sp>
+        <p:nvSpPr>
+          <p:cNvPr id="4" name="スライド番号プレースホルダー 3">
+            <a:extLst>
+              <a:ext uri="{FF2B5EF4-FFF2-40B4-BE49-F238E27FC236}">
+                <a16:creationId xmlns:a16="http://schemas.microsoft.com/office/drawing/2014/main" id="{3E16830D-5AE5-1862-4234-E4A5BDA485B7}"/>
+              </a:ext>
+            </a:extLst>
+          </p:cNvPr>
+          <p:cNvSpPr>
+            <a:spLocks noGrp="1"/>
+          </p:cNvSpPr>
+          <p:nvPr>
+            <p:ph type="sldNum" sz="quarter" idx="12"/>
+          </p:nvPr>
+        </p:nvSpPr>
+        <p:spPr/>
+        <p:txBody>
+          <a:bodyPr/>
+          <a:lstStyle/>
+          <a:p>
+            <a:fld id="{F32C8F3A-98E9-46B1-BAC9-77D093337233}" type="slidenum">
+              <a:rPr kumimoji="1" lang="ja-JP" altLang="en-US" smtClean="0"/>
+              <a:t>15</a:t>
+            </a:fld>
+            <a:endParaRPr kumimoji="1" lang="ja-JP" altLang="en-US"/>
+          </a:p>
+        </p:txBody>
+      </p:sp>
+    </p:spTree>
+    <p:extLst>
+      <p:ext uri="{BB962C8B-B14F-4D97-AF65-F5344CB8AC3E}">
+        <p14:creationId xmlns:p14="http://schemas.microsoft.com/office/powerpoint/2010/main" val="46700812"/>
+      </p:ext>
+    </p:extLst>
+  </p:cSld>
+  <p:clrMapOvr>
+    <a:masterClrMapping/>
+  </p:clrMapOvr>
+</p:sld>
+</file>
+
+<file path=ppt/slides/slide16.xml><?xml version="1.0" encoding="utf-8"?>
+<p:sld xmlns:a="http://schemas.openxmlformats.org/drawingml/2006/main" xmlns:r="http://schemas.openxmlformats.org/officeDocument/2006/relationships" xmlns:p="http://schemas.openxmlformats.org/presentationml/2006/main">
+  <p:cSld>
+    <p:spTree>
+      <p:nvGrpSpPr>
+        <p:cNvPr id="1" name=""/>
+        <p:cNvGrpSpPr/>
+        <p:nvPr/>
+      </p:nvGrpSpPr>
+      <p:grpSpPr>
+        <a:xfrm>
+          <a:off x="0" y="0"/>
+          <a:ext cx="0" cy="0"/>
+          <a:chOff x="0" y="0"/>
+          <a:chExt cx="0" cy="0"/>
+        </a:xfrm>
+      </p:grpSpPr>
+      <p:sp>
+        <p:nvSpPr>
+          <p:cNvPr id="2" name="タイトル 1">
+            <a:extLst>
+              <a:ext uri="{FF2B5EF4-FFF2-40B4-BE49-F238E27FC236}">
                 <a16:creationId xmlns:a16="http://schemas.microsoft.com/office/drawing/2014/main" id="{E319FA5C-2E60-9E37-507E-B3AC6FDA58AA}"/>
               </a:ext>
             </a:extLst>
@@ -5741,7 +6951,7 @@
           <a:p>
             <a:fld id="{F32C8F3A-98E9-46B1-BAC9-77D093337233}" type="slidenum">
               <a:rPr kumimoji="1" lang="ja-JP" altLang="en-US" smtClean="0"/>
-              <a:t>15</a:t>
+              <a:t>16</a:t>
             </a:fld>
             <a:endParaRPr kumimoji="1" lang="ja-JP" altLang="en-US"/>
           </a:p>
@@ -6146,6 +7356,692 @@
           <p:cNvPr id="2" name="タイトル 1">
             <a:extLst>
               <a:ext uri="{FF2B5EF4-FFF2-40B4-BE49-F238E27FC236}">
+                <a16:creationId xmlns:a16="http://schemas.microsoft.com/office/drawing/2014/main" id="{BE684644-962E-267A-6DDF-4704934A12EF}"/>
+              </a:ext>
+            </a:extLst>
+          </p:cNvPr>
+          <p:cNvSpPr>
+            <a:spLocks noGrp="1"/>
+          </p:cNvSpPr>
+          <p:nvPr>
+            <p:ph type="title"/>
+          </p:nvPr>
+        </p:nvSpPr>
+        <p:spPr/>
+        <p:txBody>
+          <a:bodyPr/>
+          <a:lstStyle/>
+          <a:p>
+            <a:r>
+              <a:rPr kumimoji="1" lang="ja-JP" altLang="en-US" dirty="0"/>
+              <a:t>実験</a:t>
+            </a:r>
+            <a:r>
+              <a:rPr kumimoji="1" lang="en-US" altLang="ja-JP" dirty="0"/>
+              <a:t>: </a:t>
+            </a:r>
+            <a:r>
+              <a:rPr kumimoji="1" lang="ja-JP" altLang="en-US" dirty="0"/>
+              <a:t>生成</a:t>
+            </a:r>
+            <a:r>
+              <a:rPr kumimoji="1" lang="en-US" altLang="ja-JP" dirty="0"/>
+              <a:t>AI</a:t>
+            </a:r>
+            <a:r>
+              <a:rPr kumimoji="1" lang="ja-JP" altLang="en-US" dirty="0"/>
+              <a:t>調査</a:t>
+            </a:r>
+          </a:p>
+        </p:txBody>
+      </p:sp>
+      <p:sp>
+        <p:nvSpPr>
+          <p:cNvPr id="3" name="コンテンツ プレースホルダー 2">
+            <a:extLst>
+              <a:ext uri="{FF2B5EF4-FFF2-40B4-BE49-F238E27FC236}">
+                <a16:creationId xmlns:a16="http://schemas.microsoft.com/office/drawing/2014/main" id="{2CAA6050-1BCF-4E47-5968-4ED76029982A}"/>
+              </a:ext>
+            </a:extLst>
+          </p:cNvPr>
+          <p:cNvSpPr>
+            <a:spLocks noGrp="1"/>
+          </p:cNvSpPr>
+          <p:nvPr>
+            <p:ph idx="1"/>
+          </p:nvPr>
+        </p:nvSpPr>
+        <p:spPr>
+          <a:xfrm>
+            <a:off x="921774" y="1626522"/>
+            <a:ext cx="10604091" cy="4351338"/>
+          </a:xfrm>
+        </p:spPr>
+        <p:txBody>
+          <a:bodyPr/>
+          <a:lstStyle/>
+          <a:p>
+            <a:pPr marL="0" indent="0">
+              <a:buNone/>
+            </a:pPr>
+            <a:r>
+              <a:rPr kumimoji="1" lang="ja-JP" altLang="en-US" dirty="0"/>
+              <a:t>方法</a:t>
+            </a:r>
+            <a:r>
+              <a:rPr kumimoji="1" lang="en-US" altLang="ja-JP" dirty="0"/>
+              <a:t>:</a:t>
+            </a:r>
+          </a:p>
+          <a:p>
+            <a:pPr marL="0" indent="0">
+              <a:buNone/>
+            </a:pPr>
+            <a:r>
+              <a:rPr kumimoji="1" lang="ja-JP" altLang="en-US" dirty="0"/>
+              <a:t>同一プロンプト、データファイルを用いて、同じ処理を</a:t>
+            </a:r>
+            <a:r>
+              <a:rPr kumimoji="1" lang="en-US" altLang="ja-JP" dirty="0"/>
+              <a:t>10</a:t>
+            </a:r>
+            <a:r>
+              <a:rPr lang="ja-JP" altLang="en-US" dirty="0"/>
+              <a:t>回行い統計を取る</a:t>
+            </a:r>
+            <a:endParaRPr lang="en-US" altLang="ja-JP" dirty="0"/>
+          </a:p>
+          <a:p>
+            <a:pPr marL="0" indent="0">
+              <a:buNone/>
+            </a:pPr>
+            <a:endParaRPr kumimoji="1" lang="en-US" altLang="ja-JP" dirty="0"/>
+          </a:p>
+          <a:p>
+            <a:pPr marL="0" indent="0">
+              <a:buNone/>
+            </a:pPr>
+            <a:endParaRPr kumimoji="1" lang="ja-JP" altLang="en-US" dirty="0"/>
+          </a:p>
+        </p:txBody>
+      </p:sp>
+      <p:sp>
+        <p:nvSpPr>
+          <p:cNvPr id="4" name="スライド番号プレースホルダー 3">
+            <a:extLst>
+              <a:ext uri="{FF2B5EF4-FFF2-40B4-BE49-F238E27FC236}">
+                <a16:creationId xmlns:a16="http://schemas.microsoft.com/office/drawing/2014/main" id="{A3841550-138C-9FF1-0DE2-A979EB5AB046}"/>
+              </a:ext>
+            </a:extLst>
+          </p:cNvPr>
+          <p:cNvSpPr>
+            <a:spLocks noGrp="1"/>
+          </p:cNvSpPr>
+          <p:nvPr>
+            <p:ph type="sldNum" sz="quarter" idx="12"/>
+          </p:nvPr>
+        </p:nvSpPr>
+        <p:spPr/>
+        <p:txBody>
+          <a:bodyPr/>
+          <a:lstStyle/>
+          <a:p>
+            <a:fld id="{F32C8F3A-98E9-46B1-BAC9-77D093337233}" type="slidenum">
+              <a:rPr kumimoji="1" lang="ja-JP" altLang="en-US" smtClean="0"/>
+              <a:t>3</a:t>
+            </a:fld>
+            <a:endParaRPr kumimoji="1" lang="ja-JP" altLang="en-US"/>
+          </a:p>
+        </p:txBody>
+      </p:sp>
+    </p:spTree>
+    <p:extLst>
+      <p:ext uri="{BB962C8B-B14F-4D97-AF65-F5344CB8AC3E}">
+        <p14:creationId xmlns:p14="http://schemas.microsoft.com/office/powerpoint/2010/main" val="1071332650"/>
+      </p:ext>
+    </p:extLst>
+  </p:cSld>
+  <p:clrMapOvr>
+    <a:masterClrMapping/>
+  </p:clrMapOvr>
+</p:sld>
+</file>
+
+<file path=ppt/slides/slide4.xml><?xml version="1.0" encoding="utf-8"?>
+<p:sld xmlns:a="http://schemas.openxmlformats.org/drawingml/2006/main" xmlns:r="http://schemas.openxmlformats.org/officeDocument/2006/relationships" xmlns:p="http://schemas.openxmlformats.org/presentationml/2006/main">
+  <p:cSld>
+    <p:spTree>
+      <p:nvGrpSpPr>
+        <p:cNvPr id="1" name=""/>
+        <p:cNvGrpSpPr/>
+        <p:nvPr/>
+      </p:nvGrpSpPr>
+      <p:grpSpPr>
+        <a:xfrm>
+          <a:off x="0" y="0"/>
+          <a:ext cx="0" cy="0"/>
+          <a:chOff x="0" y="0"/>
+          <a:chExt cx="0" cy="0"/>
+        </a:xfrm>
+      </p:grpSpPr>
+      <p:sp>
+        <p:nvSpPr>
+          <p:cNvPr id="2" name="タイトル 1">
+            <a:extLst>
+              <a:ext uri="{FF2B5EF4-FFF2-40B4-BE49-F238E27FC236}">
+                <a16:creationId xmlns:a16="http://schemas.microsoft.com/office/drawing/2014/main" id="{66B8FB12-F5EC-5C50-42C7-C51EDBB9D699}"/>
+              </a:ext>
+            </a:extLst>
+          </p:cNvPr>
+          <p:cNvSpPr>
+            <a:spLocks noGrp="1"/>
+          </p:cNvSpPr>
+          <p:nvPr>
+            <p:ph type="title"/>
+          </p:nvPr>
+        </p:nvSpPr>
+        <p:spPr/>
+        <p:txBody>
+          <a:bodyPr/>
+          <a:lstStyle/>
+          <a:p>
+            <a:r>
+              <a:rPr kumimoji="1" lang="ja-JP" altLang="en-US" dirty="0"/>
+              <a:t>生成</a:t>
+            </a:r>
+            <a:r>
+              <a:rPr kumimoji="1" lang="en-US" altLang="ja-JP" dirty="0"/>
+              <a:t>AI</a:t>
+            </a:r>
+            <a:r>
+              <a:rPr kumimoji="1" lang="ja-JP" altLang="en-US" dirty="0"/>
+              <a:t>の特徴と現状</a:t>
+            </a:r>
+          </a:p>
+        </p:txBody>
+      </p:sp>
+      <p:sp>
+        <p:nvSpPr>
+          <p:cNvPr id="3" name="コンテンツ プレースホルダー 2">
+            <a:extLst>
+              <a:ext uri="{FF2B5EF4-FFF2-40B4-BE49-F238E27FC236}">
+                <a16:creationId xmlns:a16="http://schemas.microsoft.com/office/drawing/2014/main" id="{80B74D25-EC23-B211-CC4A-8C189744015A}"/>
+              </a:ext>
+            </a:extLst>
+          </p:cNvPr>
+          <p:cNvSpPr>
+            <a:spLocks noGrp="1"/>
+          </p:cNvSpPr>
+          <p:nvPr>
+            <p:ph idx="1"/>
+          </p:nvPr>
+        </p:nvSpPr>
+        <p:spPr>
+          <a:xfrm>
+            <a:off x="838200" y="1825625"/>
+            <a:ext cx="10515600" cy="4667250"/>
+          </a:xfrm>
+        </p:spPr>
+        <p:txBody>
+          <a:bodyPr>
+            <a:normAutofit/>
+          </a:bodyPr>
+          <a:lstStyle/>
+          <a:p>
+            <a:r>
+              <a:rPr kumimoji="1" lang="ja-JP" altLang="en-US" dirty="0"/>
+              <a:t>複雑な命令は、出力のばらつきや要点の漏れが発生する</a:t>
+            </a:r>
+            <a:endParaRPr kumimoji="1" lang="en-US" altLang="ja-JP" dirty="0"/>
+          </a:p>
+          <a:p>
+            <a:r>
+              <a:rPr lang="ja-JP" altLang="en-US" dirty="0"/>
+              <a:t>単純な命令は、処理が早く、一定の精度を保つ</a:t>
+            </a:r>
+            <a:endParaRPr lang="en-US" altLang="ja-JP" dirty="0"/>
+          </a:p>
+          <a:p>
+            <a:endParaRPr lang="en-US" altLang="ja-JP" dirty="0"/>
+          </a:p>
+          <a:p>
+            <a:pPr marL="0" indent="0">
+              <a:buNone/>
+            </a:pPr>
+            <a:r>
+              <a:rPr lang="ja-JP" altLang="en-US" dirty="0"/>
+              <a:t>同一命令で</a:t>
+            </a:r>
+            <a:r>
+              <a:rPr lang="en-US" altLang="ja-JP" dirty="0"/>
+              <a:t>10</a:t>
+            </a:r>
+            <a:r>
+              <a:rPr lang="ja-JP" altLang="en-US" dirty="0"/>
+              <a:t>回行った場合の決定事項抽出率</a:t>
+            </a:r>
+            <a:r>
+              <a:rPr lang="en-US" altLang="ja-JP" dirty="0"/>
+              <a:t>:</a:t>
+            </a:r>
+          </a:p>
+          <a:p>
+            <a:pPr marL="0" indent="0">
+              <a:buNone/>
+            </a:pPr>
+            <a:endParaRPr lang="en-US" altLang="ja-JP" dirty="0"/>
+          </a:p>
+          <a:p>
+            <a:pPr marL="0" indent="0">
+              <a:buNone/>
+            </a:pPr>
+            <a:endParaRPr lang="en-US" altLang="ja-JP" dirty="0"/>
+          </a:p>
+          <a:p>
+            <a:pPr marL="0" indent="0">
+              <a:buNone/>
+            </a:pPr>
+            <a:endParaRPr lang="en-US" altLang="ja-JP" dirty="0"/>
+          </a:p>
+          <a:p>
+            <a:pPr marL="0" indent="0">
+              <a:buNone/>
+            </a:pPr>
+            <a:endParaRPr lang="en-US" altLang="ja-JP" dirty="0"/>
+          </a:p>
+          <a:p>
+            <a:pPr marL="0" indent="0">
+              <a:buNone/>
+            </a:pPr>
+            <a:r>
+              <a:rPr lang="ja-JP" altLang="en-US" dirty="0"/>
+              <a:t>実際の正解項目数</a:t>
+            </a:r>
+            <a:r>
+              <a:rPr lang="en-US" altLang="ja-JP" dirty="0"/>
+              <a:t>: 9</a:t>
+            </a:r>
+            <a:r>
+              <a:rPr lang="ja-JP" altLang="en-US" dirty="0"/>
+              <a:t>項目</a:t>
+            </a:r>
+            <a:endParaRPr lang="en-US" altLang="ja-JP" dirty="0"/>
+          </a:p>
+          <a:p>
+            <a:pPr marL="0" indent="0">
+              <a:buNone/>
+            </a:pPr>
+            <a:endParaRPr lang="ja-JP" altLang="en-US" dirty="0"/>
+          </a:p>
+          <a:p>
+            <a:pPr marL="0" indent="0">
+              <a:buNone/>
+            </a:pPr>
+            <a:endParaRPr lang="en-US" altLang="ja-JP" dirty="0"/>
+          </a:p>
+          <a:p>
+            <a:pPr marL="0" indent="0">
+              <a:buNone/>
+            </a:pPr>
+            <a:endParaRPr lang="en-US" altLang="ja-JP" dirty="0"/>
+          </a:p>
+        </p:txBody>
+      </p:sp>
+      <p:sp>
+        <p:nvSpPr>
+          <p:cNvPr id="4" name="スライド番号プレースホルダー 3">
+            <a:extLst>
+              <a:ext uri="{FF2B5EF4-FFF2-40B4-BE49-F238E27FC236}">
+                <a16:creationId xmlns:a16="http://schemas.microsoft.com/office/drawing/2014/main" id="{1CCBAE86-F056-511E-1D35-7C5B6B161EF2}"/>
+              </a:ext>
+            </a:extLst>
+          </p:cNvPr>
+          <p:cNvSpPr>
+            <a:spLocks noGrp="1"/>
+          </p:cNvSpPr>
+          <p:nvPr>
+            <p:ph type="sldNum" sz="quarter" idx="12"/>
+          </p:nvPr>
+        </p:nvSpPr>
+        <p:spPr/>
+        <p:txBody>
+          <a:bodyPr/>
+          <a:lstStyle/>
+          <a:p>
+            <a:fld id="{F32C8F3A-98E9-46B1-BAC9-77D093337233}" type="slidenum">
+              <a:rPr kumimoji="1" lang="ja-JP" altLang="en-US" smtClean="0"/>
+              <a:t>4</a:t>
+            </a:fld>
+            <a:endParaRPr kumimoji="1" lang="ja-JP" altLang="en-US"/>
+          </a:p>
+        </p:txBody>
+      </p:sp>
+      <p:graphicFrame>
+        <p:nvGraphicFramePr>
+          <p:cNvPr id="5" name="表 4">
+            <a:extLst>
+              <a:ext uri="{FF2B5EF4-FFF2-40B4-BE49-F238E27FC236}">
+                <a16:creationId xmlns:a16="http://schemas.microsoft.com/office/drawing/2014/main" id="{C9CC04CA-21B0-1308-90A2-64BEDE6CFB57}"/>
+              </a:ext>
+            </a:extLst>
+          </p:cNvPr>
+          <p:cNvGraphicFramePr>
+            <a:graphicFrameLocks noGrp="1"/>
+          </p:cNvGraphicFramePr>
+          <p:nvPr>
+            <p:extLst>
+              <p:ext uri="{D42A27DB-BD31-4B8C-83A1-F6EECF244321}">
+                <p14:modId xmlns:p14="http://schemas.microsoft.com/office/powerpoint/2010/main" val="3835482998"/>
+              </p:ext>
+            </p:extLst>
+          </p:nvPr>
+        </p:nvGraphicFramePr>
+        <p:xfrm>
+          <a:off x="984864" y="3914365"/>
+          <a:ext cx="4265562" cy="1854200"/>
+        </p:xfrm>
+        <a:graphic>
+          <a:graphicData uri="http://schemas.openxmlformats.org/drawingml/2006/table">
+            <a:tbl>
+              <a:tblPr firstRow="1" bandRow="1">
+                <a:tableStyleId>{5C22544A-7EE6-4342-B048-85BDC9FD1C3A}</a:tableStyleId>
+              </a:tblPr>
+              <a:tblGrid>
+                <a:gridCol w="1721466">
+                  <a:extLst>
+                    <a:ext uri="{9D8B030D-6E8A-4147-A177-3AD203B41FA5}">
+                      <a16:colId xmlns:a16="http://schemas.microsoft.com/office/drawing/2014/main" val="2425078519"/>
+                    </a:ext>
+                  </a:extLst>
+                </a:gridCol>
+                <a:gridCol w="1312606">
+                  <a:extLst>
+                    <a:ext uri="{9D8B030D-6E8A-4147-A177-3AD203B41FA5}">
+                      <a16:colId xmlns:a16="http://schemas.microsoft.com/office/drawing/2014/main" val="2276192533"/>
+                    </a:ext>
+                  </a:extLst>
+                </a:gridCol>
+                <a:gridCol w="1231490">
+                  <a:extLst>
+                    <a:ext uri="{9D8B030D-6E8A-4147-A177-3AD203B41FA5}">
+                      <a16:colId xmlns:a16="http://schemas.microsoft.com/office/drawing/2014/main" val="3801347740"/>
+                    </a:ext>
+                  </a:extLst>
+                </a:gridCol>
+              </a:tblGrid>
+              <a:tr h="370840">
+                <a:tc>
+                  <a:txBody>
+                    <a:bodyPr/>
+                    <a:lstStyle/>
+                    <a:p>
+                      <a:pPr algn="ctr"/>
+                      <a:r>
+                        <a:rPr kumimoji="1" lang="ja-JP" altLang="en-US" dirty="0"/>
+                        <a:t>項目</a:t>
+                      </a:r>
+                    </a:p>
+                  </a:txBody>
+                  <a:tcPr/>
+                </a:tc>
+                <a:tc>
+                  <a:txBody>
+                    <a:bodyPr/>
+                    <a:lstStyle/>
+                    <a:p>
+                      <a:pPr algn="ctr"/>
+                      <a:r>
+                        <a:rPr kumimoji="1" lang="ja-JP" altLang="en-US" dirty="0"/>
+                        <a:t>複雑命令</a:t>
+                      </a:r>
+                    </a:p>
+                  </a:txBody>
+                  <a:tcPr/>
+                </a:tc>
+                <a:tc>
+                  <a:txBody>
+                    <a:bodyPr/>
+                    <a:lstStyle/>
+                    <a:p>
+                      <a:pPr algn="ctr"/>
+                      <a:r>
+                        <a:rPr kumimoji="1" lang="ja-JP" altLang="en-US" dirty="0"/>
+                        <a:t>単純命令</a:t>
+                      </a:r>
+                    </a:p>
+                  </a:txBody>
+                  <a:tcPr/>
+                </a:tc>
+                <a:extLst>
+                  <a:ext uri="{0D108BD9-81ED-4DB2-BD59-A6C34878D82A}">
+                    <a16:rowId xmlns:a16="http://schemas.microsoft.com/office/drawing/2014/main" val="449424101"/>
+                  </a:ext>
+                </a:extLst>
+              </a:tr>
+              <a:tr h="370840">
+                <a:tc>
+                  <a:txBody>
+                    <a:bodyPr/>
+                    <a:lstStyle/>
+                    <a:p>
+                      <a:r>
+                        <a:rPr kumimoji="1" lang="ja-JP" altLang="en-US" dirty="0"/>
+                        <a:t>最小</a:t>
+                      </a:r>
+                    </a:p>
+                  </a:txBody>
+                  <a:tcPr/>
+                </a:tc>
+                <a:tc>
+                  <a:txBody>
+                    <a:bodyPr/>
+                    <a:lstStyle/>
+                    <a:p>
+                      <a:r>
+                        <a:rPr kumimoji="1" lang="en-US" altLang="ja-JP" dirty="0"/>
+                        <a:t>5</a:t>
+                      </a:r>
+                      <a:r>
+                        <a:rPr kumimoji="1" lang="ja-JP" altLang="en-US" dirty="0"/>
+                        <a:t>項目</a:t>
+                      </a:r>
+                    </a:p>
+                  </a:txBody>
+                  <a:tcPr/>
+                </a:tc>
+                <a:tc>
+                  <a:txBody>
+                    <a:bodyPr/>
+                    <a:lstStyle/>
+                    <a:p>
+                      <a:endParaRPr kumimoji="1" lang="ja-JP" altLang="en-US"/>
+                    </a:p>
+                  </a:txBody>
+                  <a:tcPr/>
+                </a:tc>
+                <a:extLst>
+                  <a:ext uri="{0D108BD9-81ED-4DB2-BD59-A6C34878D82A}">
+                    <a16:rowId xmlns:a16="http://schemas.microsoft.com/office/drawing/2014/main" val="1922596231"/>
+                  </a:ext>
+                </a:extLst>
+              </a:tr>
+              <a:tr h="370840">
+                <a:tc>
+                  <a:txBody>
+                    <a:bodyPr/>
+                    <a:lstStyle/>
+                    <a:p>
+                      <a:r>
+                        <a:rPr kumimoji="1" lang="ja-JP" altLang="en-US" dirty="0"/>
+                        <a:t>最大</a:t>
+                      </a:r>
+                    </a:p>
+                  </a:txBody>
+                  <a:tcPr/>
+                </a:tc>
+                <a:tc>
+                  <a:txBody>
+                    <a:bodyPr/>
+                    <a:lstStyle/>
+                    <a:p>
+                      <a:r>
+                        <a:rPr kumimoji="1" lang="en-US" altLang="ja-JP" dirty="0"/>
+                        <a:t>8</a:t>
+                      </a:r>
+                      <a:r>
+                        <a:rPr kumimoji="1" lang="ja-JP" altLang="en-US" dirty="0"/>
+                        <a:t>項目</a:t>
+                      </a:r>
+                    </a:p>
+                  </a:txBody>
+                  <a:tcPr/>
+                </a:tc>
+                <a:tc>
+                  <a:txBody>
+                    <a:bodyPr/>
+                    <a:lstStyle/>
+                    <a:p>
+                      <a:endParaRPr kumimoji="1" lang="ja-JP" altLang="en-US"/>
+                    </a:p>
+                  </a:txBody>
+                  <a:tcPr/>
+                </a:tc>
+                <a:extLst>
+                  <a:ext uri="{0D108BD9-81ED-4DB2-BD59-A6C34878D82A}">
+                    <a16:rowId xmlns:a16="http://schemas.microsoft.com/office/drawing/2014/main" val="461932897"/>
+                  </a:ext>
+                </a:extLst>
+              </a:tr>
+              <a:tr h="370840">
+                <a:tc>
+                  <a:txBody>
+                    <a:bodyPr/>
+                    <a:lstStyle/>
+                    <a:p>
+                      <a:r>
+                        <a:rPr kumimoji="1" lang="ja-JP" altLang="en-US" dirty="0"/>
+                        <a:t>平均</a:t>
+                      </a:r>
+                    </a:p>
+                  </a:txBody>
+                  <a:tcPr/>
+                </a:tc>
+                <a:tc>
+                  <a:txBody>
+                    <a:bodyPr/>
+                    <a:lstStyle/>
+                    <a:p>
+                      <a:r>
+                        <a:rPr kumimoji="1" lang="en-US" altLang="ja-JP" dirty="0"/>
+                        <a:t>6.2</a:t>
+                      </a:r>
+                      <a:r>
+                        <a:rPr kumimoji="1" lang="ja-JP" altLang="en-US" dirty="0"/>
+                        <a:t>項目</a:t>
+                      </a:r>
+                    </a:p>
+                  </a:txBody>
+                  <a:tcPr/>
+                </a:tc>
+                <a:tc>
+                  <a:txBody>
+                    <a:bodyPr/>
+                    <a:lstStyle/>
+                    <a:p>
+                      <a:endParaRPr kumimoji="1" lang="ja-JP" altLang="en-US"/>
+                    </a:p>
+                  </a:txBody>
+                  <a:tcPr/>
+                </a:tc>
+                <a:extLst>
+                  <a:ext uri="{0D108BD9-81ED-4DB2-BD59-A6C34878D82A}">
+                    <a16:rowId xmlns:a16="http://schemas.microsoft.com/office/drawing/2014/main" val="2957100038"/>
+                  </a:ext>
+                </a:extLst>
+              </a:tr>
+              <a:tr h="370840">
+                <a:tc>
+                  <a:txBody>
+                    <a:bodyPr/>
+                    <a:lstStyle/>
+                    <a:p>
+                      <a:r>
+                        <a:rPr kumimoji="1" lang="ja-JP" altLang="en-US" dirty="0"/>
+                        <a:t>平均抽出率</a:t>
+                      </a:r>
+                    </a:p>
+                  </a:txBody>
+                  <a:tcPr/>
+                </a:tc>
+                <a:tc>
+                  <a:txBody>
+                    <a:bodyPr/>
+                    <a:lstStyle/>
+                    <a:p>
+                      <a:r>
+                        <a:rPr kumimoji="1" lang="en-US" altLang="ja-JP" dirty="0"/>
+                        <a:t>68.89%</a:t>
+                      </a:r>
+                      <a:endParaRPr kumimoji="1" lang="ja-JP" altLang="en-US" dirty="0"/>
+                    </a:p>
+                  </a:txBody>
+                  <a:tcPr/>
+                </a:tc>
+                <a:tc>
+                  <a:txBody>
+                    <a:bodyPr/>
+                    <a:lstStyle/>
+                    <a:p>
+                      <a:endParaRPr kumimoji="1" lang="ja-JP" altLang="en-US" dirty="0"/>
+                    </a:p>
+                  </a:txBody>
+                  <a:tcPr/>
+                </a:tc>
+                <a:extLst>
+                  <a:ext uri="{0D108BD9-81ED-4DB2-BD59-A6C34878D82A}">
+                    <a16:rowId xmlns:a16="http://schemas.microsoft.com/office/drawing/2014/main" val="3612118074"/>
+                  </a:ext>
+                </a:extLst>
+              </a:tr>
+            </a:tbl>
+          </a:graphicData>
+        </a:graphic>
+      </p:graphicFrame>
+    </p:spTree>
+    <p:extLst>
+      <p:ext uri="{BB962C8B-B14F-4D97-AF65-F5344CB8AC3E}">
+        <p14:creationId xmlns:p14="http://schemas.microsoft.com/office/powerpoint/2010/main" val="162318206"/>
+      </p:ext>
+    </p:extLst>
+  </p:cSld>
+  <p:clrMapOvr>
+    <a:masterClrMapping/>
+  </p:clrMapOvr>
+</p:sld>
+</file>
+
+<file path=ppt/slides/slide5.xml><?xml version="1.0" encoding="utf-8"?>
+<p:sld xmlns:a="http://schemas.openxmlformats.org/drawingml/2006/main" xmlns:r="http://schemas.openxmlformats.org/officeDocument/2006/relationships" xmlns:p="http://schemas.openxmlformats.org/presentationml/2006/main">
+  <p:cSld>
+    <p:spTree>
+      <p:nvGrpSpPr>
+        <p:cNvPr id="1" name=""/>
+        <p:cNvGrpSpPr/>
+        <p:nvPr/>
+      </p:nvGrpSpPr>
+      <p:grpSpPr>
+        <a:xfrm>
+          <a:off x="0" y="0"/>
+          <a:ext cx="0" cy="0"/>
+          <a:chOff x="0" y="0"/>
+          <a:chExt cx="0" cy="0"/>
+        </a:xfrm>
+      </p:grpSpPr>
+      <p:sp>
+        <p:nvSpPr>
+          <p:cNvPr id="2" name="タイトル 1">
+            <a:extLst>
+              <a:ext uri="{FF2B5EF4-FFF2-40B4-BE49-F238E27FC236}">
                 <a16:creationId xmlns:a16="http://schemas.microsoft.com/office/drawing/2014/main" id="{569310C8-914A-C623-238B-D329C89ACE5C}"/>
               </a:ext>
             </a:extLst>
@@ -6500,7 +8396,7 @@
           <a:p>
             <a:fld id="{F32C8F3A-98E9-46B1-BAC9-77D093337233}" type="slidenum">
               <a:rPr kumimoji="1" lang="ja-JP" altLang="en-US" smtClean="0"/>
-              <a:t>3</a:t>
+              <a:t>5</a:t>
             </a:fld>
             <a:endParaRPr kumimoji="1" lang="ja-JP" altLang="en-US"/>
           </a:p>
@@ -6519,272 +8415,7 @@
 </p:sld>
 </file>
 
-<file path=ppt/slides/slide4.xml><?xml version="1.0" encoding="utf-8"?>
-<p:sld xmlns:a="http://schemas.openxmlformats.org/drawingml/2006/main" xmlns:r="http://schemas.openxmlformats.org/officeDocument/2006/relationships" xmlns:p="http://schemas.openxmlformats.org/presentationml/2006/main">
-  <p:cSld>
-    <p:spTree>
-      <p:nvGrpSpPr>
-        <p:cNvPr id="1" name=""/>
-        <p:cNvGrpSpPr/>
-        <p:nvPr/>
-      </p:nvGrpSpPr>
-      <p:grpSpPr>
-        <a:xfrm>
-          <a:off x="0" y="0"/>
-          <a:ext cx="0" cy="0"/>
-          <a:chOff x="0" y="0"/>
-          <a:chExt cx="0" cy="0"/>
-        </a:xfrm>
-      </p:grpSpPr>
-      <p:sp>
-        <p:nvSpPr>
-          <p:cNvPr id="2" name="タイトル 1">
-            <a:extLst>
-              <a:ext uri="{FF2B5EF4-FFF2-40B4-BE49-F238E27FC236}">
-                <a16:creationId xmlns:a16="http://schemas.microsoft.com/office/drawing/2014/main" id="{66B8FB12-F5EC-5C50-42C7-C51EDBB9D699}"/>
-              </a:ext>
-            </a:extLst>
-          </p:cNvPr>
-          <p:cNvSpPr>
-            <a:spLocks noGrp="1"/>
-          </p:cNvSpPr>
-          <p:nvPr>
-            <p:ph type="title"/>
-          </p:nvPr>
-        </p:nvSpPr>
-        <p:spPr/>
-        <p:txBody>
-          <a:bodyPr/>
-          <a:lstStyle/>
-          <a:p>
-            <a:r>
-              <a:rPr kumimoji="1" lang="ja-JP" altLang="en-US" dirty="0"/>
-              <a:t>生成</a:t>
-            </a:r>
-            <a:r>
-              <a:rPr kumimoji="1" lang="en-US" altLang="ja-JP" dirty="0"/>
-              <a:t>AI</a:t>
-            </a:r>
-            <a:r>
-              <a:rPr kumimoji="1" lang="ja-JP" altLang="en-US" dirty="0"/>
-              <a:t>の特徴と現状</a:t>
-            </a:r>
-          </a:p>
-        </p:txBody>
-      </p:sp>
-      <p:sp>
-        <p:nvSpPr>
-          <p:cNvPr id="3" name="コンテンツ プレースホルダー 2">
-            <a:extLst>
-              <a:ext uri="{FF2B5EF4-FFF2-40B4-BE49-F238E27FC236}">
-                <a16:creationId xmlns:a16="http://schemas.microsoft.com/office/drawing/2014/main" id="{80B74D25-EC23-B211-CC4A-8C189744015A}"/>
-              </a:ext>
-            </a:extLst>
-          </p:cNvPr>
-          <p:cNvSpPr>
-            <a:spLocks noGrp="1"/>
-          </p:cNvSpPr>
-          <p:nvPr>
-            <p:ph idx="1"/>
-          </p:nvPr>
-        </p:nvSpPr>
-        <p:spPr>
-          <a:xfrm>
-            <a:off x="838200" y="1825625"/>
-            <a:ext cx="10515600" cy="4667250"/>
-          </a:xfrm>
-        </p:spPr>
-        <p:txBody>
-          <a:bodyPr>
-            <a:normAutofit lnSpcReduction="10000"/>
-          </a:bodyPr>
-          <a:lstStyle/>
-          <a:p>
-            <a:r>
-              <a:rPr kumimoji="1" lang="ja-JP" altLang="en-US" dirty="0"/>
-              <a:t>複雑な命令は、出力のばらつきや要点の漏れが発生する</a:t>
-            </a:r>
-            <a:endParaRPr kumimoji="1" lang="en-US" altLang="ja-JP" dirty="0"/>
-          </a:p>
-          <a:p>
-            <a:r>
-              <a:rPr lang="ja-JP" altLang="en-US" dirty="0"/>
-              <a:t>単純な命令は、処理が早く、一定の精度を保つ</a:t>
-            </a:r>
-            <a:endParaRPr lang="en-US" altLang="ja-JP" dirty="0"/>
-          </a:p>
-          <a:p>
-            <a:endParaRPr lang="en-US" altLang="ja-JP" dirty="0"/>
-          </a:p>
-          <a:p>
-            <a:pPr marL="0" indent="0">
-              <a:buNone/>
-            </a:pPr>
-            <a:r>
-              <a:rPr lang="ja-JP" altLang="en-US" dirty="0"/>
-              <a:t>同一命令で</a:t>
-            </a:r>
-            <a:r>
-              <a:rPr lang="en-US" altLang="ja-JP" dirty="0"/>
-              <a:t>10</a:t>
-            </a:r>
-            <a:r>
-              <a:rPr lang="ja-JP" altLang="en-US" dirty="0"/>
-              <a:t>回行った場合の決定事項抽出率</a:t>
-            </a:r>
-            <a:r>
-              <a:rPr lang="en-US" altLang="ja-JP" dirty="0"/>
-              <a:t>:</a:t>
-            </a:r>
-          </a:p>
-          <a:p>
-            <a:pPr marL="0" indent="0">
-              <a:buNone/>
-            </a:pPr>
-            <a:r>
-              <a:rPr lang="ja-JP" altLang="en-US" dirty="0"/>
-              <a:t>最小</a:t>
-            </a:r>
-            <a:r>
-              <a:rPr lang="en-US" altLang="ja-JP" dirty="0"/>
-              <a:t>: 5</a:t>
-            </a:r>
-            <a:r>
-              <a:rPr lang="ja-JP" altLang="en-US" dirty="0"/>
-              <a:t>項目</a:t>
-            </a:r>
-            <a:endParaRPr lang="en-US" altLang="ja-JP" dirty="0"/>
-          </a:p>
-          <a:p>
-            <a:pPr marL="0" indent="0">
-              <a:buNone/>
-            </a:pPr>
-            <a:r>
-              <a:rPr lang="ja-JP" altLang="en-US" dirty="0"/>
-              <a:t>最大</a:t>
-            </a:r>
-            <a:r>
-              <a:rPr lang="en-US" altLang="ja-JP" dirty="0"/>
-              <a:t>: 8</a:t>
-            </a:r>
-            <a:r>
-              <a:rPr lang="ja-JP" altLang="en-US" dirty="0"/>
-              <a:t>項目</a:t>
-            </a:r>
-            <a:endParaRPr lang="en-US" altLang="ja-JP" dirty="0"/>
-          </a:p>
-          <a:p>
-            <a:pPr marL="0" indent="0">
-              <a:buNone/>
-            </a:pPr>
-            <a:r>
-              <a:rPr lang="ja-JP" altLang="en-US" dirty="0"/>
-              <a:t>平均</a:t>
-            </a:r>
-            <a:r>
-              <a:rPr lang="en-US" altLang="ja-JP" dirty="0"/>
-              <a:t>: 6.2</a:t>
-            </a:r>
-            <a:r>
-              <a:rPr lang="ja-JP" altLang="en-US" dirty="0"/>
-              <a:t>項目</a:t>
-            </a:r>
-            <a:endParaRPr lang="en-US" altLang="ja-JP" dirty="0"/>
-          </a:p>
-          <a:p>
-            <a:pPr marL="0" indent="0">
-              <a:buNone/>
-            </a:pPr>
-            <a:r>
-              <a:rPr lang="ja-JP" altLang="en-US" dirty="0"/>
-              <a:t>平均抽出率</a:t>
-            </a:r>
-            <a:r>
-              <a:rPr lang="en-US" altLang="ja-JP" dirty="0"/>
-              <a:t>: 68.89%</a:t>
-            </a:r>
-          </a:p>
-          <a:p>
-            <a:pPr marL="0" indent="0">
-              <a:buNone/>
-            </a:pPr>
-            <a:endParaRPr lang="en-US" altLang="ja-JP" dirty="0"/>
-          </a:p>
-          <a:p>
-            <a:pPr marL="0" indent="0">
-              <a:buNone/>
-            </a:pPr>
-            <a:r>
-              <a:rPr lang="ja-JP" altLang="en-US" dirty="0"/>
-              <a:t>実際の正解項目数</a:t>
-            </a:r>
-            <a:r>
-              <a:rPr lang="en-US" altLang="ja-JP" dirty="0"/>
-              <a:t>: 9</a:t>
-            </a:r>
-            <a:r>
-              <a:rPr lang="ja-JP" altLang="en-US" dirty="0"/>
-              <a:t>項目</a:t>
-            </a:r>
-            <a:endParaRPr lang="en-US" altLang="ja-JP" dirty="0"/>
-          </a:p>
-          <a:p>
-            <a:pPr marL="0" indent="0">
-              <a:buNone/>
-            </a:pPr>
-            <a:endParaRPr lang="en-US" altLang="ja-JP" dirty="0"/>
-          </a:p>
-          <a:p>
-            <a:pPr marL="0" indent="0">
-              <a:buNone/>
-            </a:pPr>
-            <a:endParaRPr lang="en-US" altLang="ja-JP" dirty="0"/>
-          </a:p>
-        </p:txBody>
-      </p:sp>
-      <p:sp>
-        <p:nvSpPr>
-          <p:cNvPr id="4" name="スライド番号プレースホルダー 3">
-            <a:extLst>
-              <a:ext uri="{FF2B5EF4-FFF2-40B4-BE49-F238E27FC236}">
-                <a16:creationId xmlns:a16="http://schemas.microsoft.com/office/drawing/2014/main" id="{1CCBAE86-F056-511E-1D35-7C5B6B161EF2}"/>
-              </a:ext>
-            </a:extLst>
-          </p:cNvPr>
-          <p:cNvSpPr>
-            <a:spLocks noGrp="1"/>
-          </p:cNvSpPr>
-          <p:nvPr>
-            <p:ph type="sldNum" sz="quarter" idx="12"/>
-          </p:nvPr>
-        </p:nvSpPr>
-        <p:spPr/>
-        <p:txBody>
-          <a:bodyPr/>
-          <a:lstStyle/>
-          <a:p>
-            <a:fld id="{F32C8F3A-98E9-46B1-BAC9-77D093337233}" type="slidenum">
-              <a:rPr kumimoji="1" lang="ja-JP" altLang="en-US" smtClean="0"/>
-              <a:t>4</a:t>
-            </a:fld>
-            <a:endParaRPr kumimoji="1" lang="ja-JP" altLang="en-US"/>
-          </a:p>
-        </p:txBody>
-      </p:sp>
-    </p:spTree>
-    <p:extLst>
-      <p:ext uri="{BB962C8B-B14F-4D97-AF65-F5344CB8AC3E}">
-        <p14:creationId xmlns:p14="http://schemas.microsoft.com/office/powerpoint/2010/main" val="162318206"/>
-      </p:ext>
-    </p:extLst>
-  </p:cSld>
-  <p:clrMapOvr>
-    <a:masterClrMapping/>
-  </p:clrMapOvr>
-</p:sld>
-</file>
-
-<file path=ppt/slides/slide5.xml><?xml version="1.0" encoding="utf-8"?>
+<file path=ppt/slides/slide6.xml><?xml version="1.0" encoding="utf-8"?>
 <p:sld xmlns:a="http://schemas.openxmlformats.org/drawingml/2006/main" xmlns:r="http://schemas.openxmlformats.org/officeDocument/2006/relationships" xmlns:p="http://schemas.openxmlformats.org/presentationml/2006/main">
   <p:cSld>
     <p:spTree>
@@ -7337,7 +8968,7 @@
           <a:p>
             <a:fld id="{F32C8F3A-98E9-46B1-BAC9-77D093337233}" type="slidenum">
               <a:rPr kumimoji="1" lang="ja-JP" altLang="en-US" smtClean="0"/>
-              <a:t>5</a:t>
+              <a:t>6</a:t>
             </a:fld>
             <a:endParaRPr kumimoji="1" lang="ja-JP" altLang="en-US"/>
           </a:p>
@@ -7356,7 +8987,7 @@
 </p:sld>
 </file>
 
-<file path=ppt/slides/slide6.xml><?xml version="1.0" encoding="utf-8"?>
+<file path=ppt/slides/slide7.xml><?xml version="1.0" encoding="utf-8"?>
 <p:sld xmlns:a="http://schemas.openxmlformats.org/drawingml/2006/main" xmlns:r="http://schemas.openxmlformats.org/officeDocument/2006/relationships" xmlns:p="http://schemas.openxmlformats.org/presentationml/2006/main">
   <p:cSld>
     <p:spTree>
@@ -7443,7 +9074,7 @@
             </a:pPr>
             <a:r>
               <a:rPr kumimoji="1" lang="ja-JP" altLang="en-US" dirty="0"/>
-              <a:t>① 議事録入力</a:t>
+              <a:t>① 議事録データの入力</a:t>
             </a:r>
             <a:endParaRPr kumimoji="1" lang="en-US" altLang="ja-JP" dirty="0"/>
           </a:p>
@@ -7517,7 +9148,7 @@
           <a:p>
             <a:fld id="{F32C8F3A-98E9-46B1-BAC9-77D093337233}" type="slidenum">
               <a:rPr kumimoji="1" lang="ja-JP" altLang="en-US" smtClean="0"/>
-              <a:t>6</a:t>
+              <a:t>7</a:t>
             </a:fld>
             <a:endParaRPr kumimoji="1" lang="ja-JP" altLang="en-US"/>
           </a:p>
@@ -7536,7 +9167,7 @@
 </p:sld>
 </file>
 
-<file path=ppt/slides/slide7.xml><?xml version="1.0" encoding="utf-8"?>
+<file path=ppt/slides/slide8.xml><?xml version="1.0" encoding="utf-8"?>
 <p:sld xmlns:a="http://schemas.openxmlformats.org/drawingml/2006/main" xmlns:r="http://schemas.openxmlformats.org/officeDocument/2006/relationships" xmlns:p="http://schemas.openxmlformats.org/presentationml/2006/main">
   <p:cSld>
     <p:spTree>
@@ -7856,7 +9487,7 @@
           <a:p>
             <a:fld id="{F32C8F3A-98E9-46B1-BAC9-77D093337233}" type="slidenum">
               <a:rPr kumimoji="1" lang="ja-JP" altLang="en-US" smtClean="0"/>
-              <a:t>7</a:t>
+              <a:t>8</a:t>
             </a:fld>
             <a:endParaRPr kumimoji="1" lang="ja-JP" altLang="en-US"/>
           </a:p>
@@ -7866,209 +9497,6 @@
     <p:extLst>
       <p:ext uri="{BB962C8B-B14F-4D97-AF65-F5344CB8AC3E}">
         <p14:creationId xmlns:p14="http://schemas.microsoft.com/office/powerpoint/2010/main" val="345361776"/>
-      </p:ext>
-    </p:extLst>
-  </p:cSld>
-  <p:clrMapOvr>
-    <a:masterClrMapping/>
-  </p:clrMapOvr>
-</p:sld>
-</file>
-
-<file path=ppt/slides/slide8.xml><?xml version="1.0" encoding="utf-8"?>
-<p:sld xmlns:a="http://schemas.openxmlformats.org/drawingml/2006/main" xmlns:r="http://schemas.openxmlformats.org/officeDocument/2006/relationships" xmlns:p="http://schemas.openxmlformats.org/presentationml/2006/main">
-  <p:cSld>
-    <p:spTree>
-      <p:nvGrpSpPr>
-        <p:cNvPr id="1" name=""/>
-        <p:cNvGrpSpPr/>
-        <p:nvPr/>
-      </p:nvGrpSpPr>
-      <p:grpSpPr>
-        <a:xfrm>
-          <a:off x="0" y="0"/>
-          <a:ext cx="0" cy="0"/>
-          <a:chOff x="0" y="0"/>
-          <a:chExt cx="0" cy="0"/>
-        </a:xfrm>
-      </p:grpSpPr>
-      <p:sp>
-        <p:nvSpPr>
-          <p:cNvPr id="2" name="タイトル 1">
-            <a:extLst>
-              <a:ext uri="{FF2B5EF4-FFF2-40B4-BE49-F238E27FC236}">
-                <a16:creationId xmlns:a16="http://schemas.microsoft.com/office/drawing/2014/main" id="{3BCFB7AB-5597-CE7C-326B-2C69ECADD3FC}"/>
-              </a:ext>
-            </a:extLst>
-          </p:cNvPr>
-          <p:cNvSpPr>
-            <a:spLocks noGrp="1"/>
-          </p:cNvSpPr>
-          <p:nvPr>
-            <p:ph type="title"/>
-          </p:nvPr>
-        </p:nvSpPr>
-        <p:spPr/>
-        <p:txBody>
-          <a:bodyPr/>
-          <a:lstStyle/>
-          <a:p>
-            <a:r>
-              <a:rPr lang="ja-JP" altLang="en-US" dirty="0"/>
-              <a:t>使用</a:t>
-            </a:r>
-            <a:r>
-              <a:rPr kumimoji="1" lang="ja-JP" altLang="en-US" dirty="0"/>
-              <a:t>データ</a:t>
-            </a:r>
-          </a:p>
-        </p:txBody>
-      </p:sp>
-      <p:sp>
-        <p:nvSpPr>
-          <p:cNvPr id="3" name="コンテンツ プレースホルダー 2">
-            <a:extLst>
-              <a:ext uri="{FF2B5EF4-FFF2-40B4-BE49-F238E27FC236}">
-                <a16:creationId xmlns:a16="http://schemas.microsoft.com/office/drawing/2014/main" id="{B5CB3F03-6CE7-70CB-7788-9647955342FF}"/>
-              </a:ext>
-            </a:extLst>
-          </p:cNvPr>
-          <p:cNvSpPr>
-            <a:spLocks noGrp="1"/>
-          </p:cNvSpPr>
-          <p:nvPr>
-            <p:ph idx="1"/>
-          </p:nvPr>
-        </p:nvSpPr>
-        <p:spPr/>
-        <p:txBody>
-          <a:bodyPr/>
-          <a:lstStyle/>
-          <a:p>
-            <a:r>
-              <a:rPr kumimoji="1" lang="en-US" altLang="ja-JP" dirty="0"/>
-              <a:t>Web</a:t>
-            </a:r>
-            <a:r>
-              <a:rPr kumimoji="1" lang="ja-JP" altLang="en-US" dirty="0"/>
-              <a:t>アプリケーション開発についての打ち合わせログ</a:t>
-            </a:r>
-            <a:endParaRPr kumimoji="1" lang="en-US" altLang="ja-JP" dirty="0"/>
-          </a:p>
-          <a:p>
-            <a:pPr lvl="1"/>
-            <a:r>
-              <a:rPr kumimoji="1" lang="ja-JP" altLang="en-US" dirty="0"/>
-              <a:t>発言数</a:t>
-            </a:r>
-            <a:r>
-              <a:rPr kumimoji="1" lang="en-US" altLang="ja-JP" dirty="0"/>
-              <a:t>: 35</a:t>
-            </a:r>
-            <a:r>
-              <a:rPr kumimoji="1" lang="ja-JP" altLang="en-US" dirty="0"/>
-              <a:t>発言</a:t>
-            </a:r>
-            <a:endParaRPr kumimoji="1" lang="en-US" altLang="ja-JP" dirty="0"/>
-          </a:p>
-          <a:p>
-            <a:pPr lvl="1"/>
-            <a:r>
-              <a:rPr lang="ja-JP" altLang="en-US" dirty="0"/>
-              <a:t>参加者</a:t>
-            </a:r>
-            <a:r>
-              <a:rPr lang="en-US" altLang="ja-JP" dirty="0"/>
-              <a:t>: 4</a:t>
-            </a:r>
-            <a:r>
-              <a:rPr lang="ja-JP" altLang="en-US" dirty="0"/>
-              <a:t>名 </a:t>
-            </a:r>
-            <a:r>
-              <a:rPr lang="en-US" altLang="ja-JP" dirty="0"/>
-              <a:t>(PM, </a:t>
-            </a:r>
-            <a:r>
-              <a:rPr lang="ja-JP" altLang="en-US" dirty="0"/>
-              <a:t>クライアント</a:t>
-            </a:r>
-            <a:r>
-              <a:rPr lang="en-US" altLang="ja-JP" dirty="0"/>
-              <a:t>, </a:t>
-            </a:r>
-            <a:r>
-              <a:rPr lang="ja-JP" altLang="en-US" dirty="0"/>
-              <a:t>エンジニア</a:t>
-            </a:r>
-            <a:r>
-              <a:rPr lang="en-US" altLang="ja-JP" dirty="0"/>
-              <a:t>, </a:t>
-            </a:r>
-            <a:r>
-              <a:rPr lang="ja-JP" altLang="en-US" dirty="0"/>
-              <a:t>デザイナー</a:t>
-            </a:r>
-            <a:r>
-              <a:rPr lang="en-US" altLang="ja-JP" dirty="0"/>
-              <a:t>)</a:t>
-            </a:r>
-          </a:p>
-          <a:p>
-            <a:pPr lvl="1"/>
-            <a:r>
-              <a:rPr lang="ja-JP" altLang="en-US" dirty="0"/>
-              <a:t>特徴</a:t>
-            </a:r>
-            <a:r>
-              <a:rPr lang="en-US" altLang="ja-JP" dirty="0"/>
-              <a:t>: </a:t>
-            </a:r>
-            <a:r>
-              <a:rPr lang="ja-JP" altLang="en-US" dirty="0"/>
-              <a:t>長期間での要件変更、明確な決定プロセス</a:t>
-            </a:r>
-            <a:endParaRPr lang="en-US" altLang="ja-JP" dirty="0"/>
-          </a:p>
-          <a:p>
-            <a:pPr lvl="1"/>
-            <a:endParaRPr kumimoji="1" lang="ja-JP" altLang="en-US" dirty="0"/>
-          </a:p>
-        </p:txBody>
-      </p:sp>
-      <p:sp>
-        <p:nvSpPr>
-          <p:cNvPr id="4" name="スライド番号プレースホルダー 3">
-            <a:extLst>
-              <a:ext uri="{FF2B5EF4-FFF2-40B4-BE49-F238E27FC236}">
-                <a16:creationId xmlns:a16="http://schemas.microsoft.com/office/drawing/2014/main" id="{3062D527-0B2D-5CD3-27C0-94F3646EE514}"/>
-              </a:ext>
-            </a:extLst>
-          </p:cNvPr>
-          <p:cNvSpPr>
-            <a:spLocks noGrp="1"/>
-          </p:cNvSpPr>
-          <p:nvPr>
-            <p:ph type="sldNum" sz="quarter" idx="12"/>
-          </p:nvPr>
-        </p:nvSpPr>
-        <p:spPr/>
-        <p:txBody>
-          <a:bodyPr/>
-          <a:lstStyle/>
-          <a:p>
-            <a:fld id="{F32C8F3A-98E9-46B1-BAC9-77D093337233}" type="slidenum">
-              <a:rPr kumimoji="1" lang="ja-JP" altLang="en-US" smtClean="0"/>
-              <a:t>8</a:t>
-            </a:fld>
-            <a:endParaRPr kumimoji="1" lang="ja-JP" altLang="en-US"/>
-          </a:p>
-        </p:txBody>
-      </p:sp>
-    </p:spTree>
-    <p:extLst>
-      <p:ext uri="{BB962C8B-B14F-4D97-AF65-F5344CB8AC3E}">
-        <p14:creationId xmlns:p14="http://schemas.microsoft.com/office/powerpoint/2010/main" val="3375911611"/>
       </p:ext>
     </p:extLst>
   </p:cSld>
@@ -8100,7 +9528,7 @@
           <p:cNvPr id="2" name="タイトル 1">
             <a:extLst>
               <a:ext uri="{FF2B5EF4-FFF2-40B4-BE49-F238E27FC236}">
-                <a16:creationId xmlns:a16="http://schemas.microsoft.com/office/drawing/2014/main" id="{8F8D795F-3571-2932-A553-AFB3741A5F0A}"/>
+                <a16:creationId xmlns:a16="http://schemas.microsoft.com/office/drawing/2014/main" id="{3BCFB7AB-5597-CE7C-326B-2C69ECADD3FC}"/>
               </a:ext>
             </a:extLst>
           </p:cNvPr>
@@ -8118,104 +9546,110 @@
           <a:p>
             <a:r>
               <a:rPr lang="ja-JP" altLang="en-US" dirty="0"/>
-              <a:t>① </a:t>
+              <a:t>使用</a:t>
+            </a:r>
+            <a:r>
+              <a:rPr kumimoji="1" lang="ja-JP" altLang="en-US" dirty="0"/>
+              <a:t>データ</a:t>
+            </a:r>
+          </a:p>
+        </p:txBody>
+      </p:sp>
+      <p:sp>
+        <p:nvSpPr>
+          <p:cNvPr id="3" name="コンテンツ プレースホルダー 2">
+            <a:extLst>
+              <a:ext uri="{FF2B5EF4-FFF2-40B4-BE49-F238E27FC236}">
+                <a16:creationId xmlns:a16="http://schemas.microsoft.com/office/drawing/2014/main" id="{B5CB3F03-6CE7-70CB-7788-9647955342FF}"/>
+              </a:ext>
+            </a:extLst>
+          </p:cNvPr>
+          <p:cNvSpPr>
+            <a:spLocks noGrp="1"/>
+          </p:cNvSpPr>
+          <p:nvPr>
+            <p:ph idx="1"/>
+          </p:nvPr>
+        </p:nvSpPr>
+        <p:spPr/>
+        <p:txBody>
+          <a:bodyPr/>
+          <a:lstStyle/>
+          <a:p>
+            <a:r>
+              <a:rPr kumimoji="1" lang="en-US" altLang="ja-JP" dirty="0"/>
+              <a:t>Web</a:t>
+            </a:r>
+            <a:r>
+              <a:rPr kumimoji="1" lang="ja-JP" altLang="en-US" dirty="0"/>
+              <a:t>アプリケーション開発についての打ち合わせログ</a:t>
+            </a:r>
+            <a:endParaRPr kumimoji="1" lang="en-US" altLang="ja-JP" dirty="0"/>
+          </a:p>
+          <a:p>
+            <a:pPr lvl="1"/>
+            <a:r>
+              <a:rPr kumimoji="1" lang="ja-JP" altLang="en-US" dirty="0"/>
+              <a:t>発言数</a:t>
+            </a:r>
+            <a:r>
+              <a:rPr kumimoji="1" lang="en-US" altLang="ja-JP" dirty="0"/>
+              <a:t>: 35</a:t>
+            </a:r>
+            <a:r>
+              <a:rPr kumimoji="1" lang="ja-JP" altLang="en-US" dirty="0"/>
+              <a:t>発言</a:t>
+            </a:r>
+            <a:endParaRPr kumimoji="1" lang="en-US" altLang="ja-JP" dirty="0"/>
+          </a:p>
+          <a:p>
+            <a:pPr lvl="1"/>
+            <a:r>
+              <a:rPr lang="ja-JP" altLang="en-US" dirty="0"/>
+              <a:t>参加者</a:t>
             </a:r>
             <a:r>
               <a:rPr lang="en-US" altLang="ja-JP" dirty="0"/>
-              <a:t>JSON</a:t>
+              <a:t>: 4</a:t>
             </a:r>
             <a:r>
               <a:rPr lang="ja-JP" altLang="en-US" dirty="0"/>
-              <a:t>入力</a:t>
+              <a:t>名 </a:t>
             </a:r>
             <a:r>
               <a:rPr lang="en-US" altLang="ja-JP" dirty="0"/>
-              <a:t>+</a:t>
-            </a:r>
-            <a:r>
-              <a:rPr kumimoji="1" lang="ja-JP" altLang="en-US" dirty="0"/>
-              <a:t>② 分類ラベルの付与</a:t>
-            </a:r>
-          </a:p>
-        </p:txBody>
-      </p:sp>
-      <p:sp>
-        <p:nvSpPr>
-          <p:cNvPr id="3" name="コンテンツ プレースホルダー 2">
-            <a:extLst>
-              <a:ext uri="{FF2B5EF4-FFF2-40B4-BE49-F238E27FC236}">
-                <a16:creationId xmlns:a16="http://schemas.microsoft.com/office/drawing/2014/main" id="{9FD9FBC1-780C-9F71-1BA4-3865D9D0CB7B}"/>
-              </a:ext>
-            </a:extLst>
-          </p:cNvPr>
-          <p:cNvSpPr>
-            <a:spLocks noGrp="1"/>
-          </p:cNvSpPr>
-          <p:nvPr>
-            <p:ph idx="1"/>
-          </p:nvPr>
-        </p:nvSpPr>
-        <p:spPr/>
-        <p:txBody>
-          <a:bodyPr/>
-          <a:lstStyle/>
-          <a:p>
-            <a:pPr marL="0" indent="0">
-              <a:buNone/>
-            </a:pPr>
-            <a:r>
-              <a:rPr kumimoji="1" lang="ja-JP" altLang="en-US" dirty="0"/>
-              <a:t>目的</a:t>
-            </a:r>
-            <a:r>
-              <a:rPr kumimoji="1" lang="en-US" altLang="ja-JP" dirty="0"/>
-              <a:t>: </a:t>
-            </a:r>
-          </a:p>
-          <a:p>
-            <a:pPr marL="0" indent="0">
-              <a:buNone/>
-            </a:pPr>
-            <a:r>
-              <a:rPr kumimoji="1" lang="ja-JP" altLang="en-US" dirty="0"/>
-              <a:t>ラベル付けをして、情報の分析を行い、機能とノイズを識別する</a:t>
-            </a:r>
-            <a:endParaRPr kumimoji="1" lang="en-US" altLang="ja-JP" dirty="0"/>
-          </a:p>
-          <a:p>
-            <a:pPr marL="0" indent="0">
-              <a:buNone/>
-            </a:pPr>
-            <a:endParaRPr lang="en-US" altLang="ja-JP" dirty="0"/>
-          </a:p>
-          <a:p>
-            <a:pPr marL="0" indent="0">
-              <a:buNone/>
-            </a:pPr>
-            <a:r>
-              <a:rPr kumimoji="1" lang="ja-JP" altLang="en-US" dirty="0"/>
-              <a:t>入力</a:t>
-            </a:r>
-            <a:r>
-              <a:rPr kumimoji="1" lang="en-US" altLang="ja-JP" dirty="0"/>
-              <a:t>: </a:t>
-            </a:r>
-            <a:r>
-              <a:rPr kumimoji="1" lang="ja-JP" altLang="en-US" dirty="0"/>
-              <a:t>データ</a:t>
-            </a:r>
-            <a:r>
-              <a:rPr kumimoji="1" lang="en-US" altLang="ja-JP" dirty="0"/>
-              <a:t>JSON</a:t>
-            </a:r>
-          </a:p>
-          <a:p>
-            <a:pPr marL="0" indent="0">
-              <a:buNone/>
-            </a:pPr>
+              <a:t>(PM, </a:t>
+            </a:r>
             <a:r>
               <a:rPr lang="ja-JP" altLang="en-US" dirty="0"/>
-              <a:t>出力</a:t>
+              <a:t>クライアント</a:t>
+            </a:r>
+            <a:r>
+              <a:rPr lang="en-US" altLang="ja-JP" dirty="0"/>
+              <a:t>, </a:t>
+            </a:r>
+            <a:r>
+              <a:rPr lang="ja-JP" altLang="en-US" dirty="0"/>
+              <a:t>エンジニア</a:t>
+            </a:r>
+            <a:r>
+              <a:rPr lang="en-US" altLang="ja-JP" dirty="0"/>
+              <a:t>, </a:t>
+            </a:r>
+            <a:r>
+              <a:rPr lang="ja-JP" altLang="en-US" dirty="0"/>
+              <a:t>デザイナー</a:t>
+            </a:r>
+            <a:r>
+              <a:rPr lang="en-US" altLang="ja-JP" dirty="0"/>
+              <a:t>)</a:t>
+            </a:r>
+          </a:p>
+          <a:p>
+            <a:pPr lvl="1"/>
+            <a:r>
+              <a:rPr lang="ja-JP" altLang="en-US" dirty="0"/>
+              <a:t>特徴</a:t>
             </a:r>
             <a:r>
               <a:rPr lang="en-US" altLang="ja-JP" dirty="0"/>
@@ -8223,53 +9657,102 @@
             </a:r>
             <a:r>
               <a:rPr lang="ja-JP" altLang="en-US" dirty="0"/>
-              <a:t>中間</a:t>
+              <a:t>長期間での要件変更、明確な決定プロセス</a:t>
+            </a:r>
+            <a:endParaRPr lang="en-US" altLang="ja-JP" dirty="0"/>
+          </a:p>
+          <a:p>
+            <a:pPr lvl="1"/>
+            <a:endParaRPr lang="en-US" altLang="ja-JP" dirty="0"/>
+          </a:p>
+          <a:p>
+            <a:r>
+              <a:rPr lang="ja-JP" altLang="ja-JP" dirty="0"/>
+              <a:t>ホテル・旅館業向けシステム開発</a:t>
+            </a:r>
+            <a:r>
+              <a:rPr lang="ja-JP" altLang="en-US" dirty="0"/>
+              <a:t>についての打ち合わせログ</a:t>
+            </a:r>
+            <a:endParaRPr lang="en-US" altLang="ja-JP" dirty="0"/>
+          </a:p>
+          <a:p>
+            <a:pPr lvl="1"/>
+            <a:r>
+              <a:rPr lang="ja-JP" altLang="en-US" dirty="0"/>
+              <a:t>発言数</a:t>
             </a:r>
             <a:r>
               <a:rPr lang="en-US" altLang="ja-JP" dirty="0"/>
-              <a:t>JSON(</a:t>
+              <a:t>: 48</a:t>
             </a:r>
             <a:r>
               <a:rPr lang="ja-JP" altLang="en-US" dirty="0"/>
-              <a:t>ラベル付与</a:t>
+              <a:t>発言</a:t>
+            </a:r>
+            <a:endParaRPr lang="en-US" altLang="ja-JP" dirty="0"/>
+          </a:p>
+          <a:p>
+            <a:pPr lvl="1"/>
+            <a:r>
+              <a:rPr lang="ja-JP" altLang="en-US" dirty="0"/>
+              <a:t>参加者</a:t>
+            </a:r>
+            <a:r>
+              <a:rPr lang="en-US" altLang="ja-JP" dirty="0"/>
+              <a:t>: 4</a:t>
+            </a:r>
+            <a:r>
+              <a:rPr lang="ja-JP" altLang="en-US" dirty="0"/>
+              <a:t>名 </a:t>
+            </a:r>
+            <a:r>
+              <a:rPr lang="en-US" altLang="ja-JP" dirty="0"/>
+              <a:t>(PM, </a:t>
+            </a:r>
+            <a:r>
+              <a:rPr lang="ja-JP" altLang="en-US" dirty="0"/>
+              <a:t>クライアント</a:t>
+            </a:r>
+            <a:r>
+              <a:rPr lang="en-US" altLang="ja-JP" dirty="0"/>
+              <a:t>, </a:t>
+            </a:r>
+            <a:r>
+              <a:rPr lang="ja-JP" altLang="en-US" dirty="0"/>
+              <a:t>エンジニア</a:t>
+            </a:r>
+            <a:r>
+              <a:rPr lang="en-US" altLang="ja-JP" dirty="0"/>
+              <a:t>, </a:t>
+            </a:r>
+            <a:r>
+              <a:rPr lang="ja-JP" altLang="en-US" dirty="0"/>
+              <a:t>デザイナー</a:t>
             </a:r>
             <a:r>
               <a:rPr lang="en-US" altLang="ja-JP" dirty="0"/>
               <a:t>)</a:t>
             </a:r>
-            <a:endParaRPr kumimoji="1" lang="en-US" altLang="ja-JP" dirty="0"/>
-          </a:p>
-          <a:p>
-            <a:pPr marL="0" indent="0">
-              <a:buNone/>
-            </a:pPr>
+          </a:p>
+          <a:p>
+            <a:pPr lvl="1"/>
+            <a:r>
+              <a:rPr lang="ja-JP" altLang="en-US" dirty="0"/>
+              <a:t>特徴</a:t>
+            </a:r>
+            <a:r>
+              <a:rPr lang="en-US" altLang="ja-JP" dirty="0"/>
+              <a:t>: </a:t>
+            </a:r>
+            <a:r>
+              <a:rPr lang="ja-JP" altLang="en-US" dirty="0"/>
+              <a:t>短期間での集中的議論、複雑な機能要求</a:t>
+            </a:r>
             <a:endParaRPr lang="en-US" altLang="ja-JP" dirty="0"/>
           </a:p>
           <a:p>
-            <a:pPr marL="0" indent="0">
-              <a:buNone/>
-            </a:pPr>
-            <a:r>
-              <a:rPr kumimoji="1" lang="ja-JP" altLang="en-US" dirty="0"/>
-              <a:t>ラベル定義</a:t>
-            </a:r>
-            <a:r>
-              <a:rPr kumimoji="1" lang="en-US" altLang="ja-JP" dirty="0"/>
-              <a:t>: decision/proposal/question/chitchat/other</a:t>
-            </a:r>
-          </a:p>
-          <a:p>
-            <a:pPr marL="0" indent="0">
-              <a:buNone/>
-            </a:pPr>
-            <a:r>
-              <a:rPr kumimoji="1" lang="ja-JP" altLang="en-US" dirty="0"/>
-              <a:t>設定</a:t>
-            </a:r>
-            <a:r>
-              <a:rPr kumimoji="1" lang="en-US" altLang="ja-JP" dirty="0"/>
-              <a:t>: temperature=0.2</a:t>
-            </a:r>
+            <a:pPr lvl="1"/>
             <a:endParaRPr kumimoji="1" lang="ja-JP" altLang="en-US" dirty="0"/>
           </a:p>
         </p:txBody>
@@ -8279,7 +9762,7 @@
           <p:cNvPr id="4" name="スライド番号プレースホルダー 3">
             <a:extLst>
               <a:ext uri="{FF2B5EF4-FFF2-40B4-BE49-F238E27FC236}">
-                <a16:creationId xmlns:a16="http://schemas.microsoft.com/office/drawing/2014/main" id="{BD02FA91-04BC-946F-88F6-711FEBDD004A}"/>
+                <a16:creationId xmlns:a16="http://schemas.microsoft.com/office/drawing/2014/main" id="{3062D527-0B2D-5CD3-27C0-94F3646EE514}"/>
               </a:ext>
             </a:extLst>
           </p:cNvPr>
@@ -8306,7 +9789,7 @@
     </p:spTree>
     <p:extLst>
       <p:ext uri="{BB962C8B-B14F-4D97-AF65-F5344CB8AC3E}">
-        <p14:creationId xmlns:p14="http://schemas.microsoft.com/office/powerpoint/2010/main" val="1121097724"/>
+        <p14:creationId xmlns:p14="http://schemas.microsoft.com/office/powerpoint/2010/main" val="3375911611"/>
       </p:ext>
     </p:extLst>
   </p:cSld>

--- a/paper/卒論.pptx
+++ b/paper/卒論.pptx
@@ -17,7 +17,7 @@
     <p:sldId id="261" r:id="rId8"/>
     <p:sldId id="271" r:id="rId9"/>
     <p:sldId id="272" r:id="rId10"/>
-    <p:sldId id="273" r:id="rId11"/>
+    <p:sldId id="278" r:id="rId11"/>
     <p:sldId id="274" r:id="rId12"/>
     <p:sldId id="276" r:id="rId13"/>
     <p:sldId id="275" r:id="rId14"/>
@@ -132,6 +132,2375 @@
 </p:presentation>
 </file>
 
+<file path=ppt/charts/chart1.xml><?xml version="1.0" encoding="utf-8"?>
+<c:chartSpace xmlns:c="http://schemas.openxmlformats.org/drawingml/2006/chart" xmlns:a="http://schemas.openxmlformats.org/drawingml/2006/main" xmlns:r="http://schemas.openxmlformats.org/officeDocument/2006/relationships" xmlns:c16r2="http://schemas.microsoft.com/office/drawing/2015/06/chart">
+  <c:date1904 val="0"/>
+  <c:lang val="ja-JP"/>
+  <c:roundedCorners val="0"/>
+  <mc:AlternateContent xmlns:mc="http://schemas.openxmlformats.org/markup-compatibility/2006">
+    <mc:Choice xmlns:c14="http://schemas.microsoft.com/office/drawing/2007/8/2/chart" Requires="c14">
+      <c14:style val="102"/>
+    </mc:Choice>
+    <mc:Fallback>
+      <c:style val="2"/>
+    </mc:Fallback>
+  </mc:AlternateContent>
+  <c:chart>
+    <c:title>
+      <c:tx>
+        <c:rich>
+          <a:bodyPr rot="0" spcFirstLastPara="1" vertOverflow="ellipsis" vert="horz" wrap="square" anchor="ctr" anchorCtr="1"/>
+          <a:lstStyle/>
+          <a:p>
+            <a:pPr>
+              <a:defRPr sz="1862" b="0" i="0" u="none" strike="noStrike" kern="1200" spc="0" baseline="0">
+                <a:solidFill>
+                  <a:schemeClr val="tx1">
+                    <a:lumMod val="65000"/>
+                    <a:lumOff val="35000"/>
+                  </a:schemeClr>
+                </a:solidFill>
+                <a:latin typeface="+mn-lt"/>
+                <a:ea typeface="+mn-ea"/>
+                <a:cs typeface="+mn-cs"/>
+              </a:defRPr>
+            </a:pPr>
+            <a:r>
+              <a:rPr lang="en-US" altLang="ja-JP" dirty="0"/>
+              <a:t>DS1 (</a:t>
+            </a:r>
+            <a:r>
+              <a:rPr lang="ja-JP" altLang="en-US" dirty="0"/>
+              <a:t>全項目数</a:t>
+            </a:r>
+            <a:r>
+              <a:rPr lang="en-US" altLang="ja-JP" dirty="0"/>
+              <a:t>9)</a:t>
+            </a:r>
+            <a:endParaRPr lang="ja-JP" altLang="en-US" dirty="0"/>
+          </a:p>
+        </c:rich>
+      </c:tx>
+      <c:overlay val="0"/>
+      <c:spPr>
+        <a:noFill/>
+        <a:ln>
+          <a:noFill/>
+        </a:ln>
+        <a:effectLst/>
+      </c:spPr>
+      <c:txPr>
+        <a:bodyPr rot="0" spcFirstLastPara="1" vertOverflow="ellipsis" vert="horz" wrap="square" anchor="ctr" anchorCtr="1"/>
+        <a:lstStyle/>
+        <a:p>
+          <a:pPr>
+            <a:defRPr sz="1862" b="0" i="0" u="none" strike="noStrike" kern="1200" spc="0" baseline="0">
+              <a:solidFill>
+                <a:schemeClr val="tx1">
+                  <a:lumMod val="65000"/>
+                  <a:lumOff val="35000"/>
+                </a:schemeClr>
+              </a:solidFill>
+              <a:latin typeface="+mn-lt"/>
+              <a:ea typeface="+mn-ea"/>
+              <a:cs typeface="+mn-cs"/>
+            </a:defRPr>
+          </a:pPr>
+          <a:endParaRPr lang="ja-JP"/>
+        </a:p>
+      </c:txPr>
+    </c:title>
+    <c:autoTitleDeleted val="0"/>
+    <c:plotArea>
+      <c:layout/>
+      <c:lineChart>
+        <c:grouping val="standard"/>
+        <c:varyColors val="0"/>
+        <c:ser>
+          <c:idx val="0"/>
+          <c:order val="0"/>
+          <c:tx>
+            <c:strRef>
+              <c:f>Sheet1!$B$1</c:f>
+              <c:strCache>
+                <c:ptCount val="1"/>
+                <c:pt idx="0">
+                  <c:v>最小数</c:v>
+                </c:pt>
+              </c:strCache>
+            </c:strRef>
+          </c:tx>
+          <c:spPr>
+            <a:ln w="28575" cap="rnd">
+              <a:solidFill>
+                <a:schemeClr val="accent1"/>
+              </a:solidFill>
+              <a:round/>
+            </a:ln>
+            <a:effectLst/>
+          </c:spPr>
+          <c:marker>
+            <c:symbol val="none"/>
+          </c:marker>
+          <c:cat>
+            <c:numRef>
+              <c:f>Sheet1!$A$2:$A$13</c:f>
+              <c:numCache>
+                <c:formatCode>General</c:formatCode>
+                <c:ptCount val="12"/>
+                <c:pt idx="0">
+                  <c:v>0</c:v>
+                </c:pt>
+                <c:pt idx="1">
+                  <c:v>0.1</c:v>
+                </c:pt>
+                <c:pt idx="2">
+                  <c:v>0.2</c:v>
+                </c:pt>
+                <c:pt idx="3">
+                  <c:v>0.3</c:v>
+                </c:pt>
+                <c:pt idx="4">
+                  <c:v>1</c:v>
+                </c:pt>
+                <c:pt idx="5">
+                  <c:v>0.5</c:v>
+                </c:pt>
+                <c:pt idx="6">
+                  <c:v>0.6</c:v>
+                </c:pt>
+                <c:pt idx="7">
+                  <c:v>0.7</c:v>
+                </c:pt>
+                <c:pt idx="8">
+                  <c:v>0.8</c:v>
+                </c:pt>
+                <c:pt idx="9">
+                  <c:v>0.9</c:v>
+                </c:pt>
+                <c:pt idx="10">
+                  <c:v>1</c:v>
+                </c:pt>
+              </c:numCache>
+            </c:numRef>
+          </c:cat>
+          <c:val>
+            <c:numRef>
+              <c:f>Sheet1!$B$2:$B$13</c:f>
+              <c:numCache>
+                <c:formatCode>General</c:formatCode>
+                <c:ptCount val="12"/>
+                <c:pt idx="0">
+                  <c:v>6</c:v>
+                </c:pt>
+                <c:pt idx="1">
+                  <c:v>6</c:v>
+                </c:pt>
+                <c:pt idx="2">
+                  <c:v>8</c:v>
+                </c:pt>
+                <c:pt idx="3">
+                  <c:v>7</c:v>
+                </c:pt>
+                <c:pt idx="4">
+                  <c:v>7</c:v>
+                </c:pt>
+                <c:pt idx="5">
+                  <c:v>6</c:v>
+                </c:pt>
+                <c:pt idx="6">
+                  <c:v>5</c:v>
+                </c:pt>
+                <c:pt idx="7">
+                  <c:v>5</c:v>
+                </c:pt>
+                <c:pt idx="8">
+                  <c:v>5</c:v>
+                </c:pt>
+                <c:pt idx="9">
+                  <c:v>4</c:v>
+                </c:pt>
+                <c:pt idx="10">
+                  <c:v>5</c:v>
+                </c:pt>
+              </c:numCache>
+            </c:numRef>
+          </c:val>
+          <c:smooth val="0"/>
+          <c:extLst>
+            <c:ext xmlns:c16="http://schemas.microsoft.com/office/drawing/2014/chart" uri="{C3380CC4-5D6E-409C-BE32-E72D297353CC}">
+              <c16:uniqueId val="{00000000-6C54-4C71-AC88-7155DAB7D03E}"/>
+            </c:ext>
+          </c:extLst>
+        </c:ser>
+        <c:ser>
+          <c:idx val="1"/>
+          <c:order val="1"/>
+          <c:tx>
+            <c:strRef>
+              <c:f>Sheet1!$C$1</c:f>
+              <c:strCache>
+                <c:ptCount val="1"/>
+                <c:pt idx="0">
+                  <c:v>最大数</c:v>
+                </c:pt>
+              </c:strCache>
+            </c:strRef>
+          </c:tx>
+          <c:spPr>
+            <a:ln w="28575" cap="rnd">
+              <a:solidFill>
+                <a:schemeClr val="accent2"/>
+              </a:solidFill>
+              <a:round/>
+            </a:ln>
+            <a:effectLst/>
+          </c:spPr>
+          <c:marker>
+            <c:symbol val="none"/>
+          </c:marker>
+          <c:cat>
+            <c:numRef>
+              <c:f>Sheet1!$A$2:$A$13</c:f>
+              <c:numCache>
+                <c:formatCode>General</c:formatCode>
+                <c:ptCount val="12"/>
+                <c:pt idx="0">
+                  <c:v>0</c:v>
+                </c:pt>
+                <c:pt idx="1">
+                  <c:v>0.1</c:v>
+                </c:pt>
+                <c:pt idx="2">
+                  <c:v>0.2</c:v>
+                </c:pt>
+                <c:pt idx="3">
+                  <c:v>0.3</c:v>
+                </c:pt>
+                <c:pt idx="4">
+                  <c:v>1</c:v>
+                </c:pt>
+                <c:pt idx="5">
+                  <c:v>0.5</c:v>
+                </c:pt>
+                <c:pt idx="6">
+                  <c:v>0.6</c:v>
+                </c:pt>
+                <c:pt idx="7">
+                  <c:v>0.7</c:v>
+                </c:pt>
+                <c:pt idx="8">
+                  <c:v>0.8</c:v>
+                </c:pt>
+                <c:pt idx="9">
+                  <c:v>0.9</c:v>
+                </c:pt>
+                <c:pt idx="10">
+                  <c:v>1</c:v>
+                </c:pt>
+              </c:numCache>
+            </c:numRef>
+          </c:cat>
+          <c:val>
+            <c:numRef>
+              <c:f>Sheet1!$C$2:$C$13</c:f>
+              <c:numCache>
+                <c:formatCode>General</c:formatCode>
+                <c:ptCount val="12"/>
+                <c:pt idx="0">
+                  <c:v>10</c:v>
+                </c:pt>
+                <c:pt idx="1">
+                  <c:v>9</c:v>
+                </c:pt>
+                <c:pt idx="2">
+                  <c:v>9</c:v>
+                </c:pt>
+                <c:pt idx="3">
+                  <c:v>10</c:v>
+                </c:pt>
+                <c:pt idx="4">
+                  <c:v>10</c:v>
+                </c:pt>
+                <c:pt idx="5">
+                  <c:v>11</c:v>
+                </c:pt>
+                <c:pt idx="6">
+                  <c:v>11</c:v>
+                </c:pt>
+                <c:pt idx="7">
+                  <c:v>11</c:v>
+                </c:pt>
+                <c:pt idx="8">
+                  <c:v>11</c:v>
+                </c:pt>
+                <c:pt idx="9">
+                  <c:v>12</c:v>
+                </c:pt>
+                <c:pt idx="10">
+                  <c:v>12</c:v>
+                </c:pt>
+              </c:numCache>
+            </c:numRef>
+          </c:val>
+          <c:smooth val="0"/>
+          <c:extLst>
+            <c:ext xmlns:c16="http://schemas.microsoft.com/office/drawing/2014/chart" uri="{C3380CC4-5D6E-409C-BE32-E72D297353CC}">
+              <c16:uniqueId val="{00000001-6C54-4C71-AC88-7155DAB7D03E}"/>
+            </c:ext>
+          </c:extLst>
+        </c:ser>
+        <c:ser>
+          <c:idx val="2"/>
+          <c:order val="2"/>
+          <c:tx>
+            <c:strRef>
+              <c:f>Sheet1!$D$1</c:f>
+              <c:strCache>
+                <c:ptCount val="1"/>
+                <c:pt idx="0">
+                  <c:v>平均数</c:v>
+                </c:pt>
+              </c:strCache>
+            </c:strRef>
+          </c:tx>
+          <c:spPr>
+            <a:ln w="28575" cap="rnd">
+              <a:solidFill>
+                <a:schemeClr val="accent3"/>
+              </a:solidFill>
+              <a:round/>
+            </a:ln>
+            <a:effectLst/>
+          </c:spPr>
+          <c:marker>
+            <c:symbol val="none"/>
+          </c:marker>
+          <c:cat>
+            <c:numRef>
+              <c:f>Sheet1!$A$2:$A$13</c:f>
+              <c:numCache>
+                <c:formatCode>General</c:formatCode>
+                <c:ptCount val="12"/>
+                <c:pt idx="0">
+                  <c:v>0</c:v>
+                </c:pt>
+                <c:pt idx="1">
+                  <c:v>0.1</c:v>
+                </c:pt>
+                <c:pt idx="2">
+                  <c:v>0.2</c:v>
+                </c:pt>
+                <c:pt idx="3">
+                  <c:v>0.3</c:v>
+                </c:pt>
+                <c:pt idx="4">
+                  <c:v>1</c:v>
+                </c:pt>
+                <c:pt idx="5">
+                  <c:v>0.5</c:v>
+                </c:pt>
+                <c:pt idx="6">
+                  <c:v>0.6</c:v>
+                </c:pt>
+                <c:pt idx="7">
+                  <c:v>0.7</c:v>
+                </c:pt>
+                <c:pt idx="8">
+                  <c:v>0.8</c:v>
+                </c:pt>
+                <c:pt idx="9">
+                  <c:v>0.9</c:v>
+                </c:pt>
+                <c:pt idx="10">
+                  <c:v>1</c:v>
+                </c:pt>
+              </c:numCache>
+            </c:numRef>
+          </c:cat>
+          <c:val>
+            <c:numRef>
+              <c:f>Sheet1!$D$2:$D$13</c:f>
+              <c:numCache>
+                <c:formatCode>General</c:formatCode>
+                <c:ptCount val="12"/>
+                <c:pt idx="0">
+                  <c:v>7.1</c:v>
+                </c:pt>
+                <c:pt idx="1">
+                  <c:v>7.4</c:v>
+                </c:pt>
+                <c:pt idx="2">
+                  <c:v>8.1999999999999993</c:v>
+                </c:pt>
+                <c:pt idx="3">
+                  <c:v>8.1</c:v>
+                </c:pt>
+                <c:pt idx="4">
+                  <c:v>7.9</c:v>
+                </c:pt>
+                <c:pt idx="5">
+                  <c:v>8.1999999999999993</c:v>
+                </c:pt>
+                <c:pt idx="6">
+                  <c:v>7.5</c:v>
+                </c:pt>
+                <c:pt idx="7">
+                  <c:v>8.1999999999999993</c:v>
+                </c:pt>
+                <c:pt idx="8">
+                  <c:v>8.5</c:v>
+                </c:pt>
+                <c:pt idx="9">
+                  <c:v>8.4</c:v>
+                </c:pt>
+                <c:pt idx="10">
+                  <c:v>8.6999999999999993</c:v>
+                </c:pt>
+              </c:numCache>
+            </c:numRef>
+          </c:val>
+          <c:smooth val="0"/>
+          <c:extLst>
+            <c:ext xmlns:c16="http://schemas.microsoft.com/office/drawing/2014/chart" uri="{C3380CC4-5D6E-409C-BE32-E72D297353CC}">
+              <c16:uniqueId val="{00000002-6C54-4C71-AC88-7155DAB7D03E}"/>
+            </c:ext>
+          </c:extLst>
+        </c:ser>
+        <c:dLbls>
+          <c:showLegendKey val="0"/>
+          <c:showVal val="0"/>
+          <c:showCatName val="0"/>
+          <c:showSerName val="0"/>
+          <c:showPercent val="0"/>
+          <c:showBubbleSize val="0"/>
+        </c:dLbls>
+        <c:smooth val="0"/>
+        <c:axId val="1346966191"/>
+        <c:axId val="1346970511"/>
+      </c:lineChart>
+      <c:catAx>
+        <c:axId val="1346966191"/>
+        <c:scaling>
+          <c:orientation val="minMax"/>
+        </c:scaling>
+        <c:delete val="0"/>
+        <c:axPos val="b"/>
+        <c:numFmt formatCode="General" sourceLinked="1"/>
+        <c:majorTickMark val="none"/>
+        <c:minorTickMark val="none"/>
+        <c:tickLblPos val="nextTo"/>
+        <c:spPr>
+          <a:noFill/>
+          <a:ln w="9525" cap="flat" cmpd="sng" algn="ctr">
+            <a:solidFill>
+              <a:schemeClr val="tx1">
+                <a:lumMod val="15000"/>
+                <a:lumOff val="85000"/>
+              </a:schemeClr>
+            </a:solidFill>
+            <a:round/>
+          </a:ln>
+          <a:effectLst/>
+        </c:spPr>
+        <c:txPr>
+          <a:bodyPr rot="-60000000" spcFirstLastPara="1" vertOverflow="ellipsis" vert="horz" wrap="square" anchor="ctr" anchorCtr="1"/>
+          <a:lstStyle/>
+          <a:p>
+            <a:pPr>
+              <a:defRPr sz="1197" b="0" i="0" u="none" strike="noStrike" kern="1200" baseline="0">
+                <a:solidFill>
+                  <a:schemeClr val="tx1">
+                    <a:lumMod val="65000"/>
+                    <a:lumOff val="35000"/>
+                  </a:schemeClr>
+                </a:solidFill>
+                <a:latin typeface="+mn-lt"/>
+                <a:ea typeface="+mn-ea"/>
+                <a:cs typeface="+mn-cs"/>
+              </a:defRPr>
+            </a:pPr>
+            <a:endParaRPr lang="ja-JP"/>
+          </a:p>
+        </c:txPr>
+        <c:crossAx val="1346970511"/>
+        <c:crosses val="autoZero"/>
+        <c:auto val="1"/>
+        <c:lblAlgn val="ctr"/>
+        <c:lblOffset val="100"/>
+        <c:noMultiLvlLbl val="0"/>
+      </c:catAx>
+      <c:valAx>
+        <c:axId val="1346970511"/>
+        <c:scaling>
+          <c:orientation val="minMax"/>
+          <c:min val="3"/>
+        </c:scaling>
+        <c:delete val="0"/>
+        <c:axPos val="l"/>
+        <c:majorGridlines>
+          <c:spPr>
+            <a:ln w="9525" cap="flat" cmpd="sng" algn="ctr">
+              <a:solidFill>
+                <a:schemeClr val="tx1">
+                  <a:lumMod val="15000"/>
+                  <a:lumOff val="85000"/>
+                </a:schemeClr>
+              </a:solidFill>
+              <a:round/>
+            </a:ln>
+            <a:effectLst/>
+          </c:spPr>
+        </c:majorGridlines>
+        <c:numFmt formatCode="General" sourceLinked="1"/>
+        <c:majorTickMark val="none"/>
+        <c:minorTickMark val="none"/>
+        <c:tickLblPos val="nextTo"/>
+        <c:spPr>
+          <a:noFill/>
+          <a:ln>
+            <a:noFill/>
+          </a:ln>
+          <a:effectLst/>
+        </c:spPr>
+        <c:txPr>
+          <a:bodyPr rot="-60000000" spcFirstLastPara="1" vertOverflow="ellipsis" vert="horz" wrap="square" anchor="ctr" anchorCtr="1"/>
+          <a:lstStyle/>
+          <a:p>
+            <a:pPr>
+              <a:defRPr sz="1197" b="0" i="0" u="none" strike="noStrike" kern="1200" baseline="0">
+                <a:solidFill>
+                  <a:schemeClr val="tx1">
+                    <a:lumMod val="65000"/>
+                    <a:lumOff val="35000"/>
+                  </a:schemeClr>
+                </a:solidFill>
+                <a:latin typeface="+mn-lt"/>
+                <a:ea typeface="+mn-ea"/>
+                <a:cs typeface="+mn-cs"/>
+              </a:defRPr>
+            </a:pPr>
+            <a:endParaRPr lang="ja-JP"/>
+          </a:p>
+        </c:txPr>
+        <c:crossAx val="1346966191"/>
+        <c:crosses val="autoZero"/>
+        <c:crossBetween val="between"/>
+      </c:valAx>
+      <c:spPr>
+        <a:noFill/>
+        <a:ln>
+          <a:noFill/>
+        </a:ln>
+        <a:effectLst/>
+      </c:spPr>
+    </c:plotArea>
+    <c:legend>
+      <c:legendPos val="b"/>
+      <c:overlay val="0"/>
+      <c:spPr>
+        <a:noFill/>
+        <a:ln>
+          <a:noFill/>
+        </a:ln>
+        <a:effectLst/>
+      </c:spPr>
+      <c:txPr>
+        <a:bodyPr rot="0" spcFirstLastPara="1" vertOverflow="ellipsis" vert="horz" wrap="square" anchor="ctr" anchorCtr="1"/>
+        <a:lstStyle/>
+        <a:p>
+          <a:pPr>
+            <a:defRPr sz="1197" b="0" i="0" u="none" strike="noStrike" kern="1200" baseline="0">
+              <a:solidFill>
+                <a:schemeClr val="tx1">
+                  <a:lumMod val="65000"/>
+                  <a:lumOff val="35000"/>
+                </a:schemeClr>
+              </a:solidFill>
+              <a:latin typeface="+mn-lt"/>
+              <a:ea typeface="+mn-ea"/>
+              <a:cs typeface="+mn-cs"/>
+            </a:defRPr>
+          </a:pPr>
+          <a:endParaRPr lang="ja-JP"/>
+        </a:p>
+      </c:txPr>
+    </c:legend>
+    <c:plotVisOnly val="1"/>
+    <c:dispBlanksAs val="gap"/>
+    <c:showDLblsOverMax val="0"/>
+    <c:extLst>
+      <c:ext xmlns:c16r3="http://schemas.microsoft.com/office/drawing/2017/03/chart" uri="{56B9EC1D-385E-4148-901F-78D8002777C0}">
+        <c16r3:dataDisplayOptions16>
+          <c16r3:dispNaAsBlank val="1"/>
+        </c16r3:dataDisplayOptions16>
+      </c:ext>
+    </c:extLst>
+  </c:chart>
+  <c:spPr>
+    <a:noFill/>
+    <a:ln>
+      <a:noFill/>
+    </a:ln>
+    <a:effectLst/>
+  </c:spPr>
+  <c:txPr>
+    <a:bodyPr/>
+    <a:lstStyle/>
+    <a:p>
+      <a:pPr>
+        <a:defRPr/>
+      </a:pPr>
+      <a:endParaRPr lang="ja-JP"/>
+    </a:p>
+  </c:txPr>
+  <c:externalData r:id="rId3">
+    <c:autoUpdate val="0"/>
+  </c:externalData>
+</c:chartSpace>
+</file>
+
+<file path=ppt/charts/chart2.xml><?xml version="1.0" encoding="utf-8"?>
+<c:chartSpace xmlns:c="http://schemas.openxmlformats.org/drawingml/2006/chart" xmlns:a="http://schemas.openxmlformats.org/drawingml/2006/main" xmlns:r="http://schemas.openxmlformats.org/officeDocument/2006/relationships" xmlns:c16r2="http://schemas.microsoft.com/office/drawing/2015/06/chart">
+  <c:date1904 val="0"/>
+  <c:lang val="ja-JP"/>
+  <c:roundedCorners val="0"/>
+  <mc:AlternateContent xmlns:mc="http://schemas.openxmlformats.org/markup-compatibility/2006">
+    <mc:Choice xmlns:c14="http://schemas.microsoft.com/office/drawing/2007/8/2/chart" Requires="c14">
+      <c14:style val="102"/>
+    </mc:Choice>
+    <mc:Fallback>
+      <c:style val="2"/>
+    </mc:Fallback>
+  </mc:AlternateContent>
+  <c:chart>
+    <c:title>
+      <c:tx>
+        <c:rich>
+          <a:bodyPr rot="0" spcFirstLastPara="1" vertOverflow="ellipsis" vert="horz" wrap="square" anchor="ctr" anchorCtr="1"/>
+          <a:lstStyle/>
+          <a:p>
+            <a:pPr>
+              <a:defRPr sz="1862" b="0" i="0" u="none" strike="noStrike" kern="1200" spc="0" baseline="0">
+                <a:solidFill>
+                  <a:schemeClr val="tx1">
+                    <a:lumMod val="65000"/>
+                    <a:lumOff val="35000"/>
+                  </a:schemeClr>
+                </a:solidFill>
+                <a:latin typeface="+mn-lt"/>
+                <a:ea typeface="+mn-ea"/>
+                <a:cs typeface="+mn-cs"/>
+              </a:defRPr>
+            </a:pPr>
+            <a:r>
+              <a:rPr lang="en-US" altLang="ja-JP" dirty="0"/>
+              <a:t>DS2 (</a:t>
+            </a:r>
+            <a:r>
+              <a:rPr lang="ja-JP" altLang="en-US" dirty="0"/>
+              <a:t>全項目数</a:t>
+            </a:r>
+            <a:r>
+              <a:rPr lang="en-US" altLang="ja-JP" dirty="0"/>
+              <a:t>14)</a:t>
+            </a:r>
+            <a:endParaRPr lang="ja-JP" altLang="en-US" dirty="0"/>
+          </a:p>
+        </c:rich>
+      </c:tx>
+      <c:overlay val="0"/>
+      <c:spPr>
+        <a:noFill/>
+        <a:ln>
+          <a:noFill/>
+        </a:ln>
+        <a:effectLst/>
+      </c:spPr>
+      <c:txPr>
+        <a:bodyPr rot="0" spcFirstLastPara="1" vertOverflow="ellipsis" vert="horz" wrap="square" anchor="ctr" anchorCtr="1"/>
+        <a:lstStyle/>
+        <a:p>
+          <a:pPr>
+            <a:defRPr sz="1862" b="0" i="0" u="none" strike="noStrike" kern="1200" spc="0" baseline="0">
+              <a:solidFill>
+                <a:schemeClr val="tx1">
+                  <a:lumMod val="65000"/>
+                  <a:lumOff val="35000"/>
+                </a:schemeClr>
+              </a:solidFill>
+              <a:latin typeface="+mn-lt"/>
+              <a:ea typeface="+mn-ea"/>
+              <a:cs typeface="+mn-cs"/>
+            </a:defRPr>
+          </a:pPr>
+          <a:endParaRPr lang="ja-JP" altLang="en-US"/>
+        </a:p>
+      </c:txPr>
+    </c:title>
+    <c:autoTitleDeleted val="0"/>
+    <c:plotArea>
+      <c:layout/>
+      <c:lineChart>
+        <c:grouping val="standard"/>
+        <c:varyColors val="0"/>
+        <c:ser>
+          <c:idx val="0"/>
+          <c:order val="0"/>
+          <c:tx>
+            <c:strRef>
+              <c:f>Sheet1!$B$1</c:f>
+              <c:strCache>
+                <c:ptCount val="1"/>
+                <c:pt idx="0">
+                  <c:v>最小数</c:v>
+                </c:pt>
+              </c:strCache>
+            </c:strRef>
+          </c:tx>
+          <c:spPr>
+            <a:ln w="28575" cap="rnd">
+              <a:solidFill>
+                <a:schemeClr val="accent1"/>
+              </a:solidFill>
+              <a:round/>
+            </a:ln>
+            <a:effectLst/>
+          </c:spPr>
+          <c:marker>
+            <c:symbol val="none"/>
+          </c:marker>
+          <c:cat>
+            <c:numRef>
+              <c:f>Sheet1!$A$2:$A$12</c:f>
+              <c:numCache>
+                <c:formatCode>General</c:formatCode>
+                <c:ptCount val="11"/>
+                <c:pt idx="0">
+                  <c:v>0</c:v>
+                </c:pt>
+                <c:pt idx="1">
+                  <c:v>0.1</c:v>
+                </c:pt>
+                <c:pt idx="2">
+                  <c:v>0.2</c:v>
+                </c:pt>
+                <c:pt idx="3">
+                  <c:v>0.3</c:v>
+                </c:pt>
+                <c:pt idx="4">
+                  <c:v>1</c:v>
+                </c:pt>
+                <c:pt idx="5">
+                  <c:v>0.5</c:v>
+                </c:pt>
+                <c:pt idx="6">
+                  <c:v>0.6</c:v>
+                </c:pt>
+                <c:pt idx="7">
+                  <c:v>0.7</c:v>
+                </c:pt>
+                <c:pt idx="8">
+                  <c:v>0.8</c:v>
+                </c:pt>
+                <c:pt idx="9">
+                  <c:v>0.9</c:v>
+                </c:pt>
+                <c:pt idx="10">
+                  <c:v>1</c:v>
+                </c:pt>
+              </c:numCache>
+            </c:numRef>
+          </c:cat>
+          <c:val>
+            <c:numRef>
+              <c:f>Sheet1!$B$2:$B$12</c:f>
+              <c:numCache>
+                <c:formatCode>General</c:formatCode>
+                <c:ptCount val="11"/>
+                <c:pt idx="0">
+                  <c:v>8</c:v>
+                </c:pt>
+                <c:pt idx="1">
+                  <c:v>8</c:v>
+                </c:pt>
+                <c:pt idx="2">
+                  <c:v>7</c:v>
+                </c:pt>
+                <c:pt idx="3">
+                  <c:v>8</c:v>
+                </c:pt>
+                <c:pt idx="4">
+                  <c:v>7</c:v>
+                </c:pt>
+                <c:pt idx="5">
+                  <c:v>9</c:v>
+                </c:pt>
+                <c:pt idx="6">
+                  <c:v>8</c:v>
+                </c:pt>
+                <c:pt idx="7">
+                  <c:v>8</c:v>
+                </c:pt>
+                <c:pt idx="8">
+                  <c:v>6</c:v>
+                </c:pt>
+                <c:pt idx="9">
+                  <c:v>8</c:v>
+                </c:pt>
+                <c:pt idx="10">
+                  <c:v>8</c:v>
+                </c:pt>
+              </c:numCache>
+            </c:numRef>
+          </c:val>
+          <c:smooth val="0"/>
+          <c:extLst>
+            <c:ext xmlns:c16="http://schemas.microsoft.com/office/drawing/2014/chart" uri="{C3380CC4-5D6E-409C-BE32-E72D297353CC}">
+              <c16:uniqueId val="{00000000-D430-49BD-8977-4236979B668B}"/>
+            </c:ext>
+          </c:extLst>
+        </c:ser>
+        <c:ser>
+          <c:idx val="1"/>
+          <c:order val="1"/>
+          <c:tx>
+            <c:strRef>
+              <c:f>Sheet1!$C$1</c:f>
+              <c:strCache>
+                <c:ptCount val="1"/>
+                <c:pt idx="0">
+                  <c:v>最大数</c:v>
+                </c:pt>
+              </c:strCache>
+            </c:strRef>
+          </c:tx>
+          <c:spPr>
+            <a:ln w="28575" cap="rnd">
+              <a:solidFill>
+                <a:schemeClr val="accent2"/>
+              </a:solidFill>
+              <a:round/>
+            </a:ln>
+            <a:effectLst/>
+          </c:spPr>
+          <c:marker>
+            <c:symbol val="none"/>
+          </c:marker>
+          <c:cat>
+            <c:numRef>
+              <c:f>Sheet1!$A$2:$A$12</c:f>
+              <c:numCache>
+                <c:formatCode>General</c:formatCode>
+                <c:ptCount val="11"/>
+                <c:pt idx="0">
+                  <c:v>0</c:v>
+                </c:pt>
+                <c:pt idx="1">
+                  <c:v>0.1</c:v>
+                </c:pt>
+                <c:pt idx="2">
+                  <c:v>0.2</c:v>
+                </c:pt>
+                <c:pt idx="3">
+                  <c:v>0.3</c:v>
+                </c:pt>
+                <c:pt idx="4">
+                  <c:v>1</c:v>
+                </c:pt>
+                <c:pt idx="5">
+                  <c:v>0.5</c:v>
+                </c:pt>
+                <c:pt idx="6">
+                  <c:v>0.6</c:v>
+                </c:pt>
+                <c:pt idx="7">
+                  <c:v>0.7</c:v>
+                </c:pt>
+                <c:pt idx="8">
+                  <c:v>0.8</c:v>
+                </c:pt>
+                <c:pt idx="9">
+                  <c:v>0.9</c:v>
+                </c:pt>
+                <c:pt idx="10">
+                  <c:v>1</c:v>
+                </c:pt>
+              </c:numCache>
+            </c:numRef>
+          </c:cat>
+          <c:val>
+            <c:numRef>
+              <c:f>Sheet1!$C$2:$C$12</c:f>
+              <c:numCache>
+                <c:formatCode>General</c:formatCode>
+                <c:ptCount val="11"/>
+                <c:pt idx="0">
+                  <c:v>10</c:v>
+                </c:pt>
+                <c:pt idx="1">
+                  <c:v>10</c:v>
+                </c:pt>
+                <c:pt idx="2">
+                  <c:v>11</c:v>
+                </c:pt>
+                <c:pt idx="3">
+                  <c:v>13</c:v>
+                </c:pt>
+                <c:pt idx="4">
+                  <c:v>12</c:v>
+                </c:pt>
+                <c:pt idx="5">
+                  <c:v>12</c:v>
+                </c:pt>
+                <c:pt idx="6">
+                  <c:v>14</c:v>
+                </c:pt>
+                <c:pt idx="7">
+                  <c:v>14</c:v>
+                </c:pt>
+                <c:pt idx="8">
+                  <c:v>15</c:v>
+                </c:pt>
+                <c:pt idx="9">
+                  <c:v>14</c:v>
+                </c:pt>
+                <c:pt idx="10">
+                  <c:v>15</c:v>
+                </c:pt>
+              </c:numCache>
+            </c:numRef>
+          </c:val>
+          <c:smooth val="0"/>
+          <c:extLst>
+            <c:ext xmlns:c16="http://schemas.microsoft.com/office/drawing/2014/chart" uri="{C3380CC4-5D6E-409C-BE32-E72D297353CC}">
+              <c16:uniqueId val="{00000001-D430-49BD-8977-4236979B668B}"/>
+            </c:ext>
+          </c:extLst>
+        </c:ser>
+        <c:ser>
+          <c:idx val="2"/>
+          <c:order val="2"/>
+          <c:tx>
+            <c:strRef>
+              <c:f>Sheet1!$D$1</c:f>
+              <c:strCache>
+                <c:ptCount val="1"/>
+                <c:pt idx="0">
+                  <c:v>平均数</c:v>
+                </c:pt>
+              </c:strCache>
+            </c:strRef>
+          </c:tx>
+          <c:spPr>
+            <a:ln w="28575" cap="rnd">
+              <a:solidFill>
+                <a:schemeClr val="accent3"/>
+              </a:solidFill>
+              <a:round/>
+            </a:ln>
+            <a:effectLst/>
+          </c:spPr>
+          <c:marker>
+            <c:symbol val="none"/>
+          </c:marker>
+          <c:cat>
+            <c:numRef>
+              <c:f>Sheet1!$A$2:$A$12</c:f>
+              <c:numCache>
+                <c:formatCode>General</c:formatCode>
+                <c:ptCount val="11"/>
+                <c:pt idx="0">
+                  <c:v>0</c:v>
+                </c:pt>
+                <c:pt idx="1">
+                  <c:v>0.1</c:v>
+                </c:pt>
+                <c:pt idx="2">
+                  <c:v>0.2</c:v>
+                </c:pt>
+                <c:pt idx="3">
+                  <c:v>0.3</c:v>
+                </c:pt>
+                <c:pt idx="4">
+                  <c:v>1</c:v>
+                </c:pt>
+                <c:pt idx="5">
+                  <c:v>0.5</c:v>
+                </c:pt>
+                <c:pt idx="6">
+                  <c:v>0.6</c:v>
+                </c:pt>
+                <c:pt idx="7">
+                  <c:v>0.7</c:v>
+                </c:pt>
+                <c:pt idx="8">
+                  <c:v>0.8</c:v>
+                </c:pt>
+                <c:pt idx="9">
+                  <c:v>0.9</c:v>
+                </c:pt>
+                <c:pt idx="10">
+                  <c:v>1</c:v>
+                </c:pt>
+              </c:numCache>
+            </c:numRef>
+          </c:cat>
+          <c:val>
+            <c:numRef>
+              <c:f>Sheet1!$D$2:$D$12</c:f>
+              <c:numCache>
+                <c:formatCode>General</c:formatCode>
+                <c:ptCount val="11"/>
+                <c:pt idx="0">
+                  <c:v>8.5</c:v>
+                </c:pt>
+                <c:pt idx="1">
+                  <c:v>8.3000000000000007</c:v>
+                </c:pt>
+                <c:pt idx="2">
+                  <c:v>8.8000000000000007</c:v>
+                </c:pt>
+                <c:pt idx="3">
+                  <c:v>9.1999999999999993</c:v>
+                </c:pt>
+                <c:pt idx="4">
+                  <c:v>9</c:v>
+                </c:pt>
+                <c:pt idx="5">
+                  <c:v>10.1</c:v>
+                </c:pt>
+                <c:pt idx="6">
+                  <c:v>10.9</c:v>
+                </c:pt>
+                <c:pt idx="7">
+                  <c:v>12.2</c:v>
+                </c:pt>
+                <c:pt idx="8">
+                  <c:v>13.6</c:v>
+                </c:pt>
+                <c:pt idx="9">
+                  <c:v>12.4</c:v>
+                </c:pt>
+                <c:pt idx="10">
+                  <c:v>13.6</c:v>
+                </c:pt>
+              </c:numCache>
+            </c:numRef>
+          </c:val>
+          <c:smooth val="0"/>
+          <c:extLst>
+            <c:ext xmlns:c16="http://schemas.microsoft.com/office/drawing/2014/chart" uri="{C3380CC4-5D6E-409C-BE32-E72D297353CC}">
+              <c16:uniqueId val="{00000002-D430-49BD-8977-4236979B668B}"/>
+            </c:ext>
+          </c:extLst>
+        </c:ser>
+        <c:dLbls>
+          <c:showLegendKey val="0"/>
+          <c:showVal val="0"/>
+          <c:showCatName val="0"/>
+          <c:showSerName val="0"/>
+          <c:showPercent val="0"/>
+          <c:showBubbleSize val="0"/>
+        </c:dLbls>
+        <c:smooth val="0"/>
+        <c:axId val="1346966191"/>
+        <c:axId val="1346970511"/>
+      </c:lineChart>
+      <c:catAx>
+        <c:axId val="1346966191"/>
+        <c:scaling>
+          <c:orientation val="minMax"/>
+        </c:scaling>
+        <c:delete val="0"/>
+        <c:axPos val="b"/>
+        <c:numFmt formatCode="General" sourceLinked="1"/>
+        <c:majorTickMark val="none"/>
+        <c:minorTickMark val="none"/>
+        <c:tickLblPos val="nextTo"/>
+        <c:spPr>
+          <a:noFill/>
+          <a:ln w="9525" cap="flat" cmpd="sng" algn="ctr">
+            <a:solidFill>
+              <a:schemeClr val="tx1">
+                <a:lumMod val="15000"/>
+                <a:lumOff val="85000"/>
+              </a:schemeClr>
+            </a:solidFill>
+            <a:round/>
+          </a:ln>
+          <a:effectLst/>
+        </c:spPr>
+        <c:txPr>
+          <a:bodyPr rot="-60000000" spcFirstLastPara="1" vertOverflow="ellipsis" vert="horz" wrap="square" anchor="ctr" anchorCtr="1"/>
+          <a:lstStyle/>
+          <a:p>
+            <a:pPr>
+              <a:defRPr sz="1197" b="0" i="0" u="none" strike="noStrike" kern="1200" baseline="0">
+                <a:solidFill>
+                  <a:schemeClr val="tx1">
+                    <a:lumMod val="65000"/>
+                    <a:lumOff val="35000"/>
+                  </a:schemeClr>
+                </a:solidFill>
+                <a:latin typeface="+mn-lt"/>
+                <a:ea typeface="+mn-ea"/>
+                <a:cs typeface="+mn-cs"/>
+              </a:defRPr>
+            </a:pPr>
+            <a:endParaRPr lang="ja-JP"/>
+          </a:p>
+        </c:txPr>
+        <c:crossAx val="1346970511"/>
+        <c:crosses val="autoZero"/>
+        <c:auto val="1"/>
+        <c:lblAlgn val="ctr"/>
+        <c:lblOffset val="100"/>
+        <c:noMultiLvlLbl val="0"/>
+      </c:catAx>
+      <c:valAx>
+        <c:axId val="1346970511"/>
+        <c:scaling>
+          <c:orientation val="minMax"/>
+          <c:min val="4"/>
+        </c:scaling>
+        <c:delete val="0"/>
+        <c:axPos val="l"/>
+        <c:majorGridlines>
+          <c:spPr>
+            <a:ln w="9525" cap="flat" cmpd="sng" algn="ctr">
+              <a:solidFill>
+                <a:schemeClr val="tx1">
+                  <a:lumMod val="15000"/>
+                  <a:lumOff val="85000"/>
+                </a:schemeClr>
+              </a:solidFill>
+              <a:round/>
+            </a:ln>
+            <a:effectLst/>
+          </c:spPr>
+        </c:majorGridlines>
+        <c:numFmt formatCode="General" sourceLinked="1"/>
+        <c:majorTickMark val="none"/>
+        <c:minorTickMark val="none"/>
+        <c:tickLblPos val="nextTo"/>
+        <c:spPr>
+          <a:noFill/>
+          <a:ln>
+            <a:noFill/>
+          </a:ln>
+          <a:effectLst/>
+        </c:spPr>
+        <c:txPr>
+          <a:bodyPr rot="-60000000" spcFirstLastPara="1" vertOverflow="ellipsis" vert="horz" wrap="square" anchor="ctr" anchorCtr="1"/>
+          <a:lstStyle/>
+          <a:p>
+            <a:pPr>
+              <a:defRPr sz="1197" b="0" i="0" u="none" strike="noStrike" kern="1200" baseline="0">
+                <a:solidFill>
+                  <a:schemeClr val="tx1">
+                    <a:lumMod val="65000"/>
+                    <a:lumOff val="35000"/>
+                  </a:schemeClr>
+                </a:solidFill>
+                <a:latin typeface="+mn-lt"/>
+                <a:ea typeface="+mn-ea"/>
+                <a:cs typeface="+mn-cs"/>
+              </a:defRPr>
+            </a:pPr>
+            <a:endParaRPr lang="ja-JP"/>
+          </a:p>
+        </c:txPr>
+        <c:crossAx val="1346966191"/>
+        <c:crosses val="autoZero"/>
+        <c:crossBetween val="between"/>
+        <c:majorUnit val="1"/>
+      </c:valAx>
+      <c:spPr>
+        <a:noFill/>
+        <a:ln>
+          <a:noFill/>
+        </a:ln>
+        <a:effectLst/>
+      </c:spPr>
+    </c:plotArea>
+    <c:legend>
+      <c:legendPos val="b"/>
+      <c:overlay val="0"/>
+      <c:spPr>
+        <a:noFill/>
+        <a:ln>
+          <a:noFill/>
+        </a:ln>
+        <a:effectLst/>
+      </c:spPr>
+      <c:txPr>
+        <a:bodyPr rot="0" spcFirstLastPara="1" vertOverflow="ellipsis" vert="horz" wrap="square" anchor="ctr" anchorCtr="1"/>
+        <a:lstStyle/>
+        <a:p>
+          <a:pPr>
+            <a:defRPr sz="1197" b="0" i="0" u="none" strike="noStrike" kern="1200" baseline="0">
+              <a:solidFill>
+                <a:schemeClr val="tx1">
+                  <a:lumMod val="65000"/>
+                  <a:lumOff val="35000"/>
+                </a:schemeClr>
+              </a:solidFill>
+              <a:latin typeface="+mn-lt"/>
+              <a:ea typeface="+mn-ea"/>
+              <a:cs typeface="+mn-cs"/>
+            </a:defRPr>
+          </a:pPr>
+          <a:endParaRPr lang="ja-JP"/>
+        </a:p>
+      </c:txPr>
+    </c:legend>
+    <c:plotVisOnly val="1"/>
+    <c:dispBlanksAs val="gap"/>
+    <c:showDLblsOverMax val="0"/>
+    <c:extLst>
+      <c:ext xmlns:c16r3="http://schemas.microsoft.com/office/drawing/2017/03/chart" uri="{56B9EC1D-385E-4148-901F-78D8002777C0}">
+        <c16r3:dataDisplayOptions16>
+          <c16r3:dispNaAsBlank val="1"/>
+        </c16r3:dataDisplayOptions16>
+      </c:ext>
+    </c:extLst>
+  </c:chart>
+  <c:spPr>
+    <a:noFill/>
+    <a:ln>
+      <a:noFill/>
+    </a:ln>
+    <a:effectLst/>
+  </c:spPr>
+  <c:txPr>
+    <a:bodyPr/>
+    <a:lstStyle/>
+    <a:p>
+      <a:pPr>
+        <a:defRPr/>
+      </a:pPr>
+      <a:endParaRPr lang="ja-JP"/>
+    </a:p>
+  </c:txPr>
+  <c:externalData r:id="rId3">
+    <c:autoUpdate val="0"/>
+  </c:externalData>
+</c:chartSpace>
+</file>
+
+<file path=ppt/charts/colors1.xml><?xml version="1.0" encoding="utf-8"?>
+<cs:colorStyle xmlns:cs="http://schemas.microsoft.com/office/drawing/2012/chartStyle" xmlns:a="http://schemas.openxmlformats.org/drawingml/2006/main" meth="cycle" id="10">
+  <a:schemeClr val="accent1"/>
+  <a:schemeClr val="accent2"/>
+  <a:schemeClr val="accent3"/>
+  <a:schemeClr val="accent4"/>
+  <a:schemeClr val="accent5"/>
+  <a:schemeClr val="accent6"/>
+  <cs:variation/>
+  <cs:variation>
+    <a:lumMod val="60000"/>
+  </cs:variation>
+  <cs:variation>
+    <a:lumMod val="80000"/>
+    <a:lumOff val="20000"/>
+  </cs:variation>
+  <cs:variation>
+    <a:lumMod val="80000"/>
+  </cs:variation>
+  <cs:variation>
+    <a:lumMod val="60000"/>
+    <a:lumOff val="40000"/>
+  </cs:variation>
+  <cs:variation>
+    <a:lumMod val="50000"/>
+  </cs:variation>
+  <cs:variation>
+    <a:lumMod val="70000"/>
+    <a:lumOff val="30000"/>
+  </cs:variation>
+  <cs:variation>
+    <a:lumMod val="70000"/>
+  </cs:variation>
+  <cs:variation>
+    <a:lumMod val="50000"/>
+    <a:lumOff val="50000"/>
+  </cs:variation>
+</cs:colorStyle>
+</file>
+
+<file path=ppt/charts/colors2.xml><?xml version="1.0" encoding="utf-8"?>
+<cs:colorStyle xmlns:cs="http://schemas.microsoft.com/office/drawing/2012/chartStyle" xmlns:a="http://schemas.openxmlformats.org/drawingml/2006/main" meth="cycle" id="10">
+  <a:schemeClr val="accent1"/>
+  <a:schemeClr val="accent2"/>
+  <a:schemeClr val="accent3"/>
+  <a:schemeClr val="accent4"/>
+  <a:schemeClr val="accent5"/>
+  <a:schemeClr val="accent6"/>
+  <cs:variation/>
+  <cs:variation>
+    <a:lumMod val="60000"/>
+  </cs:variation>
+  <cs:variation>
+    <a:lumMod val="80000"/>
+    <a:lumOff val="20000"/>
+  </cs:variation>
+  <cs:variation>
+    <a:lumMod val="80000"/>
+  </cs:variation>
+  <cs:variation>
+    <a:lumMod val="60000"/>
+    <a:lumOff val="40000"/>
+  </cs:variation>
+  <cs:variation>
+    <a:lumMod val="50000"/>
+  </cs:variation>
+  <cs:variation>
+    <a:lumMod val="70000"/>
+    <a:lumOff val="30000"/>
+  </cs:variation>
+  <cs:variation>
+    <a:lumMod val="70000"/>
+  </cs:variation>
+  <cs:variation>
+    <a:lumMod val="50000"/>
+    <a:lumOff val="50000"/>
+  </cs:variation>
+</cs:colorStyle>
+</file>
+
+<file path=ppt/charts/style1.xml><?xml version="1.0" encoding="utf-8"?>
+<cs:chartStyle xmlns:cs="http://schemas.microsoft.com/office/drawing/2012/chartStyle" xmlns:a="http://schemas.openxmlformats.org/drawingml/2006/main" id="227">
+  <cs:axisTitle>
+    <cs:lnRef idx="0"/>
+    <cs:fillRef idx="0"/>
+    <cs:effectRef idx="0"/>
+    <cs:fontRef idx="minor">
+      <a:schemeClr val="tx1">
+        <a:lumMod val="65000"/>
+        <a:lumOff val="35000"/>
+      </a:schemeClr>
+    </cs:fontRef>
+    <cs:defRPr sz="1330" kern="1200"/>
+  </cs:axisTitle>
+  <cs:categoryAxis>
+    <cs:lnRef idx="0"/>
+    <cs:fillRef idx="0"/>
+    <cs:effectRef idx="0"/>
+    <cs:fontRef idx="minor">
+      <a:schemeClr val="tx1">
+        <a:lumMod val="65000"/>
+        <a:lumOff val="35000"/>
+      </a:schemeClr>
+    </cs:fontRef>
+    <cs:spPr>
+      <a:ln w="9525" cap="flat" cmpd="sng" algn="ctr">
+        <a:solidFill>
+          <a:schemeClr val="tx1">
+            <a:lumMod val="15000"/>
+            <a:lumOff val="85000"/>
+          </a:schemeClr>
+        </a:solidFill>
+        <a:round/>
+      </a:ln>
+    </cs:spPr>
+    <cs:defRPr sz="1197" kern="1200"/>
+  </cs:categoryAxis>
+  <cs:chartArea mods="allowNoFillOverride allowNoLineOverride">
+    <cs:lnRef idx="0"/>
+    <cs:fillRef idx="0"/>
+    <cs:effectRef idx="0"/>
+    <cs:fontRef idx="minor">
+      <a:schemeClr val="tx1"/>
+    </cs:fontRef>
+    <cs:spPr>
+      <a:solidFill>
+        <a:schemeClr val="bg1"/>
+      </a:solidFill>
+      <a:ln w="9525" cap="flat" cmpd="sng" algn="ctr">
+        <a:solidFill>
+          <a:schemeClr val="tx1">
+            <a:lumMod val="15000"/>
+            <a:lumOff val="85000"/>
+          </a:schemeClr>
+        </a:solidFill>
+        <a:round/>
+      </a:ln>
+    </cs:spPr>
+    <cs:defRPr sz="1330" kern="1200"/>
+  </cs:chartArea>
+  <cs:dataLabel>
+    <cs:lnRef idx="0"/>
+    <cs:fillRef idx="0"/>
+    <cs:effectRef idx="0"/>
+    <cs:fontRef idx="minor">
+      <a:schemeClr val="tx1">
+        <a:lumMod val="75000"/>
+        <a:lumOff val="25000"/>
+      </a:schemeClr>
+    </cs:fontRef>
+    <cs:defRPr sz="1197" kern="1200"/>
+  </cs:dataLabel>
+  <cs:dataLabelCallout>
+    <cs:lnRef idx="0"/>
+    <cs:fillRef idx="0"/>
+    <cs:effectRef idx="0"/>
+    <cs:fontRef idx="minor">
+      <a:schemeClr val="dk1">
+        <a:lumMod val="65000"/>
+        <a:lumOff val="35000"/>
+      </a:schemeClr>
+    </cs:fontRef>
+    <cs:spPr>
+      <a:solidFill>
+        <a:schemeClr val="lt1"/>
+      </a:solidFill>
+      <a:ln>
+        <a:solidFill>
+          <a:schemeClr val="dk1">
+            <a:lumMod val="25000"/>
+            <a:lumOff val="75000"/>
+          </a:schemeClr>
+        </a:solidFill>
+      </a:ln>
+    </cs:spPr>
+    <cs:defRPr sz="1197" kern="1200"/>
+    <cs:bodyPr rot="0" spcFirstLastPara="1" vertOverflow="clip" horzOverflow="clip" vert="horz" wrap="square" lIns="36576" tIns="18288" rIns="36576" bIns="18288" anchor="ctr" anchorCtr="1">
+      <a:spAutoFit/>
+    </cs:bodyPr>
+  </cs:dataLabelCallout>
+  <cs:dataPoint>
+    <cs:lnRef idx="0"/>
+    <cs:fillRef idx="1">
+      <cs:styleClr val="auto"/>
+    </cs:fillRef>
+    <cs:effectRef idx="0"/>
+    <cs:fontRef idx="minor">
+      <a:schemeClr val="tx1"/>
+    </cs:fontRef>
+    <cs:spPr>
+      <a:solidFill>
+        <a:schemeClr val="phClr"/>
+      </a:solidFill>
+    </cs:spPr>
+  </cs:dataPoint>
+  <cs:dataPoint3D>
+    <cs:lnRef idx="0"/>
+    <cs:fillRef idx="1">
+      <cs:styleClr val="auto"/>
+    </cs:fillRef>
+    <cs:effectRef idx="0"/>
+    <cs:fontRef idx="minor">
+      <a:schemeClr val="tx1"/>
+    </cs:fontRef>
+    <cs:spPr>
+      <a:solidFill>
+        <a:schemeClr val="phClr"/>
+      </a:solidFill>
+    </cs:spPr>
+  </cs:dataPoint3D>
+  <cs:dataPointLine>
+    <cs:lnRef idx="0">
+      <cs:styleClr val="auto"/>
+    </cs:lnRef>
+    <cs:fillRef idx="1"/>
+    <cs:effectRef idx="0"/>
+    <cs:fontRef idx="minor">
+      <a:schemeClr val="tx1"/>
+    </cs:fontRef>
+    <cs:spPr>
+      <a:ln w="28575" cap="rnd">
+        <a:solidFill>
+          <a:schemeClr val="phClr"/>
+        </a:solidFill>
+        <a:round/>
+      </a:ln>
+    </cs:spPr>
+  </cs:dataPointLine>
+  <cs:dataPointMarker>
+    <cs:lnRef idx="0">
+      <cs:styleClr val="auto"/>
+    </cs:lnRef>
+    <cs:fillRef idx="1">
+      <cs:styleClr val="auto"/>
+    </cs:fillRef>
+    <cs:effectRef idx="0"/>
+    <cs:fontRef idx="minor">
+      <a:schemeClr val="tx1"/>
+    </cs:fontRef>
+    <cs:spPr>
+      <a:solidFill>
+        <a:schemeClr val="phClr"/>
+      </a:solidFill>
+      <a:ln w="9525">
+        <a:solidFill>
+          <a:schemeClr val="phClr"/>
+        </a:solidFill>
+      </a:ln>
+    </cs:spPr>
+  </cs:dataPointMarker>
+  <cs:dataPointMarkerLayout symbol="circle" size="5"/>
+  <cs:dataPointWireframe>
+    <cs:lnRef idx="0">
+      <cs:styleClr val="auto"/>
+    </cs:lnRef>
+    <cs:fillRef idx="1"/>
+    <cs:effectRef idx="0"/>
+    <cs:fontRef idx="minor">
+      <a:schemeClr val="tx1"/>
+    </cs:fontRef>
+    <cs:spPr>
+      <a:ln w="9525" cap="rnd">
+        <a:solidFill>
+          <a:schemeClr val="phClr"/>
+        </a:solidFill>
+        <a:round/>
+      </a:ln>
+    </cs:spPr>
+  </cs:dataPointWireframe>
+  <cs:dataTable>
+    <cs:lnRef idx="0"/>
+    <cs:fillRef idx="0"/>
+    <cs:effectRef idx="0"/>
+    <cs:fontRef idx="minor">
+      <a:schemeClr val="tx1">
+        <a:lumMod val="65000"/>
+        <a:lumOff val="35000"/>
+      </a:schemeClr>
+    </cs:fontRef>
+    <cs:spPr>
+      <a:noFill/>
+      <a:ln w="9525" cap="flat" cmpd="sng" algn="ctr">
+        <a:solidFill>
+          <a:schemeClr val="tx1">
+            <a:lumMod val="15000"/>
+            <a:lumOff val="85000"/>
+          </a:schemeClr>
+        </a:solidFill>
+        <a:round/>
+      </a:ln>
+    </cs:spPr>
+    <cs:defRPr sz="1197" kern="1200"/>
+  </cs:dataTable>
+  <cs:downBar>
+    <cs:lnRef idx="0"/>
+    <cs:fillRef idx="0"/>
+    <cs:effectRef idx="0"/>
+    <cs:fontRef idx="minor">
+      <a:schemeClr val="dk1"/>
+    </cs:fontRef>
+    <cs:spPr>
+      <a:solidFill>
+        <a:schemeClr val="dk1">
+          <a:lumMod val="65000"/>
+          <a:lumOff val="35000"/>
+        </a:schemeClr>
+      </a:solidFill>
+      <a:ln w="9525">
+        <a:solidFill>
+          <a:schemeClr val="tx1">
+            <a:lumMod val="65000"/>
+            <a:lumOff val="35000"/>
+          </a:schemeClr>
+        </a:solidFill>
+      </a:ln>
+    </cs:spPr>
+  </cs:downBar>
+  <cs:dropLine>
+    <cs:lnRef idx="0"/>
+    <cs:fillRef idx="0"/>
+    <cs:effectRef idx="0"/>
+    <cs:fontRef idx="minor">
+      <a:schemeClr val="tx1"/>
+    </cs:fontRef>
+    <cs:spPr>
+      <a:ln w="9525" cap="flat" cmpd="sng" algn="ctr">
+        <a:solidFill>
+          <a:schemeClr val="tx1">
+            <a:lumMod val="35000"/>
+            <a:lumOff val="65000"/>
+          </a:schemeClr>
+        </a:solidFill>
+        <a:round/>
+      </a:ln>
+    </cs:spPr>
+  </cs:dropLine>
+  <cs:errorBar>
+    <cs:lnRef idx="0"/>
+    <cs:fillRef idx="0"/>
+    <cs:effectRef idx="0"/>
+    <cs:fontRef idx="minor">
+      <a:schemeClr val="tx1"/>
+    </cs:fontRef>
+    <cs:spPr>
+      <a:ln w="9525" cap="flat" cmpd="sng" algn="ctr">
+        <a:solidFill>
+          <a:schemeClr val="tx1">
+            <a:lumMod val="65000"/>
+            <a:lumOff val="35000"/>
+          </a:schemeClr>
+        </a:solidFill>
+        <a:round/>
+      </a:ln>
+    </cs:spPr>
+  </cs:errorBar>
+  <cs:floor>
+    <cs:lnRef idx="0"/>
+    <cs:fillRef idx="0"/>
+    <cs:effectRef idx="0"/>
+    <cs:fontRef idx="minor">
+      <a:schemeClr val="tx1"/>
+    </cs:fontRef>
+    <cs:spPr>
+      <a:noFill/>
+      <a:ln>
+        <a:noFill/>
+      </a:ln>
+    </cs:spPr>
+  </cs:floor>
+  <cs:gridlineMajor>
+    <cs:lnRef idx="0"/>
+    <cs:fillRef idx="0"/>
+    <cs:effectRef idx="0"/>
+    <cs:fontRef idx="minor">
+      <a:schemeClr val="tx1"/>
+    </cs:fontRef>
+    <cs:spPr>
+      <a:ln w="9525" cap="flat" cmpd="sng" algn="ctr">
+        <a:solidFill>
+          <a:schemeClr val="tx1">
+            <a:lumMod val="15000"/>
+            <a:lumOff val="85000"/>
+          </a:schemeClr>
+        </a:solidFill>
+        <a:round/>
+      </a:ln>
+    </cs:spPr>
+  </cs:gridlineMajor>
+  <cs:gridlineMinor>
+    <cs:lnRef idx="0"/>
+    <cs:fillRef idx="0"/>
+    <cs:effectRef idx="0"/>
+    <cs:fontRef idx="minor">
+      <a:schemeClr val="tx1"/>
+    </cs:fontRef>
+    <cs:spPr>
+      <a:ln w="9525" cap="flat" cmpd="sng" algn="ctr">
+        <a:solidFill>
+          <a:schemeClr val="tx1">
+            <a:lumMod val="5000"/>
+            <a:lumOff val="95000"/>
+          </a:schemeClr>
+        </a:solidFill>
+        <a:round/>
+      </a:ln>
+    </cs:spPr>
+  </cs:gridlineMinor>
+  <cs:hiLoLine>
+    <cs:lnRef idx="0"/>
+    <cs:fillRef idx="0"/>
+    <cs:effectRef idx="0"/>
+    <cs:fontRef idx="minor">
+      <a:schemeClr val="tx1"/>
+    </cs:fontRef>
+    <cs:spPr>
+      <a:ln w="9525" cap="flat" cmpd="sng" algn="ctr">
+        <a:solidFill>
+          <a:schemeClr val="tx1">
+            <a:lumMod val="75000"/>
+            <a:lumOff val="25000"/>
+          </a:schemeClr>
+        </a:solidFill>
+        <a:round/>
+      </a:ln>
+    </cs:spPr>
+  </cs:hiLoLine>
+  <cs:leaderLine>
+    <cs:lnRef idx="0"/>
+    <cs:fillRef idx="0"/>
+    <cs:effectRef idx="0"/>
+    <cs:fontRef idx="minor">
+      <a:schemeClr val="tx1"/>
+    </cs:fontRef>
+    <cs:spPr>
+      <a:ln w="9525" cap="flat" cmpd="sng" algn="ctr">
+        <a:solidFill>
+          <a:schemeClr val="tx1">
+            <a:lumMod val="35000"/>
+            <a:lumOff val="65000"/>
+          </a:schemeClr>
+        </a:solidFill>
+        <a:round/>
+      </a:ln>
+    </cs:spPr>
+  </cs:leaderLine>
+  <cs:legend>
+    <cs:lnRef idx="0"/>
+    <cs:fillRef idx="0"/>
+    <cs:effectRef idx="0"/>
+    <cs:fontRef idx="minor">
+      <a:schemeClr val="tx1">
+        <a:lumMod val="65000"/>
+        <a:lumOff val="35000"/>
+      </a:schemeClr>
+    </cs:fontRef>
+    <cs:defRPr sz="1197" kern="1200"/>
+  </cs:legend>
+  <cs:plotArea mods="allowNoFillOverride allowNoLineOverride">
+    <cs:lnRef idx="0"/>
+    <cs:fillRef idx="0"/>
+    <cs:effectRef idx="0"/>
+    <cs:fontRef idx="minor">
+      <a:schemeClr val="tx1"/>
+    </cs:fontRef>
+  </cs:plotArea>
+  <cs:plotArea3D mods="allowNoFillOverride allowNoLineOverride">
+    <cs:lnRef idx="0"/>
+    <cs:fillRef idx="0"/>
+    <cs:effectRef idx="0"/>
+    <cs:fontRef idx="minor">
+      <a:schemeClr val="tx1"/>
+    </cs:fontRef>
+  </cs:plotArea3D>
+  <cs:seriesAxis>
+    <cs:lnRef idx="0"/>
+    <cs:fillRef idx="0"/>
+    <cs:effectRef idx="0"/>
+    <cs:fontRef idx="minor">
+      <a:schemeClr val="tx1">
+        <a:lumMod val="65000"/>
+        <a:lumOff val="35000"/>
+      </a:schemeClr>
+    </cs:fontRef>
+    <cs:defRPr sz="1197" kern="1200"/>
+  </cs:seriesAxis>
+  <cs:seriesLine>
+    <cs:lnRef idx="0"/>
+    <cs:fillRef idx="0"/>
+    <cs:effectRef idx="0"/>
+    <cs:fontRef idx="minor">
+      <a:schemeClr val="tx1"/>
+    </cs:fontRef>
+    <cs:spPr>
+      <a:ln w="9525" cap="flat" cmpd="sng" algn="ctr">
+        <a:solidFill>
+          <a:schemeClr val="tx1">
+            <a:lumMod val="35000"/>
+            <a:lumOff val="65000"/>
+          </a:schemeClr>
+        </a:solidFill>
+        <a:round/>
+      </a:ln>
+    </cs:spPr>
+  </cs:seriesLine>
+  <cs:title>
+    <cs:lnRef idx="0"/>
+    <cs:fillRef idx="0"/>
+    <cs:effectRef idx="0"/>
+    <cs:fontRef idx="minor">
+      <a:schemeClr val="tx1">
+        <a:lumMod val="65000"/>
+        <a:lumOff val="35000"/>
+      </a:schemeClr>
+    </cs:fontRef>
+    <cs:defRPr sz="1862" b="0" kern="1200" spc="0" baseline="0"/>
+  </cs:title>
+  <cs:trendline>
+    <cs:lnRef idx="0">
+      <cs:styleClr val="auto"/>
+    </cs:lnRef>
+    <cs:fillRef idx="0"/>
+    <cs:effectRef idx="0"/>
+    <cs:fontRef idx="minor">
+      <a:schemeClr val="tx1"/>
+    </cs:fontRef>
+    <cs:spPr>
+      <a:ln w="19050" cap="rnd">
+        <a:solidFill>
+          <a:schemeClr val="phClr"/>
+        </a:solidFill>
+        <a:prstDash val="sysDot"/>
+      </a:ln>
+    </cs:spPr>
+  </cs:trendline>
+  <cs:trendlineLabel>
+    <cs:lnRef idx="0"/>
+    <cs:fillRef idx="0"/>
+    <cs:effectRef idx="0"/>
+    <cs:fontRef idx="minor">
+      <a:schemeClr val="tx1">
+        <a:lumMod val="65000"/>
+        <a:lumOff val="35000"/>
+      </a:schemeClr>
+    </cs:fontRef>
+    <cs:defRPr sz="1197" kern="1200"/>
+  </cs:trendlineLabel>
+  <cs:upBar>
+    <cs:lnRef idx="0"/>
+    <cs:fillRef idx="0"/>
+    <cs:effectRef idx="0"/>
+    <cs:fontRef idx="minor">
+      <a:schemeClr val="dk1"/>
+    </cs:fontRef>
+    <cs:spPr>
+      <a:solidFill>
+        <a:schemeClr val="lt1"/>
+      </a:solidFill>
+      <a:ln w="9525">
+        <a:solidFill>
+          <a:schemeClr val="tx1">
+            <a:lumMod val="15000"/>
+            <a:lumOff val="85000"/>
+          </a:schemeClr>
+        </a:solidFill>
+      </a:ln>
+    </cs:spPr>
+  </cs:upBar>
+  <cs:valueAxis>
+    <cs:lnRef idx="0"/>
+    <cs:fillRef idx="0"/>
+    <cs:effectRef idx="0"/>
+    <cs:fontRef idx="minor">
+      <a:schemeClr val="tx1">
+        <a:lumMod val="65000"/>
+        <a:lumOff val="35000"/>
+      </a:schemeClr>
+    </cs:fontRef>
+    <cs:defRPr sz="1197" kern="1200"/>
+  </cs:valueAxis>
+  <cs:wall>
+    <cs:lnRef idx="0"/>
+    <cs:fillRef idx="0"/>
+    <cs:effectRef idx="0"/>
+    <cs:fontRef idx="minor">
+      <a:schemeClr val="tx1"/>
+    </cs:fontRef>
+    <cs:spPr>
+      <a:noFill/>
+      <a:ln>
+        <a:noFill/>
+      </a:ln>
+    </cs:spPr>
+  </cs:wall>
+</cs:chartStyle>
+</file>
+
+<file path=ppt/charts/style2.xml><?xml version="1.0" encoding="utf-8"?>
+<cs:chartStyle xmlns:cs="http://schemas.microsoft.com/office/drawing/2012/chartStyle" xmlns:a="http://schemas.openxmlformats.org/drawingml/2006/main" id="227">
+  <cs:axisTitle>
+    <cs:lnRef idx="0"/>
+    <cs:fillRef idx="0"/>
+    <cs:effectRef idx="0"/>
+    <cs:fontRef idx="minor">
+      <a:schemeClr val="tx1">
+        <a:lumMod val="65000"/>
+        <a:lumOff val="35000"/>
+      </a:schemeClr>
+    </cs:fontRef>
+    <cs:defRPr sz="1330" kern="1200"/>
+  </cs:axisTitle>
+  <cs:categoryAxis>
+    <cs:lnRef idx="0"/>
+    <cs:fillRef idx="0"/>
+    <cs:effectRef idx="0"/>
+    <cs:fontRef idx="minor">
+      <a:schemeClr val="tx1">
+        <a:lumMod val="65000"/>
+        <a:lumOff val="35000"/>
+      </a:schemeClr>
+    </cs:fontRef>
+    <cs:spPr>
+      <a:ln w="9525" cap="flat" cmpd="sng" algn="ctr">
+        <a:solidFill>
+          <a:schemeClr val="tx1">
+            <a:lumMod val="15000"/>
+            <a:lumOff val="85000"/>
+          </a:schemeClr>
+        </a:solidFill>
+        <a:round/>
+      </a:ln>
+    </cs:spPr>
+    <cs:defRPr sz="1197" kern="1200"/>
+  </cs:categoryAxis>
+  <cs:chartArea mods="allowNoFillOverride allowNoLineOverride">
+    <cs:lnRef idx="0"/>
+    <cs:fillRef idx="0"/>
+    <cs:effectRef idx="0"/>
+    <cs:fontRef idx="minor">
+      <a:schemeClr val="tx1"/>
+    </cs:fontRef>
+    <cs:spPr>
+      <a:solidFill>
+        <a:schemeClr val="bg1"/>
+      </a:solidFill>
+      <a:ln w="9525" cap="flat" cmpd="sng" algn="ctr">
+        <a:solidFill>
+          <a:schemeClr val="tx1">
+            <a:lumMod val="15000"/>
+            <a:lumOff val="85000"/>
+          </a:schemeClr>
+        </a:solidFill>
+        <a:round/>
+      </a:ln>
+    </cs:spPr>
+    <cs:defRPr sz="1330" kern="1200"/>
+  </cs:chartArea>
+  <cs:dataLabel>
+    <cs:lnRef idx="0"/>
+    <cs:fillRef idx="0"/>
+    <cs:effectRef idx="0"/>
+    <cs:fontRef idx="minor">
+      <a:schemeClr val="tx1">
+        <a:lumMod val="75000"/>
+        <a:lumOff val="25000"/>
+      </a:schemeClr>
+    </cs:fontRef>
+    <cs:defRPr sz="1197" kern="1200"/>
+  </cs:dataLabel>
+  <cs:dataLabelCallout>
+    <cs:lnRef idx="0"/>
+    <cs:fillRef idx="0"/>
+    <cs:effectRef idx="0"/>
+    <cs:fontRef idx="minor">
+      <a:schemeClr val="dk1">
+        <a:lumMod val="65000"/>
+        <a:lumOff val="35000"/>
+      </a:schemeClr>
+    </cs:fontRef>
+    <cs:spPr>
+      <a:solidFill>
+        <a:schemeClr val="lt1"/>
+      </a:solidFill>
+      <a:ln>
+        <a:solidFill>
+          <a:schemeClr val="dk1">
+            <a:lumMod val="25000"/>
+            <a:lumOff val="75000"/>
+          </a:schemeClr>
+        </a:solidFill>
+      </a:ln>
+    </cs:spPr>
+    <cs:defRPr sz="1197" kern="1200"/>
+    <cs:bodyPr rot="0" spcFirstLastPara="1" vertOverflow="clip" horzOverflow="clip" vert="horz" wrap="square" lIns="36576" tIns="18288" rIns="36576" bIns="18288" anchor="ctr" anchorCtr="1">
+      <a:spAutoFit/>
+    </cs:bodyPr>
+  </cs:dataLabelCallout>
+  <cs:dataPoint>
+    <cs:lnRef idx="0"/>
+    <cs:fillRef idx="1">
+      <cs:styleClr val="auto"/>
+    </cs:fillRef>
+    <cs:effectRef idx="0"/>
+    <cs:fontRef idx="minor">
+      <a:schemeClr val="tx1"/>
+    </cs:fontRef>
+    <cs:spPr>
+      <a:solidFill>
+        <a:schemeClr val="phClr"/>
+      </a:solidFill>
+    </cs:spPr>
+  </cs:dataPoint>
+  <cs:dataPoint3D>
+    <cs:lnRef idx="0"/>
+    <cs:fillRef idx="1">
+      <cs:styleClr val="auto"/>
+    </cs:fillRef>
+    <cs:effectRef idx="0"/>
+    <cs:fontRef idx="minor">
+      <a:schemeClr val="tx1"/>
+    </cs:fontRef>
+    <cs:spPr>
+      <a:solidFill>
+        <a:schemeClr val="phClr"/>
+      </a:solidFill>
+    </cs:spPr>
+  </cs:dataPoint3D>
+  <cs:dataPointLine>
+    <cs:lnRef idx="0">
+      <cs:styleClr val="auto"/>
+    </cs:lnRef>
+    <cs:fillRef idx="1"/>
+    <cs:effectRef idx="0"/>
+    <cs:fontRef idx="minor">
+      <a:schemeClr val="tx1"/>
+    </cs:fontRef>
+    <cs:spPr>
+      <a:ln w="28575" cap="rnd">
+        <a:solidFill>
+          <a:schemeClr val="phClr"/>
+        </a:solidFill>
+        <a:round/>
+      </a:ln>
+    </cs:spPr>
+  </cs:dataPointLine>
+  <cs:dataPointMarker>
+    <cs:lnRef idx="0">
+      <cs:styleClr val="auto"/>
+    </cs:lnRef>
+    <cs:fillRef idx="1">
+      <cs:styleClr val="auto"/>
+    </cs:fillRef>
+    <cs:effectRef idx="0"/>
+    <cs:fontRef idx="minor">
+      <a:schemeClr val="tx1"/>
+    </cs:fontRef>
+    <cs:spPr>
+      <a:solidFill>
+        <a:schemeClr val="phClr"/>
+      </a:solidFill>
+      <a:ln w="9525">
+        <a:solidFill>
+          <a:schemeClr val="phClr"/>
+        </a:solidFill>
+      </a:ln>
+    </cs:spPr>
+  </cs:dataPointMarker>
+  <cs:dataPointMarkerLayout symbol="circle" size="5"/>
+  <cs:dataPointWireframe>
+    <cs:lnRef idx="0">
+      <cs:styleClr val="auto"/>
+    </cs:lnRef>
+    <cs:fillRef idx="1"/>
+    <cs:effectRef idx="0"/>
+    <cs:fontRef idx="minor">
+      <a:schemeClr val="tx1"/>
+    </cs:fontRef>
+    <cs:spPr>
+      <a:ln w="9525" cap="rnd">
+        <a:solidFill>
+          <a:schemeClr val="phClr"/>
+        </a:solidFill>
+        <a:round/>
+      </a:ln>
+    </cs:spPr>
+  </cs:dataPointWireframe>
+  <cs:dataTable>
+    <cs:lnRef idx="0"/>
+    <cs:fillRef idx="0"/>
+    <cs:effectRef idx="0"/>
+    <cs:fontRef idx="minor">
+      <a:schemeClr val="tx1">
+        <a:lumMod val="65000"/>
+        <a:lumOff val="35000"/>
+      </a:schemeClr>
+    </cs:fontRef>
+    <cs:spPr>
+      <a:noFill/>
+      <a:ln w="9525" cap="flat" cmpd="sng" algn="ctr">
+        <a:solidFill>
+          <a:schemeClr val="tx1">
+            <a:lumMod val="15000"/>
+            <a:lumOff val="85000"/>
+          </a:schemeClr>
+        </a:solidFill>
+        <a:round/>
+      </a:ln>
+    </cs:spPr>
+    <cs:defRPr sz="1197" kern="1200"/>
+  </cs:dataTable>
+  <cs:downBar>
+    <cs:lnRef idx="0"/>
+    <cs:fillRef idx="0"/>
+    <cs:effectRef idx="0"/>
+    <cs:fontRef idx="minor">
+      <a:schemeClr val="dk1"/>
+    </cs:fontRef>
+    <cs:spPr>
+      <a:solidFill>
+        <a:schemeClr val="dk1">
+          <a:lumMod val="65000"/>
+          <a:lumOff val="35000"/>
+        </a:schemeClr>
+      </a:solidFill>
+      <a:ln w="9525">
+        <a:solidFill>
+          <a:schemeClr val="tx1">
+            <a:lumMod val="65000"/>
+            <a:lumOff val="35000"/>
+          </a:schemeClr>
+        </a:solidFill>
+      </a:ln>
+    </cs:spPr>
+  </cs:downBar>
+  <cs:dropLine>
+    <cs:lnRef idx="0"/>
+    <cs:fillRef idx="0"/>
+    <cs:effectRef idx="0"/>
+    <cs:fontRef idx="minor">
+      <a:schemeClr val="tx1"/>
+    </cs:fontRef>
+    <cs:spPr>
+      <a:ln w="9525" cap="flat" cmpd="sng" algn="ctr">
+        <a:solidFill>
+          <a:schemeClr val="tx1">
+            <a:lumMod val="35000"/>
+            <a:lumOff val="65000"/>
+          </a:schemeClr>
+        </a:solidFill>
+        <a:round/>
+      </a:ln>
+    </cs:spPr>
+  </cs:dropLine>
+  <cs:errorBar>
+    <cs:lnRef idx="0"/>
+    <cs:fillRef idx="0"/>
+    <cs:effectRef idx="0"/>
+    <cs:fontRef idx="minor">
+      <a:schemeClr val="tx1"/>
+    </cs:fontRef>
+    <cs:spPr>
+      <a:ln w="9525" cap="flat" cmpd="sng" algn="ctr">
+        <a:solidFill>
+          <a:schemeClr val="tx1">
+            <a:lumMod val="65000"/>
+            <a:lumOff val="35000"/>
+          </a:schemeClr>
+        </a:solidFill>
+        <a:round/>
+      </a:ln>
+    </cs:spPr>
+  </cs:errorBar>
+  <cs:floor>
+    <cs:lnRef idx="0"/>
+    <cs:fillRef idx="0"/>
+    <cs:effectRef idx="0"/>
+    <cs:fontRef idx="minor">
+      <a:schemeClr val="tx1"/>
+    </cs:fontRef>
+    <cs:spPr>
+      <a:noFill/>
+      <a:ln>
+        <a:noFill/>
+      </a:ln>
+    </cs:spPr>
+  </cs:floor>
+  <cs:gridlineMajor>
+    <cs:lnRef idx="0"/>
+    <cs:fillRef idx="0"/>
+    <cs:effectRef idx="0"/>
+    <cs:fontRef idx="minor">
+      <a:schemeClr val="tx1"/>
+    </cs:fontRef>
+    <cs:spPr>
+      <a:ln w="9525" cap="flat" cmpd="sng" algn="ctr">
+        <a:solidFill>
+          <a:schemeClr val="tx1">
+            <a:lumMod val="15000"/>
+            <a:lumOff val="85000"/>
+          </a:schemeClr>
+        </a:solidFill>
+        <a:round/>
+      </a:ln>
+    </cs:spPr>
+  </cs:gridlineMajor>
+  <cs:gridlineMinor>
+    <cs:lnRef idx="0"/>
+    <cs:fillRef idx="0"/>
+    <cs:effectRef idx="0"/>
+    <cs:fontRef idx="minor">
+      <a:schemeClr val="tx1"/>
+    </cs:fontRef>
+    <cs:spPr>
+      <a:ln w="9525" cap="flat" cmpd="sng" algn="ctr">
+        <a:solidFill>
+          <a:schemeClr val="tx1">
+            <a:lumMod val="5000"/>
+            <a:lumOff val="95000"/>
+          </a:schemeClr>
+        </a:solidFill>
+        <a:round/>
+      </a:ln>
+    </cs:spPr>
+  </cs:gridlineMinor>
+  <cs:hiLoLine>
+    <cs:lnRef idx="0"/>
+    <cs:fillRef idx="0"/>
+    <cs:effectRef idx="0"/>
+    <cs:fontRef idx="minor">
+      <a:schemeClr val="tx1"/>
+    </cs:fontRef>
+    <cs:spPr>
+      <a:ln w="9525" cap="flat" cmpd="sng" algn="ctr">
+        <a:solidFill>
+          <a:schemeClr val="tx1">
+            <a:lumMod val="75000"/>
+            <a:lumOff val="25000"/>
+          </a:schemeClr>
+        </a:solidFill>
+        <a:round/>
+      </a:ln>
+    </cs:spPr>
+  </cs:hiLoLine>
+  <cs:leaderLine>
+    <cs:lnRef idx="0"/>
+    <cs:fillRef idx="0"/>
+    <cs:effectRef idx="0"/>
+    <cs:fontRef idx="minor">
+      <a:schemeClr val="tx1"/>
+    </cs:fontRef>
+    <cs:spPr>
+      <a:ln w="9525" cap="flat" cmpd="sng" algn="ctr">
+        <a:solidFill>
+          <a:schemeClr val="tx1">
+            <a:lumMod val="35000"/>
+            <a:lumOff val="65000"/>
+          </a:schemeClr>
+        </a:solidFill>
+        <a:round/>
+      </a:ln>
+    </cs:spPr>
+  </cs:leaderLine>
+  <cs:legend>
+    <cs:lnRef idx="0"/>
+    <cs:fillRef idx="0"/>
+    <cs:effectRef idx="0"/>
+    <cs:fontRef idx="minor">
+      <a:schemeClr val="tx1">
+        <a:lumMod val="65000"/>
+        <a:lumOff val="35000"/>
+      </a:schemeClr>
+    </cs:fontRef>
+    <cs:defRPr sz="1197" kern="1200"/>
+  </cs:legend>
+  <cs:plotArea mods="allowNoFillOverride allowNoLineOverride">
+    <cs:lnRef idx="0"/>
+    <cs:fillRef idx="0"/>
+    <cs:effectRef idx="0"/>
+    <cs:fontRef idx="minor">
+      <a:schemeClr val="tx1"/>
+    </cs:fontRef>
+  </cs:plotArea>
+  <cs:plotArea3D mods="allowNoFillOverride allowNoLineOverride">
+    <cs:lnRef idx="0"/>
+    <cs:fillRef idx="0"/>
+    <cs:effectRef idx="0"/>
+    <cs:fontRef idx="minor">
+      <a:schemeClr val="tx1"/>
+    </cs:fontRef>
+  </cs:plotArea3D>
+  <cs:seriesAxis>
+    <cs:lnRef idx="0"/>
+    <cs:fillRef idx="0"/>
+    <cs:effectRef idx="0"/>
+    <cs:fontRef idx="minor">
+      <a:schemeClr val="tx1">
+        <a:lumMod val="65000"/>
+        <a:lumOff val="35000"/>
+      </a:schemeClr>
+    </cs:fontRef>
+    <cs:defRPr sz="1197" kern="1200"/>
+  </cs:seriesAxis>
+  <cs:seriesLine>
+    <cs:lnRef idx="0"/>
+    <cs:fillRef idx="0"/>
+    <cs:effectRef idx="0"/>
+    <cs:fontRef idx="minor">
+      <a:schemeClr val="tx1"/>
+    </cs:fontRef>
+    <cs:spPr>
+      <a:ln w="9525" cap="flat" cmpd="sng" algn="ctr">
+        <a:solidFill>
+          <a:schemeClr val="tx1">
+            <a:lumMod val="35000"/>
+            <a:lumOff val="65000"/>
+          </a:schemeClr>
+        </a:solidFill>
+        <a:round/>
+      </a:ln>
+    </cs:spPr>
+  </cs:seriesLine>
+  <cs:title>
+    <cs:lnRef idx="0"/>
+    <cs:fillRef idx="0"/>
+    <cs:effectRef idx="0"/>
+    <cs:fontRef idx="minor">
+      <a:schemeClr val="tx1">
+        <a:lumMod val="65000"/>
+        <a:lumOff val="35000"/>
+      </a:schemeClr>
+    </cs:fontRef>
+    <cs:defRPr sz="1862" b="0" kern="1200" spc="0" baseline="0"/>
+  </cs:title>
+  <cs:trendline>
+    <cs:lnRef idx="0">
+      <cs:styleClr val="auto"/>
+    </cs:lnRef>
+    <cs:fillRef idx="0"/>
+    <cs:effectRef idx="0"/>
+    <cs:fontRef idx="minor">
+      <a:schemeClr val="tx1"/>
+    </cs:fontRef>
+    <cs:spPr>
+      <a:ln w="19050" cap="rnd">
+        <a:solidFill>
+          <a:schemeClr val="phClr"/>
+        </a:solidFill>
+        <a:prstDash val="sysDot"/>
+      </a:ln>
+    </cs:spPr>
+  </cs:trendline>
+  <cs:trendlineLabel>
+    <cs:lnRef idx="0"/>
+    <cs:fillRef idx="0"/>
+    <cs:effectRef idx="0"/>
+    <cs:fontRef idx="minor">
+      <a:schemeClr val="tx1">
+        <a:lumMod val="65000"/>
+        <a:lumOff val="35000"/>
+      </a:schemeClr>
+    </cs:fontRef>
+    <cs:defRPr sz="1197" kern="1200"/>
+  </cs:trendlineLabel>
+  <cs:upBar>
+    <cs:lnRef idx="0"/>
+    <cs:fillRef idx="0"/>
+    <cs:effectRef idx="0"/>
+    <cs:fontRef idx="minor">
+      <a:schemeClr val="dk1"/>
+    </cs:fontRef>
+    <cs:spPr>
+      <a:solidFill>
+        <a:schemeClr val="lt1"/>
+      </a:solidFill>
+      <a:ln w="9525">
+        <a:solidFill>
+          <a:schemeClr val="tx1">
+            <a:lumMod val="15000"/>
+            <a:lumOff val="85000"/>
+          </a:schemeClr>
+        </a:solidFill>
+      </a:ln>
+    </cs:spPr>
+  </cs:upBar>
+  <cs:valueAxis>
+    <cs:lnRef idx="0"/>
+    <cs:fillRef idx="0"/>
+    <cs:effectRef idx="0"/>
+    <cs:fontRef idx="minor">
+      <a:schemeClr val="tx1">
+        <a:lumMod val="65000"/>
+        <a:lumOff val="35000"/>
+      </a:schemeClr>
+    </cs:fontRef>
+    <cs:defRPr sz="1197" kern="1200"/>
+  </cs:valueAxis>
+  <cs:wall>
+    <cs:lnRef idx="0"/>
+    <cs:fillRef idx="0"/>
+    <cs:effectRef idx="0"/>
+    <cs:fontRef idx="minor">
+      <a:schemeClr val="tx1"/>
+    </cs:fontRef>
+    <cs:spPr>
+      <a:noFill/>
+      <a:ln>
+        <a:noFill/>
+      </a:ln>
+    </cs:spPr>
+  </cs:wall>
+</cs:chartStyle>
+</file>
+
 <file path=ppt/notesMasters/notesMaster1.xml><?xml version="1.0" encoding="utf-8"?>
 <p:notesMaster xmlns:a="http://schemas.openxmlformats.org/drawingml/2006/main" xmlns:r="http://schemas.openxmlformats.org/officeDocument/2006/relationships" xmlns:p="http://schemas.openxmlformats.org/presentationml/2006/main">
   <p:cSld>
@@ -214,7 +2583,7 @@
           <a:p>
             <a:fld id="{23D417A3-1E3F-4B57-833C-A311F4080B71}" type="datetimeFigureOut">
               <a:rPr kumimoji="1" lang="ja-JP" altLang="en-US" smtClean="0"/>
-              <a:t>2026/2/6</a:t>
+              <a:t>2026/2/8</a:t>
             </a:fld>
             <a:endParaRPr kumimoji="1" lang="ja-JP" altLang="en-US"/>
           </a:p>
@@ -627,7 +2996,13 @@
   <p:cSld>
     <p:spTree>
       <p:nvGrpSpPr>
-        <p:cNvPr id="1" name=""/>
+        <p:cNvPr id="1" name="">
+          <a:extLst>
+            <a:ext uri="{FF2B5EF4-FFF2-40B4-BE49-F238E27FC236}">
+              <a16:creationId xmlns:a16="http://schemas.microsoft.com/office/drawing/2014/main" id="{0B0E507F-527B-49D5-D322-3F2308BF4737}"/>
+            </a:ext>
+          </a:extLst>
+        </p:cNvPr>
         <p:cNvGrpSpPr/>
         <p:nvPr/>
       </p:nvGrpSpPr>
@@ -641,7 +3016,13 @@
       </p:grpSpPr>
       <p:sp>
         <p:nvSpPr>
-          <p:cNvPr id="2" name="スライド イメージ プレースホルダー 1"/>
+          <p:cNvPr id="2" name="スライド イメージ プレースホルダー 1">
+            <a:extLst>
+              <a:ext uri="{FF2B5EF4-FFF2-40B4-BE49-F238E27FC236}">
+                <a16:creationId xmlns:a16="http://schemas.microsoft.com/office/drawing/2014/main" id="{3D98D17D-6E18-350A-F068-1EBE470764E8}"/>
+              </a:ext>
+            </a:extLst>
+          </p:cNvPr>
           <p:cNvSpPr>
             <a:spLocks noGrp="1" noRot="1" noChangeAspect="1"/>
           </p:cNvSpPr>
@@ -653,7 +3034,13 @@
       </p:sp>
       <p:sp>
         <p:nvSpPr>
-          <p:cNvPr id="3" name="ノート プレースホルダー 2"/>
+          <p:cNvPr id="3" name="ノート プレースホルダー 2">
+            <a:extLst>
+              <a:ext uri="{FF2B5EF4-FFF2-40B4-BE49-F238E27FC236}">
+                <a16:creationId xmlns:a16="http://schemas.microsoft.com/office/drawing/2014/main" id="{3FF9845D-BA84-77B1-A3AD-408EC30A78E7}"/>
+              </a:ext>
+            </a:extLst>
+          </p:cNvPr>
           <p:cNvSpPr>
             <a:spLocks noGrp="1"/>
           </p:cNvSpPr>
@@ -668,14 +3055,21 @@
           <a:p>
             <a:r>
               <a:rPr kumimoji="1" lang="ja-JP" altLang="en-US" dirty="0"/>
-              <a:t>結果としてはこちらになります</a:t>
+              <a:t>結果としてこのようになりました</a:t>
             </a:r>
             <a:endParaRPr kumimoji="1" lang="en-US" altLang="ja-JP" dirty="0"/>
           </a:p>
           <a:p>
             <a:r>
               <a:rPr kumimoji="1" lang="ja-JP" altLang="en-US" dirty="0"/>
-              <a:t>両データセットにて、全項目数を上回る出力が確認されることが確認され、これは、</a:t>
+              <a:t>両データより、温度を上げるほど、平均が増えるだけでなく、最小から最大の幅も変わることが見られます</a:t>
+            </a:r>
+            <a:endParaRPr kumimoji="1" lang="en-US" altLang="ja-JP" dirty="0"/>
+          </a:p>
+          <a:p>
+            <a:r>
+              <a:rPr kumimoji="1" lang="ja-JP" altLang="en-US" dirty="0"/>
+              <a:t>また、両データセットにて、全項目数を上回る出力が確認されることから、これは、</a:t>
             </a:r>
             <a:r>
               <a:rPr kumimoji="1" lang="en-US" altLang="ja-JP" dirty="0"/>
@@ -729,7 +3123,13 @@
       </p:sp>
       <p:sp>
         <p:nvSpPr>
-          <p:cNvPr id="4" name="スライド番号プレースホルダー 3"/>
+          <p:cNvPr id="4" name="スライド番号プレースホルダー 3">
+            <a:extLst>
+              <a:ext uri="{FF2B5EF4-FFF2-40B4-BE49-F238E27FC236}">
+                <a16:creationId xmlns:a16="http://schemas.microsoft.com/office/drawing/2014/main" id="{76D412F8-0718-71BC-1507-856009F5C12E}"/>
+              </a:ext>
+            </a:extLst>
+          </p:cNvPr>
           <p:cNvSpPr>
             <a:spLocks noGrp="1"/>
           </p:cNvSpPr>
@@ -753,7 +3153,7 @@
     </p:spTree>
     <p:extLst>
       <p:ext uri="{BB962C8B-B14F-4D97-AF65-F5344CB8AC3E}">
-        <p14:creationId xmlns:p14="http://schemas.microsoft.com/office/powerpoint/2010/main" val="3696601231"/>
+        <p14:creationId xmlns:p14="http://schemas.microsoft.com/office/powerpoint/2010/main" val="372150019"/>
       </p:ext>
     </p:extLst>
   </p:cSld>
@@ -809,55 +3209,44 @@
           <a:p>
             <a:r>
               <a:rPr kumimoji="1" lang="ja-JP" altLang="en-US" dirty="0"/>
-              <a:t>続いて、実験</a:t>
-            </a:r>
-            <a:r>
-              <a:rPr kumimoji="1" lang="en-US" altLang="ja-JP" dirty="0"/>
-              <a:t>2 </a:t>
-            </a:r>
+              <a:t>凍結ファイルに用いたデータセットは異なるデータに対して実行した結果になります</a:t>
+            </a:r>
+            <a:endParaRPr kumimoji="1" lang="en-US" altLang="ja-JP" dirty="0"/>
+          </a:p>
+          <a:p>
             <a:r>
               <a:rPr kumimoji="1" lang="ja-JP" altLang="en-US" dirty="0"/>
-              <a:t>で得られた温度パラメータを用いて、素の</a:t>
-            </a:r>
-            <a:r>
-              <a:rPr kumimoji="1" lang="en-US" altLang="ja-JP" dirty="0"/>
-              <a:t>AI</a:t>
-            </a:r>
+              <a:t>両データから、凍結ファイルの作成に使用したデータセットを同じデータセットに適用したときのほうが結果が良い傾向が見られました。</a:t>
+            </a:r>
+            <a:endParaRPr kumimoji="1" lang="en-US" altLang="ja-JP" dirty="0"/>
+          </a:p>
+          <a:p>
             <a:r>
               <a:rPr kumimoji="1" lang="ja-JP" altLang="en-US" dirty="0"/>
-              <a:t>と本研究プログラム、本研究プログラムと人手作成についてそれぞれ比較し、抽出率や精度、課題解決ができているかを比較します</a:t>
+              <a:t>一方、別データセットに適用しても極端には崩れないが、データ特性の違いから同一データ程の精度は見られませんでした</a:t>
             </a:r>
             <a:endParaRPr kumimoji="1" lang="en-US" altLang="ja-JP" dirty="0"/>
           </a:p>
           <a:p>
             <a:r>
               <a:rPr kumimoji="1" lang="ja-JP" altLang="en-US" dirty="0"/>
-              <a:t>測定方法としては、</a:t>
-            </a:r>
-            <a:r>
-              <a:rPr kumimoji="1" lang="en-US" altLang="ja-JP" dirty="0"/>
-              <a:t>AI</a:t>
-            </a:r>
+              <a:t>また、今回所要時間についても計測してみたところ、データセットが異なる場合でもあまり差がないことが確認できます。</a:t>
+            </a:r>
+            <a:endParaRPr kumimoji="1" lang="en-US" altLang="ja-JP" dirty="0"/>
+          </a:p>
+          <a:p>
             <a:r>
               <a:rPr kumimoji="1" lang="ja-JP" altLang="en-US" dirty="0"/>
-              <a:t>を用いる場合は、</a:t>
-            </a:r>
-            <a:r>
-              <a:rPr kumimoji="1" lang="en-US" altLang="ja-JP" dirty="0"/>
-              <a:t>10</a:t>
-            </a:r>
+              <a:t>これらの結果から、温度調整と凍結ファイルによる固定情報の保持は有効であると考えます。</a:t>
+            </a:r>
+            <a:endParaRPr kumimoji="1" lang="en-US" altLang="ja-JP" dirty="0"/>
+          </a:p>
+          <a:p>
             <a:r>
               <a:rPr kumimoji="1" lang="ja-JP" altLang="en-US" dirty="0"/>
-              <a:t>回行った結果を用い、人が作成する場合は、誤りがないことが確認できるまでを</a:t>
-            </a:r>
-            <a:r>
-              <a:rPr kumimoji="1" lang="en-US" altLang="ja-JP" dirty="0"/>
-              <a:t>1</a:t>
-            </a:r>
-            <a:r>
-              <a:rPr kumimoji="1" lang="ja-JP" altLang="en-US" dirty="0"/>
-              <a:t>度行い、その結果を用いることとします</a:t>
-            </a:r>
+              <a:t>ただし、最適値はデータセットの特質に依存するため、対象ログの種類ごとの調整が必要であると考えます。</a:t>
+            </a:r>
+            <a:endParaRPr kumimoji="1" lang="en-US" altLang="ja-JP" dirty="0"/>
           </a:p>
         </p:txBody>
       </p:sp>
@@ -878,7 +3267,7 @@
           <a:p>
             <a:fld id="{0BEF29B3-0BFE-45E1-AC17-47FA859AF79F}" type="slidenum">
               <a:rPr kumimoji="1" lang="ja-JP" altLang="en-US" smtClean="0"/>
-              <a:t>12</a:t>
+              <a:t>11</a:t>
             </a:fld>
             <a:endParaRPr kumimoji="1" lang="ja-JP" altLang="en-US"/>
           </a:p>
@@ -887,7 +3276,7 @@
     </p:spTree>
     <p:extLst>
       <p:ext uri="{BB962C8B-B14F-4D97-AF65-F5344CB8AC3E}">
-        <p14:creationId xmlns:p14="http://schemas.microsoft.com/office/powerpoint/2010/main" val="3761324286"/>
+        <p14:creationId xmlns:p14="http://schemas.microsoft.com/office/powerpoint/2010/main" val="2814531097"/>
       </p:ext>
     </p:extLst>
   </p:cSld>
@@ -941,7 +3330,49 @@
           <a:bodyPr/>
           <a:lstStyle/>
           <a:p>
-            <a:endParaRPr kumimoji="1" lang="ja-JP" altLang="en-US" dirty="0"/>
+            <a:r>
+              <a:rPr kumimoji="1" lang="ja-JP" altLang="en-US" dirty="0"/>
+              <a:t>続いて、実験②で得られた温度パラメータを用いて、素の</a:t>
+            </a:r>
+            <a:r>
+              <a:rPr kumimoji="1" lang="en-US" altLang="ja-JP" dirty="0"/>
+              <a:t>AI</a:t>
+            </a:r>
+            <a:r>
+              <a:rPr kumimoji="1" lang="ja-JP" altLang="en-US" dirty="0"/>
+              <a:t>と本研究プログラム、本研究プログラムと人手作成についてそれぞれ比較し、抽出率や精度、課題解決ができているかを比較します</a:t>
+            </a:r>
+            <a:endParaRPr kumimoji="1" lang="en-US" altLang="ja-JP" dirty="0"/>
+          </a:p>
+          <a:p>
+            <a:r>
+              <a:rPr kumimoji="1" lang="ja-JP" altLang="en-US" dirty="0"/>
+              <a:t>測定方法としては、素の</a:t>
+            </a:r>
+            <a:r>
+              <a:rPr kumimoji="1" lang="en-US" altLang="ja-JP" dirty="0"/>
+              <a:t>AI</a:t>
+            </a:r>
+            <a:r>
+              <a:rPr kumimoji="1" lang="ja-JP" altLang="en-US" dirty="0"/>
+              <a:t>と本研究プログラムは、</a:t>
+            </a:r>
+            <a:r>
+              <a:rPr kumimoji="1" lang="en-US" altLang="ja-JP" dirty="0"/>
+              <a:t>10</a:t>
+            </a:r>
+            <a:r>
+              <a:rPr kumimoji="1" lang="ja-JP" altLang="en-US" dirty="0"/>
+              <a:t>回行った結果を用い、人手作成は、誤りがないことが確認できるまでを</a:t>
+            </a:r>
+            <a:r>
+              <a:rPr kumimoji="1" lang="en-US" altLang="ja-JP" dirty="0"/>
+              <a:t>1</a:t>
+            </a:r>
+            <a:r>
+              <a:rPr kumimoji="1" lang="ja-JP" altLang="en-US" dirty="0"/>
+              <a:t>度行い、その結果を用いることとします</a:t>
+            </a:r>
           </a:p>
         </p:txBody>
       </p:sp>
@@ -962,6 +3393,676 @@
           <a:p>
             <a:fld id="{0BEF29B3-0BFE-45E1-AC17-47FA859AF79F}" type="slidenum">
               <a:rPr kumimoji="1" lang="ja-JP" altLang="en-US" smtClean="0"/>
+              <a:t>12</a:t>
+            </a:fld>
+            <a:endParaRPr kumimoji="1" lang="ja-JP" altLang="en-US"/>
+          </a:p>
+        </p:txBody>
+      </p:sp>
+    </p:spTree>
+    <p:extLst>
+      <p:ext uri="{BB962C8B-B14F-4D97-AF65-F5344CB8AC3E}">
+        <p14:creationId xmlns:p14="http://schemas.microsoft.com/office/powerpoint/2010/main" val="3761324286"/>
+      </p:ext>
+    </p:extLst>
+  </p:cSld>
+  <p:clrMapOvr>
+    <a:masterClrMapping/>
+  </p:clrMapOvr>
+</p:notes>
+</file>
+
+<file path=ppt/notesSlides/notesSlide13.xml><?xml version="1.0" encoding="utf-8"?>
+<p:notes xmlns:a="http://schemas.openxmlformats.org/drawingml/2006/main" xmlns:r="http://schemas.openxmlformats.org/officeDocument/2006/relationships" xmlns:p="http://schemas.openxmlformats.org/presentationml/2006/main">
+  <p:cSld>
+    <p:spTree>
+      <p:nvGrpSpPr>
+        <p:cNvPr id="1" name=""/>
+        <p:cNvGrpSpPr/>
+        <p:nvPr/>
+      </p:nvGrpSpPr>
+      <p:grpSpPr>
+        <a:xfrm>
+          <a:off x="0" y="0"/>
+          <a:ext cx="0" cy="0"/>
+          <a:chOff x="0" y="0"/>
+          <a:chExt cx="0" cy="0"/>
+        </a:xfrm>
+      </p:grpSpPr>
+      <p:sp>
+        <p:nvSpPr>
+          <p:cNvPr id="2" name="スライド イメージ プレースホルダー 1"/>
+          <p:cNvSpPr>
+            <a:spLocks noGrp="1" noRot="1" noChangeAspect="1"/>
+          </p:cNvSpPr>
+          <p:nvPr>
+            <p:ph type="sldImg"/>
+          </p:nvPr>
+        </p:nvSpPr>
+        <p:spPr/>
+      </p:sp>
+      <p:sp>
+        <p:nvSpPr>
+          <p:cNvPr id="3" name="ノート プレースホルダー 2"/>
+          <p:cNvSpPr>
+            <a:spLocks noGrp="1"/>
+          </p:cNvSpPr>
+          <p:nvPr>
+            <p:ph type="body" idx="1"/>
+          </p:nvPr>
+        </p:nvSpPr>
+        <p:spPr/>
+        <p:txBody>
+          <a:bodyPr/>
+          <a:lstStyle/>
+          <a:p>
+            <a:r>
+              <a:rPr kumimoji="1" lang="ja-JP" altLang="en-US" dirty="0"/>
+              <a:t>素の</a:t>
+            </a:r>
+            <a:r>
+              <a:rPr kumimoji="1" lang="en-US" altLang="ja-JP" dirty="0"/>
+              <a:t>AI</a:t>
+            </a:r>
+            <a:r>
+              <a:rPr kumimoji="1" lang="ja-JP" altLang="en-US" dirty="0"/>
+              <a:t>と本研究プログラムの比較についてです</a:t>
+            </a:r>
+            <a:endParaRPr kumimoji="1" lang="en-US" altLang="ja-JP" dirty="0"/>
+          </a:p>
+          <a:p>
+            <a:r>
+              <a:rPr kumimoji="1" lang="ja-JP" altLang="en-US" dirty="0"/>
+              <a:t>テンプレートエンジンによって、どちらも書式の統一性を持たせることができています。</a:t>
+            </a:r>
+            <a:endParaRPr kumimoji="1" lang="en-US" altLang="ja-JP" dirty="0"/>
+          </a:p>
+          <a:p>
+            <a:r>
+              <a:rPr kumimoji="1" lang="ja-JP" altLang="en-US" dirty="0"/>
+              <a:t>抽出率についても、</a:t>
+            </a:r>
+            <a:r>
+              <a:rPr kumimoji="1" lang="en-US" altLang="ja-JP" dirty="0"/>
+              <a:t>DS1</a:t>
+            </a:r>
+            <a:r>
+              <a:rPr kumimoji="1" lang="ja-JP" altLang="en-US" dirty="0"/>
+              <a:t>では、約</a:t>
+            </a:r>
+            <a:r>
+              <a:rPr kumimoji="1" lang="en-US" altLang="ja-JP" dirty="0"/>
+              <a:t>25%</a:t>
+            </a:r>
+            <a:r>
+              <a:rPr kumimoji="1" lang="ja-JP" altLang="en-US" dirty="0"/>
+              <a:t>、</a:t>
+            </a:r>
+            <a:r>
+              <a:rPr kumimoji="1" lang="en-US" altLang="ja-JP" dirty="0"/>
+              <a:t>DS2</a:t>
+            </a:r>
+            <a:r>
+              <a:rPr kumimoji="1" lang="ja-JP" altLang="en-US" dirty="0"/>
+              <a:t>では、約</a:t>
+            </a:r>
+            <a:r>
+              <a:rPr kumimoji="1" lang="en-US" altLang="ja-JP" dirty="0"/>
+              <a:t>7%</a:t>
+            </a:r>
+            <a:r>
+              <a:rPr kumimoji="1" lang="ja-JP" altLang="en-US" dirty="0"/>
+              <a:t>、本研究の方が良い結果が見られました</a:t>
+            </a:r>
+            <a:endParaRPr kumimoji="1" lang="en-US" altLang="ja-JP" dirty="0"/>
+          </a:p>
+          <a:p>
+            <a:r>
+              <a:rPr kumimoji="1" lang="ja-JP" altLang="en-US" dirty="0"/>
+              <a:t>主に、温度調整、段階処理、テンプレートエンジンによって、所要時間は数秒の差しかないものの、抽出精度・品質の向上が確認できました。</a:t>
+            </a:r>
+          </a:p>
+        </p:txBody>
+      </p:sp>
+      <p:sp>
+        <p:nvSpPr>
+          <p:cNvPr id="4" name="スライド番号プレースホルダー 3"/>
+          <p:cNvSpPr>
+            <a:spLocks noGrp="1"/>
+          </p:cNvSpPr>
+          <p:nvPr>
+            <p:ph type="sldNum" sz="quarter" idx="5"/>
+          </p:nvPr>
+        </p:nvSpPr>
+        <p:spPr/>
+        <p:txBody>
+          <a:bodyPr/>
+          <a:lstStyle/>
+          <a:p>
+            <a:fld id="{0BEF29B3-0BFE-45E1-AC17-47FA859AF79F}" type="slidenum">
+              <a:rPr kumimoji="1" lang="ja-JP" altLang="en-US" smtClean="0"/>
+              <a:t>13</a:t>
+            </a:fld>
+            <a:endParaRPr kumimoji="1" lang="ja-JP" altLang="en-US"/>
+          </a:p>
+        </p:txBody>
+      </p:sp>
+    </p:spTree>
+    <p:extLst>
+      <p:ext uri="{BB962C8B-B14F-4D97-AF65-F5344CB8AC3E}">
+        <p14:creationId xmlns:p14="http://schemas.microsoft.com/office/powerpoint/2010/main" val="3602910899"/>
+      </p:ext>
+    </p:extLst>
+  </p:cSld>
+  <p:clrMapOvr>
+    <a:masterClrMapping/>
+  </p:clrMapOvr>
+</p:notes>
+</file>
+
+<file path=ppt/notesSlides/notesSlide14.xml><?xml version="1.0" encoding="utf-8"?>
+<p:notes xmlns:a="http://schemas.openxmlformats.org/drawingml/2006/main" xmlns:r="http://schemas.openxmlformats.org/officeDocument/2006/relationships" xmlns:p="http://schemas.openxmlformats.org/presentationml/2006/main">
+  <p:cSld>
+    <p:spTree>
+      <p:nvGrpSpPr>
+        <p:cNvPr id="1" name=""/>
+        <p:cNvGrpSpPr/>
+        <p:nvPr/>
+      </p:nvGrpSpPr>
+      <p:grpSpPr>
+        <a:xfrm>
+          <a:off x="0" y="0"/>
+          <a:ext cx="0" cy="0"/>
+          <a:chOff x="0" y="0"/>
+          <a:chExt cx="0" cy="0"/>
+        </a:xfrm>
+      </p:grpSpPr>
+      <p:sp>
+        <p:nvSpPr>
+          <p:cNvPr id="2" name="スライド イメージ プレースホルダー 1"/>
+          <p:cNvSpPr>
+            <a:spLocks noGrp="1" noRot="1" noChangeAspect="1"/>
+          </p:cNvSpPr>
+          <p:nvPr>
+            <p:ph type="sldImg"/>
+          </p:nvPr>
+        </p:nvSpPr>
+        <p:spPr/>
+      </p:sp>
+      <p:sp>
+        <p:nvSpPr>
+          <p:cNvPr id="3" name="ノート プレースホルダー 2"/>
+          <p:cNvSpPr>
+            <a:spLocks noGrp="1"/>
+          </p:cNvSpPr>
+          <p:nvPr>
+            <p:ph type="body" idx="1"/>
+          </p:nvPr>
+        </p:nvSpPr>
+        <p:spPr/>
+        <p:txBody>
+          <a:bodyPr/>
+          <a:lstStyle/>
+          <a:p>
+            <a:r>
+              <a:rPr kumimoji="1" lang="ja-JP" altLang="en-US" dirty="0"/>
+              <a:t>続いて、本研究プログラムと人手作成の比較についてです</a:t>
+            </a:r>
+            <a:endParaRPr kumimoji="1" lang="en-US" altLang="ja-JP" dirty="0"/>
+          </a:p>
+          <a:p>
+            <a:r>
+              <a:rPr kumimoji="1" lang="ja-JP" altLang="en-US" dirty="0"/>
+              <a:t>人では、</a:t>
+            </a:r>
+            <a:r>
+              <a:rPr kumimoji="1" lang="en-US" altLang="ja-JP" dirty="0"/>
+              <a:t>3</a:t>
+            </a:r>
+            <a:r>
+              <a:rPr kumimoji="1" lang="ja-JP" altLang="en-US" dirty="0"/>
+              <a:t>時間超の時間を要しましたが、本研究では、</a:t>
+            </a:r>
+            <a:r>
+              <a:rPr kumimoji="1" lang="en-US" altLang="ja-JP" dirty="0"/>
+              <a:t>2~3</a:t>
+            </a:r>
+            <a:r>
+              <a:rPr kumimoji="1" lang="ja-JP" altLang="en-US" dirty="0"/>
+              <a:t>分で処理できています。</a:t>
+            </a:r>
+            <a:endParaRPr kumimoji="1" lang="en-US" altLang="ja-JP" dirty="0"/>
+          </a:p>
+          <a:p>
+            <a:r>
+              <a:rPr kumimoji="1" lang="ja-JP" altLang="en-US" dirty="0"/>
+              <a:t>しかし、本研究では、抽出率の向上は見られたものの、重要項目の抽出率を含め完全ではなく、項目の漏れが見られています。</a:t>
+            </a:r>
+            <a:endParaRPr kumimoji="1" lang="en-US" altLang="ja-JP" dirty="0"/>
+          </a:p>
+          <a:p>
+            <a:r>
+              <a:rPr kumimoji="1" lang="ja-JP" altLang="en-US" dirty="0"/>
+              <a:t>このことから、人の完全代替にはなり得ないものの、支援という形で実現できることが見えました。</a:t>
+            </a:r>
+          </a:p>
+        </p:txBody>
+      </p:sp>
+      <p:sp>
+        <p:nvSpPr>
+          <p:cNvPr id="4" name="スライド番号プレースホルダー 3"/>
+          <p:cNvSpPr>
+            <a:spLocks noGrp="1"/>
+          </p:cNvSpPr>
+          <p:nvPr>
+            <p:ph type="sldNum" sz="quarter" idx="5"/>
+          </p:nvPr>
+        </p:nvSpPr>
+        <p:spPr/>
+        <p:txBody>
+          <a:bodyPr/>
+          <a:lstStyle/>
+          <a:p>
+            <a:fld id="{0BEF29B3-0BFE-45E1-AC17-47FA859AF79F}" type="slidenum">
+              <a:rPr kumimoji="1" lang="ja-JP" altLang="en-US" smtClean="0"/>
+              <a:t>14</a:t>
+            </a:fld>
+            <a:endParaRPr kumimoji="1" lang="ja-JP" altLang="en-US"/>
+          </a:p>
+        </p:txBody>
+      </p:sp>
+    </p:spTree>
+    <p:extLst>
+      <p:ext uri="{BB962C8B-B14F-4D97-AF65-F5344CB8AC3E}">
+        <p14:creationId xmlns:p14="http://schemas.microsoft.com/office/powerpoint/2010/main" val="17448499"/>
+      </p:ext>
+    </p:extLst>
+  </p:cSld>
+  <p:clrMapOvr>
+    <a:masterClrMapping/>
+  </p:clrMapOvr>
+</p:notes>
+</file>
+
+<file path=ppt/notesSlides/notesSlide15.xml><?xml version="1.0" encoding="utf-8"?>
+<p:notes xmlns:a="http://schemas.openxmlformats.org/drawingml/2006/main" xmlns:r="http://schemas.openxmlformats.org/officeDocument/2006/relationships" xmlns:p="http://schemas.openxmlformats.org/presentationml/2006/main">
+  <p:cSld>
+    <p:spTree>
+      <p:nvGrpSpPr>
+        <p:cNvPr id="1" name=""/>
+        <p:cNvGrpSpPr/>
+        <p:nvPr/>
+      </p:nvGrpSpPr>
+      <p:grpSpPr>
+        <a:xfrm>
+          <a:off x="0" y="0"/>
+          <a:ext cx="0" cy="0"/>
+          <a:chOff x="0" y="0"/>
+          <a:chExt cx="0" cy="0"/>
+        </a:xfrm>
+      </p:grpSpPr>
+      <p:sp>
+        <p:nvSpPr>
+          <p:cNvPr id="2" name="スライド イメージ プレースホルダー 1"/>
+          <p:cNvSpPr>
+            <a:spLocks noGrp="1" noRot="1" noChangeAspect="1"/>
+          </p:cNvSpPr>
+          <p:nvPr>
+            <p:ph type="sldImg"/>
+          </p:nvPr>
+        </p:nvSpPr>
+        <p:spPr/>
+      </p:sp>
+      <p:sp>
+        <p:nvSpPr>
+          <p:cNvPr id="3" name="ノート プレースホルダー 2"/>
+          <p:cNvSpPr>
+            <a:spLocks noGrp="1"/>
+          </p:cNvSpPr>
+          <p:nvPr>
+            <p:ph type="body" idx="1"/>
+          </p:nvPr>
+        </p:nvSpPr>
+        <p:spPr/>
+        <p:txBody>
+          <a:bodyPr/>
+          <a:lstStyle/>
+          <a:p>
+            <a:r>
+              <a:rPr kumimoji="1" lang="ja-JP" altLang="en-US" dirty="0"/>
+              <a:t>実験結果をまとめると、温度パラメータの最適化により精度向上が見られたが、人の水準には達しませんでした</a:t>
+            </a:r>
+            <a:endParaRPr kumimoji="1" lang="en-US" altLang="ja-JP" dirty="0"/>
+          </a:p>
+          <a:p>
+            <a:r>
+              <a:rPr kumimoji="1" lang="ja-JP" altLang="en-US" dirty="0"/>
+              <a:t>一方で、所要時間は大幅に減少でき、実務負担の軽減において期待できます。</a:t>
+            </a:r>
+            <a:endParaRPr kumimoji="1" lang="en-US" altLang="ja-JP" dirty="0"/>
+          </a:p>
+          <a:p>
+            <a:r>
+              <a:rPr kumimoji="1" lang="ja-JP" altLang="en-US" dirty="0"/>
+              <a:t>今回見られた全項目数を上回る過抽出や情報の欠落、出力結果に日本語と英語といった複数言語が混在する問題については、現在の生成</a:t>
+            </a:r>
+            <a:r>
+              <a:rPr kumimoji="1" lang="en-US" altLang="ja-JP" dirty="0"/>
+              <a:t>AI</a:t>
+            </a:r>
+            <a:r>
+              <a:rPr kumimoji="1" lang="ja-JP" altLang="en-US" dirty="0"/>
+              <a:t>の分析・出力特性によって起きていると考えます。</a:t>
+            </a:r>
+            <a:endParaRPr kumimoji="1" lang="en-US" altLang="ja-JP" dirty="0"/>
+          </a:p>
+        </p:txBody>
+      </p:sp>
+      <p:sp>
+        <p:nvSpPr>
+          <p:cNvPr id="4" name="スライド番号プレースホルダー 3"/>
+          <p:cNvSpPr>
+            <a:spLocks noGrp="1"/>
+          </p:cNvSpPr>
+          <p:nvPr>
+            <p:ph type="sldNum" sz="quarter" idx="5"/>
+          </p:nvPr>
+        </p:nvSpPr>
+        <p:spPr/>
+        <p:txBody>
+          <a:bodyPr/>
+          <a:lstStyle/>
+          <a:p>
+            <a:fld id="{0BEF29B3-0BFE-45E1-AC17-47FA859AF79F}" type="slidenum">
+              <a:rPr kumimoji="1" lang="ja-JP" altLang="en-US" smtClean="0"/>
+              <a:t>15</a:t>
+            </a:fld>
+            <a:endParaRPr kumimoji="1" lang="ja-JP" altLang="en-US"/>
+          </a:p>
+        </p:txBody>
+      </p:sp>
+    </p:spTree>
+    <p:extLst>
+      <p:ext uri="{BB962C8B-B14F-4D97-AF65-F5344CB8AC3E}">
+        <p14:creationId xmlns:p14="http://schemas.microsoft.com/office/powerpoint/2010/main" val="801097947"/>
+      </p:ext>
+    </p:extLst>
+  </p:cSld>
+  <p:clrMapOvr>
+    <a:masterClrMapping/>
+  </p:clrMapOvr>
+</p:notes>
+</file>
+
+<file path=ppt/notesSlides/notesSlide16.xml><?xml version="1.0" encoding="utf-8"?>
+<p:notes xmlns:a="http://schemas.openxmlformats.org/drawingml/2006/main" xmlns:r="http://schemas.openxmlformats.org/officeDocument/2006/relationships" xmlns:p="http://schemas.openxmlformats.org/presentationml/2006/main">
+  <p:cSld>
+    <p:spTree>
+      <p:nvGrpSpPr>
+        <p:cNvPr id="1" name=""/>
+        <p:cNvGrpSpPr/>
+        <p:nvPr/>
+      </p:nvGrpSpPr>
+      <p:grpSpPr>
+        <a:xfrm>
+          <a:off x="0" y="0"/>
+          <a:ext cx="0" cy="0"/>
+          <a:chOff x="0" y="0"/>
+          <a:chExt cx="0" cy="0"/>
+        </a:xfrm>
+      </p:grpSpPr>
+      <p:sp>
+        <p:nvSpPr>
+          <p:cNvPr id="2" name="スライド イメージ プレースホルダー 1"/>
+          <p:cNvSpPr>
+            <a:spLocks noGrp="1" noRot="1" noChangeAspect="1"/>
+          </p:cNvSpPr>
+          <p:nvPr>
+            <p:ph type="sldImg"/>
+          </p:nvPr>
+        </p:nvSpPr>
+        <p:spPr/>
+      </p:sp>
+      <p:sp>
+        <p:nvSpPr>
+          <p:cNvPr id="3" name="ノート プレースホルダー 2"/>
+          <p:cNvSpPr>
+            <a:spLocks noGrp="1"/>
+          </p:cNvSpPr>
+          <p:nvPr>
+            <p:ph type="body" idx="1"/>
+          </p:nvPr>
+        </p:nvSpPr>
+        <p:spPr/>
+        <p:txBody>
+          <a:bodyPr/>
+          <a:lstStyle/>
+          <a:p>
+            <a:r>
+              <a:rPr kumimoji="1" lang="ja-JP" altLang="en-US" dirty="0"/>
+              <a:t>先ほど挙げた言語の混在と人の代替になり得るかについて考察します</a:t>
+            </a:r>
+            <a:endParaRPr kumimoji="1" lang="en-US" altLang="ja-JP" dirty="0"/>
+          </a:p>
+          <a:p>
+            <a:pPr marL="0" marR="0" lvl="0" indent="0" algn="l" defTabSz="914400" rtl="0" eaLnBrk="1" fontAlgn="auto" latinLnBrk="0" hangingPunct="1">
+              <a:lnSpc>
+                <a:spcPct val="100000"/>
+              </a:lnSpc>
+              <a:spcBef>
+                <a:spcPts val="0"/>
+              </a:spcBef>
+              <a:spcAft>
+                <a:spcPts val="0"/>
+              </a:spcAft>
+              <a:buClrTx/>
+              <a:buSzTx/>
+              <a:buFontTx/>
+              <a:buNone/>
+              <a:tabLst/>
+              <a:defRPr/>
+            </a:pPr>
+            <a:r>
+              <a:rPr kumimoji="1" lang="ja-JP" altLang="en-US" dirty="0"/>
+              <a:t>言語の混在について、出力結果を日本語で返す命令をいれても結果があまり変わらなかったことから、入力ログや用語、テンプレートなどのファイルに英語が混ざることで、生成</a:t>
+            </a:r>
+            <a:r>
+              <a:rPr kumimoji="1" lang="en-US" altLang="ja-JP" dirty="0"/>
+              <a:t>AI</a:t>
+            </a:r>
+            <a:r>
+              <a:rPr kumimoji="1" lang="ja-JP" altLang="en-US" dirty="0"/>
+              <a:t>の出力仕様の誘導により発生したと推察しています</a:t>
+            </a:r>
+            <a:endParaRPr kumimoji="1" lang="en-US" altLang="ja-JP" dirty="0"/>
+          </a:p>
+          <a:p>
+            <a:pPr marL="0" marR="0" lvl="0" indent="0" algn="l" defTabSz="914400" rtl="0" eaLnBrk="1" fontAlgn="auto" latinLnBrk="0" hangingPunct="1">
+              <a:lnSpc>
+                <a:spcPct val="100000"/>
+              </a:lnSpc>
+              <a:spcBef>
+                <a:spcPts val="0"/>
+              </a:spcBef>
+              <a:spcAft>
+                <a:spcPts val="0"/>
+              </a:spcAft>
+              <a:buClrTx/>
+              <a:buSzTx/>
+              <a:buFontTx/>
+              <a:buNone/>
+              <a:tabLst/>
+              <a:defRPr/>
+            </a:pPr>
+            <a:r>
+              <a:rPr kumimoji="1" lang="ja-JP" altLang="en-US" dirty="0"/>
+              <a:t>続いて、人の代替となり得るかについてです</a:t>
+            </a:r>
+            <a:endParaRPr kumimoji="1" lang="en-US" altLang="ja-JP" dirty="0"/>
+          </a:p>
+          <a:p>
+            <a:pPr marL="0" marR="0" lvl="0" indent="0" algn="l" defTabSz="914400" rtl="0" eaLnBrk="1" fontAlgn="auto" latinLnBrk="0" hangingPunct="1">
+              <a:lnSpc>
+                <a:spcPct val="100000"/>
+              </a:lnSpc>
+              <a:spcBef>
+                <a:spcPts val="0"/>
+              </a:spcBef>
+              <a:spcAft>
+                <a:spcPts val="0"/>
+              </a:spcAft>
+              <a:buClrTx/>
+              <a:buSzTx/>
+              <a:buFontTx/>
+              <a:buNone/>
+              <a:tabLst/>
+              <a:defRPr/>
+            </a:pPr>
+            <a:r>
+              <a:rPr kumimoji="1" lang="ja-JP" altLang="en-US" dirty="0"/>
+              <a:t>結論からいうと現状は難しいと判断しました</a:t>
+            </a:r>
+            <a:endParaRPr kumimoji="1" lang="en-US" altLang="ja-JP" dirty="0"/>
+          </a:p>
+          <a:p>
+            <a:pPr marL="0" marR="0" lvl="0" indent="0" algn="l" defTabSz="914400" rtl="0" eaLnBrk="1" fontAlgn="auto" latinLnBrk="0" hangingPunct="1">
+              <a:lnSpc>
+                <a:spcPct val="100000"/>
+              </a:lnSpc>
+              <a:spcBef>
+                <a:spcPts val="0"/>
+              </a:spcBef>
+              <a:spcAft>
+                <a:spcPts val="0"/>
+              </a:spcAft>
+              <a:buClrTx/>
+              <a:buSzTx/>
+              <a:buFontTx/>
+              <a:buNone/>
+              <a:tabLst/>
+              <a:defRPr/>
+            </a:pPr>
+            <a:r>
+              <a:rPr kumimoji="1" lang="ja-JP" altLang="en-US" dirty="0"/>
+              <a:t>理由としては、２つあります</a:t>
+            </a:r>
+            <a:endParaRPr kumimoji="1" lang="en-US" altLang="ja-JP" dirty="0"/>
+          </a:p>
+          <a:p>
+            <a:pPr marL="0" marR="0" lvl="0" indent="0" algn="l" defTabSz="914400" rtl="0" eaLnBrk="1" fontAlgn="auto" latinLnBrk="0" hangingPunct="1">
+              <a:lnSpc>
+                <a:spcPct val="100000"/>
+              </a:lnSpc>
+              <a:spcBef>
+                <a:spcPts val="0"/>
+              </a:spcBef>
+              <a:spcAft>
+                <a:spcPts val="0"/>
+              </a:spcAft>
+              <a:buClrTx/>
+              <a:buSzTx/>
+              <a:buFontTx/>
+              <a:buNone/>
+              <a:tabLst/>
+              <a:defRPr/>
+            </a:pPr>
+            <a:r>
+              <a:rPr kumimoji="1" lang="ja-JP" altLang="en-US" dirty="0"/>
+              <a:t>一つ目は、</a:t>
+            </a:r>
+            <a:r>
+              <a:rPr kumimoji="1" lang="en-US" altLang="ja-JP" dirty="0"/>
+              <a:t>AI</a:t>
+            </a:r>
+            <a:r>
+              <a:rPr kumimoji="1" lang="ja-JP" altLang="en-US" dirty="0"/>
+              <a:t>の推測補完の影響が大きく、過抽出や内容の誤りをゼロにできず、ここの点において保証できないことです</a:t>
+            </a:r>
+            <a:endParaRPr kumimoji="1" lang="en-US" altLang="ja-JP" dirty="0"/>
+          </a:p>
+          <a:p>
+            <a:pPr marL="0" marR="0" lvl="0" indent="0" algn="l" defTabSz="914400" rtl="0" eaLnBrk="1" fontAlgn="auto" latinLnBrk="0" hangingPunct="1">
+              <a:lnSpc>
+                <a:spcPct val="100000"/>
+              </a:lnSpc>
+              <a:spcBef>
+                <a:spcPts val="0"/>
+              </a:spcBef>
+              <a:spcAft>
+                <a:spcPts val="0"/>
+              </a:spcAft>
+              <a:buClrTx/>
+              <a:buSzTx/>
+              <a:buFontTx/>
+              <a:buNone/>
+              <a:tabLst/>
+              <a:defRPr/>
+            </a:pPr>
+            <a:r>
+              <a:rPr kumimoji="1" lang="ja-JP" altLang="en-US" dirty="0"/>
+              <a:t>２つ目は、ログによっては、決定や未定、検討中といった明確に判断できる言葉が含まれず、人の間で暗黙な合意や認識がある場合、現在の生成</a:t>
+            </a:r>
+            <a:r>
+              <a:rPr kumimoji="1" lang="en-US" altLang="ja-JP" dirty="0"/>
+              <a:t>AI</a:t>
+            </a:r>
+            <a:r>
+              <a:rPr kumimoji="1" lang="ja-JP" altLang="en-US" dirty="0"/>
+              <a:t>では、判別できず、実際の認識とずれてしまうことです</a:t>
+            </a:r>
+            <a:endParaRPr kumimoji="1" lang="en-US" altLang="ja-JP" dirty="0"/>
+          </a:p>
+          <a:p>
+            <a:pPr marL="0" marR="0" lvl="0" indent="0" algn="l" defTabSz="914400" rtl="0" eaLnBrk="1" fontAlgn="auto" latinLnBrk="0" hangingPunct="1">
+              <a:lnSpc>
+                <a:spcPct val="100000"/>
+              </a:lnSpc>
+              <a:spcBef>
+                <a:spcPts val="0"/>
+              </a:spcBef>
+              <a:spcAft>
+                <a:spcPts val="0"/>
+              </a:spcAft>
+              <a:buClrTx/>
+              <a:buSzTx/>
+              <a:buFontTx/>
+              <a:buNone/>
+              <a:tabLst/>
+              <a:defRPr/>
+            </a:pPr>
+            <a:r>
+              <a:rPr kumimoji="1" lang="ja-JP" altLang="en-US" dirty="0"/>
+              <a:t>この２つについては、</a:t>
+            </a:r>
+            <a:r>
+              <a:rPr kumimoji="1" lang="en-US" altLang="ja-JP" dirty="0"/>
+              <a:t>AI</a:t>
+            </a:r>
+            <a:r>
+              <a:rPr kumimoji="1" lang="ja-JP" altLang="en-US" dirty="0"/>
+              <a:t>モデルの進化によって改善する余地はありますが、進化しても確率的生成の性質が残る限りは、実運用で人の代替にはなり得ないと考えます。</a:t>
+            </a:r>
+            <a:endParaRPr kumimoji="1" lang="en-US" altLang="ja-JP" dirty="0"/>
+          </a:p>
+        </p:txBody>
+      </p:sp>
+      <p:sp>
+        <p:nvSpPr>
+          <p:cNvPr id="4" name="スライド番号プレースホルダー 3"/>
+          <p:cNvSpPr>
+            <a:spLocks noGrp="1"/>
+          </p:cNvSpPr>
+          <p:nvPr>
+            <p:ph type="sldNum" sz="quarter" idx="5"/>
+          </p:nvPr>
+        </p:nvSpPr>
+        <p:spPr/>
+        <p:txBody>
+          <a:bodyPr/>
+          <a:lstStyle/>
+          <a:p>
+            <a:fld id="{0BEF29B3-0BFE-45E1-AC17-47FA859AF79F}" type="slidenum">
+              <a:rPr kumimoji="1" lang="ja-JP" altLang="en-US" smtClean="0"/>
               <a:t>16</a:t>
             </a:fld>
             <a:endParaRPr kumimoji="1" lang="ja-JP" altLang="en-US"/>
@@ -972,6 +4073,224 @@
     <p:extLst>
       <p:ext uri="{BB962C8B-B14F-4D97-AF65-F5344CB8AC3E}">
         <p14:creationId xmlns:p14="http://schemas.microsoft.com/office/powerpoint/2010/main" val="1810460234"/>
+      </p:ext>
+    </p:extLst>
+  </p:cSld>
+  <p:clrMapOvr>
+    <a:masterClrMapping/>
+  </p:clrMapOvr>
+</p:notes>
+</file>
+
+<file path=ppt/notesSlides/notesSlide17.xml><?xml version="1.0" encoding="utf-8"?>
+<p:notes xmlns:a="http://schemas.openxmlformats.org/drawingml/2006/main" xmlns:r="http://schemas.openxmlformats.org/officeDocument/2006/relationships" xmlns:p="http://schemas.openxmlformats.org/presentationml/2006/main">
+  <p:cSld>
+    <p:spTree>
+      <p:nvGrpSpPr>
+        <p:cNvPr id="1" name=""/>
+        <p:cNvGrpSpPr/>
+        <p:nvPr/>
+      </p:nvGrpSpPr>
+      <p:grpSpPr>
+        <a:xfrm>
+          <a:off x="0" y="0"/>
+          <a:ext cx="0" cy="0"/>
+          <a:chOff x="0" y="0"/>
+          <a:chExt cx="0" cy="0"/>
+        </a:xfrm>
+      </p:grpSpPr>
+      <p:sp>
+        <p:nvSpPr>
+          <p:cNvPr id="2" name="スライド イメージ プレースホルダー 1"/>
+          <p:cNvSpPr>
+            <a:spLocks noGrp="1" noRot="1" noChangeAspect="1"/>
+          </p:cNvSpPr>
+          <p:nvPr>
+            <p:ph type="sldImg"/>
+          </p:nvPr>
+        </p:nvSpPr>
+        <p:spPr/>
+      </p:sp>
+      <p:sp>
+        <p:nvSpPr>
+          <p:cNvPr id="3" name="ノート プレースホルダー 2"/>
+          <p:cNvSpPr>
+            <a:spLocks noGrp="1"/>
+          </p:cNvSpPr>
+          <p:nvPr>
+            <p:ph type="body" idx="1"/>
+          </p:nvPr>
+        </p:nvSpPr>
+        <p:spPr/>
+        <p:txBody>
+          <a:bodyPr/>
+          <a:lstStyle/>
+          <a:p>
+            <a:r>
+              <a:rPr kumimoji="1" lang="ja-JP" altLang="en-US" dirty="0"/>
+              <a:t>本研究についてまとめます</a:t>
+            </a:r>
+            <a:endParaRPr kumimoji="1" lang="en-US" altLang="ja-JP" dirty="0"/>
+          </a:p>
+          <a:p>
+            <a:r>
+              <a:rPr kumimoji="1" lang="ja-JP" altLang="en-US" dirty="0"/>
+              <a:t>議事録ログから要求要件を抽出し、テンプレートエンジンを用いての仕様書化、段階処理、温度パラメータの最適化は有効でした。</a:t>
+            </a:r>
+            <a:endParaRPr kumimoji="1" lang="en-US" altLang="ja-JP" dirty="0"/>
+          </a:p>
+          <a:p>
+            <a:r>
+              <a:rPr kumimoji="1" lang="ja-JP" altLang="en-US" dirty="0"/>
+              <a:t>実験にて、人の負担軽減の可能性は見えましたが、抽出精度、過抽出、最終状態判定の課題が残り、現状、人の完全代替には至らないことがわかりました。</a:t>
+            </a:r>
+            <a:endParaRPr kumimoji="1" lang="en-US" altLang="ja-JP" dirty="0"/>
+          </a:p>
+          <a:p>
+            <a:r>
+              <a:rPr kumimoji="1" lang="ja-JP" altLang="en-US" dirty="0"/>
+              <a:t>今後の生成</a:t>
+            </a:r>
+            <a:r>
+              <a:rPr kumimoji="1" lang="en-US" altLang="ja-JP" dirty="0"/>
+              <a:t>AI</a:t>
+            </a:r>
+            <a:r>
+              <a:rPr kumimoji="1" lang="ja-JP" altLang="en-US" dirty="0"/>
+              <a:t>の進化傾向や生成</a:t>
+            </a:r>
+            <a:r>
+              <a:rPr kumimoji="1" lang="en-US" altLang="ja-JP" dirty="0"/>
+              <a:t>AI</a:t>
+            </a:r>
+            <a:r>
+              <a:rPr kumimoji="1" lang="ja-JP" altLang="en-US" dirty="0"/>
+              <a:t>の特性に人が合わせることで問題解決につながる見込みはあるとして、今後の展望とします。</a:t>
+            </a:r>
+          </a:p>
+        </p:txBody>
+      </p:sp>
+      <p:sp>
+        <p:nvSpPr>
+          <p:cNvPr id="4" name="スライド番号プレースホルダー 3"/>
+          <p:cNvSpPr>
+            <a:spLocks noGrp="1"/>
+          </p:cNvSpPr>
+          <p:nvPr>
+            <p:ph type="sldNum" sz="quarter" idx="5"/>
+          </p:nvPr>
+        </p:nvSpPr>
+        <p:spPr/>
+        <p:txBody>
+          <a:bodyPr/>
+          <a:lstStyle/>
+          <a:p>
+            <a:fld id="{0BEF29B3-0BFE-45E1-AC17-47FA859AF79F}" type="slidenum">
+              <a:rPr kumimoji="1" lang="ja-JP" altLang="en-US" smtClean="0"/>
+              <a:t>17</a:t>
+            </a:fld>
+            <a:endParaRPr kumimoji="1" lang="ja-JP" altLang="en-US"/>
+          </a:p>
+        </p:txBody>
+      </p:sp>
+    </p:spTree>
+    <p:extLst>
+      <p:ext uri="{BB962C8B-B14F-4D97-AF65-F5344CB8AC3E}">
+        <p14:creationId xmlns:p14="http://schemas.microsoft.com/office/powerpoint/2010/main" val="1813044787"/>
+      </p:ext>
+    </p:extLst>
+  </p:cSld>
+  <p:clrMapOvr>
+    <a:masterClrMapping/>
+  </p:clrMapOvr>
+</p:notes>
+</file>
+
+<file path=ppt/notesSlides/notesSlide18.xml><?xml version="1.0" encoding="utf-8"?>
+<p:notes xmlns:a="http://schemas.openxmlformats.org/drawingml/2006/main" xmlns:r="http://schemas.openxmlformats.org/officeDocument/2006/relationships" xmlns:p="http://schemas.openxmlformats.org/presentationml/2006/main">
+  <p:cSld>
+    <p:spTree>
+      <p:nvGrpSpPr>
+        <p:cNvPr id="1" name=""/>
+        <p:cNvGrpSpPr/>
+        <p:nvPr/>
+      </p:nvGrpSpPr>
+      <p:grpSpPr>
+        <a:xfrm>
+          <a:off x="0" y="0"/>
+          <a:ext cx="0" cy="0"/>
+          <a:chOff x="0" y="0"/>
+          <a:chExt cx="0" cy="0"/>
+        </a:xfrm>
+      </p:grpSpPr>
+      <p:sp>
+        <p:nvSpPr>
+          <p:cNvPr id="2" name="スライド イメージ プレースホルダー 1"/>
+          <p:cNvSpPr>
+            <a:spLocks noGrp="1" noRot="1" noChangeAspect="1"/>
+          </p:cNvSpPr>
+          <p:nvPr>
+            <p:ph type="sldImg"/>
+          </p:nvPr>
+        </p:nvSpPr>
+        <p:spPr/>
+      </p:sp>
+      <p:sp>
+        <p:nvSpPr>
+          <p:cNvPr id="3" name="ノート プレースホルダー 2"/>
+          <p:cNvSpPr>
+            <a:spLocks noGrp="1"/>
+          </p:cNvSpPr>
+          <p:nvPr>
+            <p:ph type="body" idx="1"/>
+          </p:nvPr>
+        </p:nvSpPr>
+        <p:spPr/>
+        <p:txBody>
+          <a:bodyPr/>
+          <a:lstStyle/>
+          <a:p>
+            <a:r>
+              <a:rPr kumimoji="1" lang="ja-JP" altLang="en-US" dirty="0"/>
+              <a:t>以上で、発表を終わります</a:t>
+            </a:r>
+            <a:endParaRPr kumimoji="1" lang="en-US" altLang="ja-JP" dirty="0"/>
+          </a:p>
+          <a:p>
+            <a:r>
+              <a:rPr kumimoji="1" lang="ja-JP" altLang="en-US" dirty="0"/>
+              <a:t>ご清聴ありがとうございました</a:t>
+            </a:r>
+          </a:p>
+        </p:txBody>
+      </p:sp>
+      <p:sp>
+        <p:nvSpPr>
+          <p:cNvPr id="4" name="スライド番号プレースホルダー 3"/>
+          <p:cNvSpPr>
+            <a:spLocks noGrp="1"/>
+          </p:cNvSpPr>
+          <p:nvPr>
+            <p:ph type="sldNum" sz="quarter" idx="5"/>
+          </p:nvPr>
+        </p:nvSpPr>
+        <p:spPr/>
+        <p:txBody>
+          <a:bodyPr/>
+          <a:lstStyle/>
+          <a:p>
+            <a:fld id="{0BEF29B3-0BFE-45E1-AC17-47FA859AF79F}" type="slidenum">
+              <a:rPr kumimoji="1" lang="ja-JP" altLang="en-US" smtClean="0"/>
+              <a:t>18</a:t>
+            </a:fld>
+            <a:endParaRPr kumimoji="1" lang="ja-JP" altLang="en-US"/>
+          </a:p>
+        </p:txBody>
+      </p:sp>
+    </p:spTree>
+    <p:extLst>
+      <p:ext uri="{BB962C8B-B14F-4D97-AF65-F5344CB8AC3E}">
+        <p14:creationId xmlns:p14="http://schemas.microsoft.com/office/powerpoint/2010/main" val="4108756619"/>
       </p:ext>
     </p:extLst>
   </p:cSld>
@@ -1027,7 +4346,7 @@
           <a:p>
             <a:r>
               <a:rPr kumimoji="1" lang="ja-JP" altLang="en-US" dirty="0"/>
-              <a:t>背景として、現在、仕様書の類は人手に依存しており、時間的コストや優先度やログの規模によって簡略化、先送りが見られること、作成者による認識や理解によって偏りが生まれたりといくつかの課題を抱えています</a:t>
+              <a:t>背景として、現在、仕様書の類は人手に依存しており、時間的コスト、優先度、ログの規模によって簡略化、先送りが見られたり、作成者による認識や理解によって偏りが生まれたりといくつかの課題を抱えています</a:t>
             </a:r>
             <a:endParaRPr kumimoji="1" lang="en-US" altLang="ja-JP" dirty="0"/>
           </a:p>
@@ -1166,7 +4485,39 @@
           <a:p>
             <a:r>
               <a:rPr kumimoji="1" lang="ja-JP" altLang="en-US" dirty="0"/>
-              <a:t>結果として、全項目が抽出されることはなく、出力にばらつきがあることがわかりました</a:t>
+              <a:t>結果として、全項目数</a:t>
+            </a:r>
+            <a:r>
+              <a:rPr kumimoji="1" lang="en-US" altLang="ja-JP" dirty="0"/>
+              <a:t>9</a:t>
+            </a:r>
+            <a:r>
+              <a:rPr kumimoji="1" lang="ja-JP" altLang="en-US" dirty="0"/>
+              <a:t>に対して、最小は</a:t>
+            </a:r>
+            <a:r>
+              <a:rPr kumimoji="1" lang="en-US" altLang="ja-JP" dirty="0"/>
+              <a:t>5, </a:t>
+            </a:r>
+            <a:r>
+              <a:rPr kumimoji="1" lang="ja-JP" altLang="en-US" dirty="0"/>
+              <a:t>最大は</a:t>
+            </a:r>
+            <a:r>
+              <a:rPr kumimoji="1" lang="en-US" altLang="ja-JP" dirty="0"/>
+              <a:t>8, </a:t>
+            </a:r>
+            <a:r>
+              <a:rPr kumimoji="1" lang="ja-JP" altLang="en-US" dirty="0"/>
+              <a:t>平均は</a:t>
+            </a:r>
+            <a:r>
+              <a:rPr kumimoji="1" lang="en-US" altLang="ja-JP" dirty="0"/>
+              <a:t>6.2</a:t>
+            </a:r>
+            <a:r>
+              <a:rPr kumimoji="1" lang="ja-JP" altLang="en-US" dirty="0"/>
+              <a:t>で、全項目が抽出されることはなく、出力にばらつきがあることがわかりました</a:t>
             </a:r>
             <a:endParaRPr kumimoji="1" lang="en-US" altLang="ja-JP" dirty="0"/>
           </a:p>
@@ -1268,7 +4619,14 @@
             </a:r>
             <a:r>
               <a:rPr kumimoji="1" lang="ja-JP" altLang="en-US" dirty="0"/>
-              <a:t>をそのまま使うだけでは、人の代替にはなりえないこと、いくつかの課題があることが分かりました。</a:t>
+              <a:t>をそのまま使うだけでは、人とは異なる課題があることがわかり、人の代替にはなりえないと考えます。</a:t>
+            </a:r>
+            <a:endParaRPr kumimoji="1" lang="en-US" altLang="ja-JP" dirty="0"/>
+          </a:p>
+          <a:p>
+            <a:r>
+              <a:rPr kumimoji="1" lang="ja-JP" altLang="en-US" dirty="0"/>
+              <a:t>推測補完による事実と推測の混同や項目の欠落、時系列の乱れは特に影響として大きく出てしまいます。</a:t>
             </a:r>
             <a:endParaRPr kumimoji="1" lang="en-US" altLang="ja-JP" dirty="0"/>
           </a:p>
@@ -1518,15 +4876,7 @@
             </a:r>
             <a:r>
               <a:rPr kumimoji="1" lang="ja-JP" altLang="en-US" dirty="0"/>
-              <a:t>を用いるステップで区切り、</a:t>
-            </a:r>
-            <a:r>
-              <a:rPr kumimoji="1" lang="en-US" altLang="ja-JP" dirty="0"/>
-              <a:t>2</a:t>
-            </a:r>
-            <a:r>
-              <a:rPr kumimoji="1" lang="ja-JP" altLang="en-US" dirty="0"/>
-              <a:t>フェーズに分けた設計を採用しています。</a:t>
+              <a:t>を用いる工程で区切り、フェーズを２つに分けた設計を採用しています。</a:t>
             </a:r>
             <a:endParaRPr kumimoji="1" lang="en-US" altLang="ja-JP" dirty="0"/>
           </a:p>
@@ -1739,7 +5089,7 @@
             </a:r>
             <a:r>
               <a:rPr kumimoji="1" lang="ja-JP" altLang="en-US" dirty="0"/>
-              <a:t>を採用しています。このモデルの特徴として、高度な自然言語理解能力を持ち、テキストをもとに分析・抽出を行う今回の設計に適していると考えます。</a:t>
+              <a:t>を採用しています。このモデルの特徴として、高度な自然言語理解能力を持ち、テキストをもとに分析・抽出を行う今回の設計に適していると考えました。</a:t>
             </a:r>
             <a:endParaRPr kumimoji="1" lang="en-US" altLang="ja-JP" dirty="0"/>
           </a:p>
@@ -1777,7 +5127,14 @@
             </a:r>
             <a:r>
               <a:rPr kumimoji="1" lang="ja-JP" altLang="en-US" dirty="0"/>
-              <a:t>の出力には、書式構造の一貫性が見られず、これを</a:t>
+              <a:t>の出力には、書式構造の一貫性が見られず、ここをテンプレートエンジンに任せることとします。</a:t>
+            </a:r>
+            <a:endParaRPr kumimoji="1" lang="en-US" altLang="ja-JP" dirty="0"/>
+          </a:p>
+          <a:p>
+            <a:r>
+              <a:rPr kumimoji="1" lang="ja-JP" altLang="en-US" dirty="0"/>
+              <a:t>生成</a:t>
             </a:r>
             <a:r>
               <a:rPr kumimoji="1" lang="en-US" altLang="ja-JP" dirty="0"/>
@@ -1785,22 +5142,21 @@
             </a:r>
             <a:r>
               <a:rPr kumimoji="1" lang="ja-JP" altLang="en-US" dirty="0"/>
-              <a:t>に任せるにはコスト点で、プログラムに任せることとします。</a:t>
+              <a:t>の出力のランダム性を抑えるため、温度パラメータの設定を行います</a:t>
             </a:r>
             <a:endParaRPr kumimoji="1" lang="en-US" altLang="ja-JP" dirty="0"/>
           </a:p>
           <a:p>
             <a:r>
               <a:rPr kumimoji="1" lang="ja-JP" altLang="en-US" dirty="0"/>
-              <a:t>生成</a:t>
-            </a:r>
-            <a:r>
-              <a:rPr kumimoji="1" lang="en-US" altLang="ja-JP" dirty="0"/>
-              <a:t>AI</a:t>
-            </a:r>
+              <a:t>ここで、データセットに合わせた調整が他データにおいて有用かを確認するために、設定条件の固定情報を持つデータファイルを作成し、別データセットに対して汎化検証を行うことで、有用性を評価します</a:t>
+            </a:r>
+            <a:endParaRPr kumimoji="1" lang="en-US" altLang="ja-JP" dirty="0"/>
+          </a:p>
+          <a:p>
             <a:r>
               <a:rPr kumimoji="1" lang="ja-JP" altLang="en-US" dirty="0"/>
-              <a:t>の出力のランダム性を抑えるため、温度パラメータを設定しますが、データセットに合わせた調整が他データにおいて有用かを確認するために、設定条件の固定情報を持つ凍結ファイルを作成し、別データセットに対して繁華検証を行うことで、有用性を評価します</a:t>
+              <a:t>以降、この固定情報データファイルを凍結ファイルと呼称します。</a:t>
             </a:r>
           </a:p>
         </p:txBody>
@@ -1887,21 +5243,14 @@
           <a:p>
             <a:r>
               <a:rPr kumimoji="1" lang="ja-JP" altLang="en-US" dirty="0"/>
-              <a:t>使用データは、この２つになります。</a:t>
+              <a:t>使用するデータセットは、この２つになります。</a:t>
             </a:r>
             <a:endParaRPr kumimoji="1" lang="en-US" altLang="ja-JP" dirty="0"/>
           </a:p>
           <a:p>
             <a:r>
               <a:rPr kumimoji="1" lang="ja-JP" altLang="en-US" dirty="0"/>
-              <a:t>これらは、実際の案件をもとに、企業名や機密情報を除いたデータセットとして調整したものになります。</a:t>
-            </a:r>
-            <a:endParaRPr kumimoji="1" lang="en-US" altLang="ja-JP" dirty="0"/>
-          </a:p>
-          <a:p>
-            <a:r>
-              <a:rPr kumimoji="1" lang="ja-JP" altLang="en-US" dirty="0"/>
-              <a:t>他発言内容についてはそのまま使用しています。</a:t>
+              <a:t>これらは、実際の案件をもとに、企業名や機密情報を除いたデータセットとして調整したもので、他発言内容についてはそのまま使用しています。</a:t>
             </a:r>
             <a:endParaRPr kumimoji="1" lang="en-US" altLang="ja-JP" dirty="0"/>
           </a:p>
@@ -2014,6 +5363,10 @@
           </a:p>
           <a:p>
             <a:r>
+              <a:rPr kumimoji="1" lang="ja-JP" altLang="en-US" dirty="0"/>
+              <a:t>実験方法として、</a:t>
+            </a:r>
+            <a:r>
               <a:rPr kumimoji="1" lang="en-US" altLang="ja-JP" dirty="0"/>
               <a:t>0.0</a:t>
             </a:r>
@@ -2052,6 +5405,45 @@
             <a:r>
               <a:rPr kumimoji="1" lang="ja-JP" altLang="en-US" dirty="0"/>
               <a:t>回行い測定しました</a:t>
+            </a:r>
+            <a:endParaRPr kumimoji="1" lang="en-US" altLang="ja-JP" dirty="0"/>
+          </a:p>
+          <a:p>
+            <a:r>
+              <a:rPr kumimoji="1" lang="ja-JP" altLang="en-US" dirty="0"/>
+              <a:t>凍結ファイルにおいて、</a:t>
+            </a:r>
+            <a:r>
+              <a:rPr kumimoji="1" lang="en-US" altLang="ja-JP" dirty="0"/>
+              <a:t>lock_ds1</a:t>
+            </a:r>
+            <a:r>
+              <a:rPr kumimoji="1" lang="ja-JP" altLang="en-US" dirty="0"/>
+              <a:t>は</a:t>
+            </a:r>
+            <a:r>
+              <a:rPr kumimoji="1" lang="en-US" altLang="ja-JP" dirty="0"/>
+              <a:t>DS1</a:t>
+            </a:r>
+            <a:r>
+              <a:rPr kumimoji="1" lang="ja-JP" altLang="en-US" dirty="0"/>
+              <a:t>を用いて作成したもので、</a:t>
+            </a:r>
+            <a:r>
+              <a:rPr kumimoji="1" lang="en-US" altLang="ja-JP" dirty="0"/>
+              <a:t>lock_ds2</a:t>
+            </a:r>
+            <a:r>
+              <a:rPr kumimoji="1" lang="ja-JP" altLang="en-US" dirty="0"/>
+              <a:t>は</a:t>
+            </a:r>
+            <a:r>
+              <a:rPr kumimoji="1" lang="en-US" altLang="ja-JP" dirty="0"/>
+              <a:t>DS2</a:t>
+            </a:r>
+            <a:r>
+              <a:rPr kumimoji="1" lang="ja-JP" altLang="en-US" dirty="0"/>
+              <a:t>を用いて作成したものになります。</a:t>
             </a:r>
           </a:p>
         </p:txBody>
@@ -2239,7 +5631,7 @@
           <a:p>
             <a:fld id="{D705ED8C-C764-41F5-96CF-0F9B15F62710}" type="datetime1">
               <a:rPr kumimoji="1" lang="ja-JP" altLang="en-US" smtClean="0"/>
-              <a:t>2026/2/6</a:t>
+              <a:t>2026/2/8</a:t>
             </a:fld>
             <a:endParaRPr kumimoji="1" lang="ja-JP" altLang="en-US"/>
           </a:p>
@@ -2469,7 +5861,7 @@
           <a:p>
             <a:fld id="{C2DF5EB3-C563-4E68-80FD-8D5ACBE0CBEB}" type="datetime1">
               <a:rPr kumimoji="1" lang="ja-JP" altLang="en-US" smtClean="0"/>
-              <a:t>2026/2/6</a:t>
+              <a:t>2026/2/8</a:t>
             </a:fld>
             <a:endParaRPr kumimoji="1" lang="ja-JP" altLang="en-US"/>
           </a:p>
@@ -2709,7 +6101,7 @@
           <a:p>
             <a:fld id="{E2BE1D79-E096-42C4-8C59-BE7309206E82}" type="datetime1">
               <a:rPr kumimoji="1" lang="ja-JP" altLang="en-US" smtClean="0"/>
-              <a:t>2026/2/6</a:t>
+              <a:t>2026/2/8</a:t>
             </a:fld>
             <a:endParaRPr kumimoji="1" lang="ja-JP" altLang="en-US"/>
           </a:p>
@@ -2939,7 +6331,7 @@
           <a:p>
             <a:fld id="{11BD9CF9-F98D-4852-8F64-2FC979518458}" type="datetime1">
               <a:rPr kumimoji="1" lang="ja-JP" altLang="en-US" smtClean="0"/>
-              <a:t>2026/2/6</a:t>
+              <a:t>2026/2/8</a:t>
             </a:fld>
             <a:endParaRPr kumimoji="1" lang="ja-JP" altLang="en-US"/>
           </a:p>
@@ -3214,7 +6606,7 @@
           <a:p>
             <a:fld id="{BC7A392E-DF18-4958-95B6-B6810D71BE20}" type="datetime1">
               <a:rPr kumimoji="1" lang="ja-JP" altLang="en-US" smtClean="0"/>
-              <a:t>2026/2/6</a:t>
+              <a:t>2026/2/8</a:t>
             </a:fld>
             <a:endParaRPr kumimoji="1" lang="ja-JP" altLang="en-US"/>
           </a:p>
@@ -3543,7 +6935,7 @@
           <a:p>
             <a:fld id="{18DF5635-DC9A-4631-B178-36166F94D0A9}" type="datetime1">
               <a:rPr kumimoji="1" lang="ja-JP" altLang="en-US" smtClean="0"/>
-              <a:t>2026/2/6</a:t>
+              <a:t>2026/2/8</a:t>
             </a:fld>
             <a:endParaRPr kumimoji="1" lang="ja-JP" altLang="en-US"/>
           </a:p>
@@ -4019,7 +7411,7 @@
           <a:p>
             <a:fld id="{C66E3DF5-06DF-4B12-9B13-4D54DD2F3862}" type="datetime1">
               <a:rPr kumimoji="1" lang="ja-JP" altLang="en-US" smtClean="0"/>
-              <a:t>2026/2/6</a:t>
+              <a:t>2026/2/8</a:t>
             </a:fld>
             <a:endParaRPr kumimoji="1" lang="ja-JP" altLang="en-US"/>
           </a:p>
@@ -4160,7 +7552,7 @@
           <a:p>
             <a:fld id="{C8BE9157-DC33-4C39-A1DB-7F5B1368E853}" type="datetime1">
               <a:rPr kumimoji="1" lang="ja-JP" altLang="en-US" smtClean="0"/>
-              <a:t>2026/2/6</a:t>
+              <a:t>2026/2/8</a:t>
             </a:fld>
             <a:endParaRPr kumimoji="1" lang="ja-JP" altLang="en-US"/>
           </a:p>
@@ -4273,7 +7665,7 @@
           <a:p>
             <a:fld id="{1F524E4A-5C14-47F0-9BD0-23FAEA541D2C}" type="datetime1">
               <a:rPr kumimoji="1" lang="ja-JP" altLang="en-US" smtClean="0"/>
-              <a:t>2026/2/6</a:t>
+              <a:t>2026/2/8</a:t>
             </a:fld>
             <a:endParaRPr kumimoji="1" lang="ja-JP" altLang="en-US"/>
           </a:p>
@@ -4616,7 +8008,7 @@
           <a:p>
             <a:fld id="{3D72F0B9-5C83-45E1-ABC4-8556F01C6EA6}" type="datetime1">
               <a:rPr kumimoji="1" lang="ja-JP" altLang="en-US" smtClean="0"/>
-              <a:t>2026/2/6</a:t>
+              <a:t>2026/2/8</a:t>
             </a:fld>
             <a:endParaRPr kumimoji="1" lang="ja-JP" altLang="en-US"/>
           </a:p>
@@ -4904,7 +8296,7 @@
           <a:p>
             <a:fld id="{3BC37A24-7C32-4FF8-B071-FD61542E569C}" type="datetime1">
               <a:rPr kumimoji="1" lang="ja-JP" altLang="en-US" smtClean="0"/>
-              <a:t>2026/2/6</a:t>
+              <a:t>2026/2/8</a:t>
             </a:fld>
             <a:endParaRPr kumimoji="1" lang="ja-JP" altLang="en-US"/>
           </a:p>
@@ -5177,7 +8569,7 @@
           <a:p>
             <a:fld id="{23C2DDFB-653B-45E7-9B69-D78293D4C1C1}" type="datetime1">
               <a:rPr kumimoji="1" lang="ja-JP" altLang="en-US" smtClean="0"/>
-              <a:t>2026/2/6</a:t>
+              <a:t>2026/2/8</a:t>
             </a:fld>
             <a:endParaRPr kumimoji="1" lang="ja-JP" altLang="en-US"/>
           </a:p>
@@ -5699,7 +9091,13 @@
   <p:cSld>
     <p:spTree>
       <p:nvGrpSpPr>
-        <p:cNvPr id="1" name=""/>
+        <p:cNvPr id="1" name="">
+          <a:extLst>
+            <a:ext uri="{FF2B5EF4-FFF2-40B4-BE49-F238E27FC236}">
+              <a16:creationId xmlns:a16="http://schemas.microsoft.com/office/drawing/2014/main" id="{05AD6D05-F51A-FE77-C40F-5C7EB55BA543}"/>
+            </a:ext>
+          </a:extLst>
+        </p:cNvPr>
         <p:cNvGrpSpPr/>
         <p:nvPr/>
       </p:nvGrpSpPr>
@@ -5716,7 +9114,7 @@
           <p:cNvPr id="2" name="タイトル 1">
             <a:extLst>
               <a:ext uri="{FF2B5EF4-FFF2-40B4-BE49-F238E27FC236}">
-                <a16:creationId xmlns:a16="http://schemas.microsoft.com/office/drawing/2014/main" id="{0C37C6D4-D607-D63A-7248-C2F7C54B7FF2}"/>
+                <a16:creationId xmlns:a16="http://schemas.microsoft.com/office/drawing/2014/main" id="{22F62EFB-3DBA-AA1A-7DC9-8D03336C3DAB}"/>
               </a:ext>
             </a:extLst>
           </p:cNvPr>
@@ -5748,831 +9146,12 @@
           </a:p>
         </p:txBody>
       </p:sp>
-      <p:graphicFrame>
-        <p:nvGraphicFramePr>
-          <p:cNvPr id="5" name="コンテンツ プレースホルダー 4">
-            <a:extLst>
-              <a:ext uri="{FF2B5EF4-FFF2-40B4-BE49-F238E27FC236}">
-                <a16:creationId xmlns:a16="http://schemas.microsoft.com/office/drawing/2014/main" id="{513277EE-7EEC-A0EF-D9C8-9A7D1A7B813A}"/>
-              </a:ext>
-            </a:extLst>
-          </p:cNvPr>
-          <p:cNvGraphicFramePr>
-            <a:graphicFrameLocks noGrp="1"/>
-          </p:cNvGraphicFramePr>
-          <p:nvPr>
-            <p:ph idx="1"/>
-            <p:extLst>
-              <p:ext uri="{D42A27DB-BD31-4B8C-83A1-F6EECF244321}">
-                <p14:modId xmlns:p14="http://schemas.microsoft.com/office/powerpoint/2010/main" val="2854453791"/>
-              </p:ext>
-            </p:extLst>
-          </p:nvPr>
-        </p:nvGraphicFramePr>
-        <p:xfrm>
-          <a:off x="657726" y="1897815"/>
-          <a:ext cx="4648518" cy="4450080"/>
-        </p:xfrm>
-        <a:graphic>
-          <a:graphicData uri="http://schemas.openxmlformats.org/drawingml/2006/table">
-            <a:tbl>
-              <a:tblPr firstRow="1" bandRow="1">
-                <a:tableStyleId>{5C22544A-7EE6-4342-B048-85BDC9FD1C3A}</a:tableStyleId>
-              </a:tblPr>
-              <a:tblGrid>
-                <a:gridCol w="810127">
-                  <a:extLst>
-                    <a:ext uri="{9D8B030D-6E8A-4147-A177-3AD203B41FA5}">
-                      <a16:colId xmlns:a16="http://schemas.microsoft.com/office/drawing/2014/main" val="2270667386"/>
-                    </a:ext>
-                  </a:extLst>
-                </a:gridCol>
-                <a:gridCol w="1209491">
-                  <a:extLst>
-                    <a:ext uri="{9D8B030D-6E8A-4147-A177-3AD203B41FA5}">
-                      <a16:colId xmlns:a16="http://schemas.microsoft.com/office/drawing/2014/main" val="3848557299"/>
-                    </a:ext>
-                  </a:extLst>
-                </a:gridCol>
-                <a:gridCol w="1314450">
-                  <a:extLst>
-                    <a:ext uri="{9D8B030D-6E8A-4147-A177-3AD203B41FA5}">
-                      <a16:colId xmlns:a16="http://schemas.microsoft.com/office/drawing/2014/main" val="1957530948"/>
-                    </a:ext>
-                  </a:extLst>
-                </a:gridCol>
-                <a:gridCol w="1314450">
-                  <a:extLst>
-                    <a:ext uri="{9D8B030D-6E8A-4147-A177-3AD203B41FA5}">
-                      <a16:colId xmlns:a16="http://schemas.microsoft.com/office/drawing/2014/main" val="35980887"/>
-                    </a:ext>
-                  </a:extLst>
-                </a:gridCol>
-              </a:tblGrid>
-              <a:tr h="370840">
-                <a:tc>
-                  <a:txBody>
-                    <a:bodyPr/>
-                    <a:lstStyle/>
-                    <a:p>
-                      <a:pPr algn="ctr"/>
-                      <a:r>
-                        <a:rPr kumimoji="1" lang="ja-JP" altLang="en-US" dirty="0"/>
-                        <a:t>温度</a:t>
-                      </a:r>
-                    </a:p>
-                  </a:txBody>
-                  <a:tcPr/>
-                </a:tc>
-                <a:tc>
-                  <a:txBody>
-                    <a:bodyPr/>
-                    <a:lstStyle/>
-                    <a:p>
-                      <a:pPr algn="ctr"/>
-                      <a:r>
-                        <a:rPr kumimoji="1" lang="ja-JP" altLang="en-US" dirty="0"/>
-                        <a:t>最小数</a:t>
-                      </a:r>
-                    </a:p>
-                  </a:txBody>
-                  <a:tcPr/>
-                </a:tc>
-                <a:tc>
-                  <a:txBody>
-                    <a:bodyPr/>
-                    <a:lstStyle/>
-                    <a:p>
-                      <a:pPr algn="ctr"/>
-                      <a:r>
-                        <a:rPr kumimoji="1" lang="ja-JP" altLang="en-US" dirty="0"/>
-                        <a:t>最大数</a:t>
-                      </a:r>
-                    </a:p>
-                  </a:txBody>
-                  <a:tcPr/>
-                </a:tc>
-                <a:tc>
-                  <a:txBody>
-                    <a:bodyPr/>
-                    <a:lstStyle/>
-                    <a:p>
-                      <a:pPr algn="ctr"/>
-                      <a:r>
-                        <a:rPr kumimoji="1" lang="ja-JP" altLang="en-US" dirty="0"/>
-                        <a:t>平均数</a:t>
-                      </a:r>
-                    </a:p>
-                  </a:txBody>
-                  <a:tcPr/>
-                </a:tc>
-                <a:extLst>
-                  <a:ext uri="{0D108BD9-81ED-4DB2-BD59-A6C34878D82A}">
-                    <a16:rowId xmlns:a16="http://schemas.microsoft.com/office/drawing/2014/main" val="3871198481"/>
-                  </a:ext>
-                </a:extLst>
-              </a:tr>
-              <a:tr h="370840">
-                <a:tc>
-                  <a:txBody>
-                    <a:bodyPr/>
-                    <a:lstStyle/>
-                    <a:p>
-                      <a:r>
-                        <a:rPr kumimoji="1" lang="en-US" altLang="ja-JP" dirty="0"/>
-                        <a:t>0.0</a:t>
-                      </a:r>
-                      <a:endParaRPr kumimoji="1" lang="ja-JP" altLang="en-US" dirty="0"/>
-                    </a:p>
-                  </a:txBody>
-                  <a:tcPr/>
-                </a:tc>
-                <a:tc>
-                  <a:txBody>
-                    <a:bodyPr/>
-                    <a:lstStyle/>
-                    <a:p>
-                      <a:r>
-                        <a:rPr kumimoji="1" lang="en-US" altLang="ja-JP" dirty="0"/>
-                        <a:t>6</a:t>
-                      </a:r>
-                    </a:p>
-                  </a:txBody>
-                  <a:tcPr/>
-                </a:tc>
-                <a:tc>
-                  <a:txBody>
-                    <a:bodyPr/>
-                    <a:lstStyle/>
-                    <a:p>
-                      <a:r>
-                        <a:rPr kumimoji="1" lang="en-US" altLang="ja-JP" dirty="0"/>
-                        <a:t>10</a:t>
-                      </a:r>
-                      <a:endParaRPr kumimoji="1" lang="ja-JP" altLang="en-US" dirty="0"/>
-                    </a:p>
-                  </a:txBody>
-                  <a:tcPr/>
-                </a:tc>
-                <a:tc>
-                  <a:txBody>
-                    <a:bodyPr/>
-                    <a:lstStyle/>
-                    <a:p>
-                      <a:r>
-                        <a:rPr kumimoji="1" lang="en-US" altLang="ja-JP" dirty="0"/>
-                        <a:t>7.1</a:t>
-                      </a:r>
-                      <a:endParaRPr kumimoji="1" lang="ja-JP" altLang="en-US" dirty="0"/>
-                    </a:p>
-                  </a:txBody>
-                  <a:tcPr/>
-                </a:tc>
-                <a:extLst>
-                  <a:ext uri="{0D108BD9-81ED-4DB2-BD59-A6C34878D82A}">
-                    <a16:rowId xmlns:a16="http://schemas.microsoft.com/office/drawing/2014/main" val="1444793946"/>
-                  </a:ext>
-                </a:extLst>
-              </a:tr>
-              <a:tr h="370840">
-                <a:tc>
-                  <a:txBody>
-                    <a:bodyPr/>
-                    <a:lstStyle/>
-                    <a:p>
-                      <a:r>
-                        <a:rPr kumimoji="1" lang="en-US" altLang="ja-JP" dirty="0"/>
-                        <a:t>0.1</a:t>
-                      </a:r>
-                      <a:endParaRPr kumimoji="1" lang="ja-JP" altLang="en-US" dirty="0"/>
-                    </a:p>
-                  </a:txBody>
-                  <a:tcPr/>
-                </a:tc>
-                <a:tc>
-                  <a:txBody>
-                    <a:bodyPr/>
-                    <a:lstStyle/>
-                    <a:p>
-                      <a:r>
-                        <a:rPr kumimoji="1" lang="en-US" altLang="ja-JP" dirty="0"/>
-                        <a:t>6</a:t>
-                      </a:r>
-                      <a:endParaRPr kumimoji="1" lang="ja-JP" altLang="en-US" dirty="0"/>
-                    </a:p>
-                  </a:txBody>
-                  <a:tcPr/>
-                </a:tc>
-                <a:tc>
-                  <a:txBody>
-                    <a:bodyPr/>
-                    <a:lstStyle/>
-                    <a:p>
-                      <a:r>
-                        <a:rPr kumimoji="1" lang="en-US" altLang="ja-JP" dirty="0"/>
-                        <a:t>9</a:t>
-                      </a:r>
-                      <a:endParaRPr kumimoji="1" lang="ja-JP" altLang="en-US" dirty="0"/>
-                    </a:p>
-                  </a:txBody>
-                  <a:tcPr/>
-                </a:tc>
-                <a:tc>
-                  <a:txBody>
-                    <a:bodyPr/>
-                    <a:lstStyle/>
-                    <a:p>
-                      <a:r>
-                        <a:rPr kumimoji="1" lang="en-US" altLang="ja-JP" dirty="0"/>
-                        <a:t>7.4</a:t>
-                      </a:r>
-                      <a:endParaRPr kumimoji="1" lang="ja-JP" altLang="en-US" dirty="0"/>
-                    </a:p>
-                  </a:txBody>
-                  <a:tcPr/>
-                </a:tc>
-                <a:extLst>
-                  <a:ext uri="{0D108BD9-81ED-4DB2-BD59-A6C34878D82A}">
-                    <a16:rowId xmlns:a16="http://schemas.microsoft.com/office/drawing/2014/main" val="2534638564"/>
-                  </a:ext>
-                </a:extLst>
-              </a:tr>
-              <a:tr h="370840">
-                <a:tc>
-                  <a:txBody>
-                    <a:bodyPr/>
-                    <a:lstStyle/>
-                    <a:p>
-                      <a:r>
-                        <a:rPr kumimoji="1" lang="en-US" altLang="ja-JP" dirty="0"/>
-                        <a:t>0.2</a:t>
-                      </a:r>
-                      <a:endParaRPr kumimoji="1" lang="ja-JP" altLang="en-US" dirty="0"/>
-                    </a:p>
-                  </a:txBody>
-                  <a:tcPr/>
-                </a:tc>
-                <a:tc>
-                  <a:txBody>
-                    <a:bodyPr/>
-                    <a:lstStyle/>
-                    <a:p>
-                      <a:r>
-                        <a:rPr kumimoji="1" lang="en-US" altLang="ja-JP" dirty="0"/>
-                        <a:t>8</a:t>
-                      </a:r>
-                      <a:endParaRPr kumimoji="1" lang="ja-JP" altLang="en-US" dirty="0"/>
-                    </a:p>
-                  </a:txBody>
-                  <a:tcPr/>
-                </a:tc>
-                <a:tc>
-                  <a:txBody>
-                    <a:bodyPr/>
-                    <a:lstStyle/>
-                    <a:p>
-                      <a:r>
-                        <a:rPr kumimoji="1" lang="en-US" altLang="ja-JP" dirty="0"/>
-                        <a:t>9</a:t>
-                      </a:r>
-                      <a:endParaRPr kumimoji="1" lang="ja-JP" altLang="en-US" dirty="0"/>
-                    </a:p>
-                  </a:txBody>
-                  <a:tcPr/>
-                </a:tc>
-                <a:tc>
-                  <a:txBody>
-                    <a:bodyPr/>
-                    <a:lstStyle/>
-                    <a:p>
-                      <a:r>
-                        <a:rPr kumimoji="1" lang="en-US" altLang="ja-JP" dirty="0"/>
-                        <a:t>8.2</a:t>
-                      </a:r>
-                      <a:endParaRPr kumimoji="1" lang="ja-JP" altLang="en-US" dirty="0"/>
-                    </a:p>
-                  </a:txBody>
-                  <a:tcPr/>
-                </a:tc>
-                <a:extLst>
-                  <a:ext uri="{0D108BD9-81ED-4DB2-BD59-A6C34878D82A}">
-                    <a16:rowId xmlns:a16="http://schemas.microsoft.com/office/drawing/2014/main" val="3043810087"/>
-                  </a:ext>
-                </a:extLst>
-              </a:tr>
-              <a:tr h="370840">
-                <a:tc>
-                  <a:txBody>
-                    <a:bodyPr/>
-                    <a:lstStyle/>
-                    <a:p>
-                      <a:r>
-                        <a:rPr kumimoji="1" lang="en-US" altLang="ja-JP" dirty="0"/>
-                        <a:t>0.3</a:t>
-                      </a:r>
-                      <a:endParaRPr kumimoji="1" lang="ja-JP" altLang="en-US" dirty="0"/>
-                    </a:p>
-                  </a:txBody>
-                  <a:tcPr/>
-                </a:tc>
-                <a:tc>
-                  <a:txBody>
-                    <a:bodyPr/>
-                    <a:lstStyle/>
-                    <a:p>
-                      <a:r>
-                        <a:rPr kumimoji="1" lang="en-US" altLang="ja-JP" dirty="0"/>
-                        <a:t>7</a:t>
-                      </a:r>
-                      <a:endParaRPr kumimoji="1" lang="ja-JP" altLang="en-US" dirty="0"/>
-                    </a:p>
-                  </a:txBody>
-                  <a:tcPr/>
-                </a:tc>
-                <a:tc>
-                  <a:txBody>
-                    <a:bodyPr/>
-                    <a:lstStyle/>
-                    <a:p>
-                      <a:r>
-                        <a:rPr kumimoji="1" lang="en-US" altLang="ja-JP" dirty="0"/>
-                        <a:t>10</a:t>
-                      </a:r>
-                      <a:endParaRPr kumimoji="1" lang="ja-JP" altLang="en-US" dirty="0"/>
-                    </a:p>
-                  </a:txBody>
-                  <a:tcPr/>
-                </a:tc>
-                <a:tc>
-                  <a:txBody>
-                    <a:bodyPr/>
-                    <a:lstStyle/>
-                    <a:p>
-                      <a:r>
-                        <a:rPr kumimoji="1" lang="en-US" altLang="ja-JP" dirty="0"/>
-                        <a:t>8.1</a:t>
-                      </a:r>
-                      <a:endParaRPr kumimoji="1" lang="ja-JP" altLang="en-US" dirty="0"/>
-                    </a:p>
-                  </a:txBody>
-                  <a:tcPr/>
-                </a:tc>
-                <a:extLst>
-                  <a:ext uri="{0D108BD9-81ED-4DB2-BD59-A6C34878D82A}">
-                    <a16:rowId xmlns:a16="http://schemas.microsoft.com/office/drawing/2014/main" val="1398615802"/>
-                  </a:ext>
-                </a:extLst>
-              </a:tr>
-              <a:tr h="370840">
-                <a:tc>
-                  <a:txBody>
-                    <a:bodyPr/>
-                    <a:lstStyle/>
-                    <a:p>
-                      <a:r>
-                        <a:rPr kumimoji="1" lang="en-US" altLang="ja-JP" dirty="0"/>
-                        <a:t>0.4</a:t>
-                      </a:r>
-                      <a:endParaRPr kumimoji="1" lang="ja-JP" altLang="en-US" dirty="0"/>
-                    </a:p>
-                  </a:txBody>
-                  <a:tcPr/>
-                </a:tc>
-                <a:tc>
-                  <a:txBody>
-                    <a:bodyPr/>
-                    <a:lstStyle/>
-                    <a:p>
-                      <a:r>
-                        <a:rPr kumimoji="1" lang="en-US" altLang="ja-JP" dirty="0"/>
-                        <a:t>7</a:t>
-                      </a:r>
-                      <a:endParaRPr kumimoji="1" lang="ja-JP" altLang="en-US" dirty="0"/>
-                    </a:p>
-                  </a:txBody>
-                  <a:tcPr/>
-                </a:tc>
-                <a:tc>
-                  <a:txBody>
-                    <a:bodyPr/>
-                    <a:lstStyle/>
-                    <a:p>
-                      <a:r>
-                        <a:rPr kumimoji="1" lang="en-US" altLang="ja-JP" dirty="0"/>
-                        <a:t>10</a:t>
-                      </a:r>
-                      <a:endParaRPr kumimoji="1" lang="ja-JP" altLang="en-US" dirty="0"/>
-                    </a:p>
-                  </a:txBody>
-                  <a:tcPr/>
-                </a:tc>
-                <a:tc>
-                  <a:txBody>
-                    <a:bodyPr/>
-                    <a:lstStyle/>
-                    <a:p>
-                      <a:r>
-                        <a:rPr kumimoji="1" lang="en-US" altLang="ja-JP" dirty="0"/>
-                        <a:t>7.9</a:t>
-                      </a:r>
-                      <a:endParaRPr kumimoji="1" lang="ja-JP" altLang="en-US" dirty="0"/>
-                    </a:p>
-                  </a:txBody>
-                  <a:tcPr/>
-                </a:tc>
-                <a:extLst>
-                  <a:ext uri="{0D108BD9-81ED-4DB2-BD59-A6C34878D82A}">
-                    <a16:rowId xmlns:a16="http://schemas.microsoft.com/office/drawing/2014/main" val="1488796844"/>
-                  </a:ext>
-                </a:extLst>
-              </a:tr>
-              <a:tr h="370840">
-                <a:tc>
-                  <a:txBody>
-                    <a:bodyPr/>
-                    <a:lstStyle/>
-                    <a:p>
-                      <a:r>
-                        <a:rPr kumimoji="1" lang="en-US" altLang="ja-JP" dirty="0"/>
-                        <a:t>0.5</a:t>
-                      </a:r>
-                    </a:p>
-                  </a:txBody>
-                  <a:tcPr/>
-                </a:tc>
-                <a:tc>
-                  <a:txBody>
-                    <a:bodyPr/>
-                    <a:lstStyle/>
-                    <a:p>
-                      <a:r>
-                        <a:rPr kumimoji="1" lang="en-US" altLang="ja-JP" dirty="0"/>
-                        <a:t>6</a:t>
-                      </a:r>
-                      <a:endParaRPr kumimoji="1" lang="ja-JP" altLang="en-US" dirty="0"/>
-                    </a:p>
-                  </a:txBody>
-                  <a:tcPr/>
-                </a:tc>
-                <a:tc>
-                  <a:txBody>
-                    <a:bodyPr/>
-                    <a:lstStyle/>
-                    <a:p>
-                      <a:r>
-                        <a:rPr kumimoji="1" lang="en-US" altLang="ja-JP" dirty="0"/>
-                        <a:t>11</a:t>
-                      </a:r>
-                      <a:endParaRPr kumimoji="1" lang="ja-JP" altLang="en-US" dirty="0"/>
-                    </a:p>
-                  </a:txBody>
-                  <a:tcPr/>
-                </a:tc>
-                <a:tc>
-                  <a:txBody>
-                    <a:bodyPr/>
-                    <a:lstStyle/>
-                    <a:p>
-                      <a:r>
-                        <a:rPr kumimoji="1" lang="en-US" altLang="ja-JP" dirty="0"/>
-                        <a:t>8.2</a:t>
-                      </a:r>
-                      <a:endParaRPr kumimoji="1" lang="ja-JP" altLang="en-US" dirty="0"/>
-                    </a:p>
-                  </a:txBody>
-                  <a:tcPr/>
-                </a:tc>
-                <a:extLst>
-                  <a:ext uri="{0D108BD9-81ED-4DB2-BD59-A6C34878D82A}">
-                    <a16:rowId xmlns:a16="http://schemas.microsoft.com/office/drawing/2014/main" val="2664121103"/>
-                  </a:ext>
-                </a:extLst>
-              </a:tr>
-              <a:tr h="370840">
-                <a:tc>
-                  <a:txBody>
-                    <a:bodyPr/>
-                    <a:lstStyle/>
-                    <a:p>
-                      <a:r>
-                        <a:rPr kumimoji="1" lang="en-US" altLang="ja-JP" dirty="0"/>
-                        <a:t>0.6</a:t>
-                      </a:r>
-                      <a:endParaRPr kumimoji="1" lang="ja-JP" altLang="en-US" dirty="0"/>
-                    </a:p>
-                  </a:txBody>
-                  <a:tcPr/>
-                </a:tc>
-                <a:tc>
-                  <a:txBody>
-                    <a:bodyPr/>
-                    <a:lstStyle/>
-                    <a:p>
-                      <a:r>
-                        <a:rPr kumimoji="1" lang="en-US" altLang="ja-JP" dirty="0"/>
-                        <a:t>5</a:t>
-                      </a:r>
-                      <a:endParaRPr kumimoji="1" lang="ja-JP" altLang="en-US" dirty="0"/>
-                    </a:p>
-                  </a:txBody>
-                  <a:tcPr/>
-                </a:tc>
-                <a:tc>
-                  <a:txBody>
-                    <a:bodyPr/>
-                    <a:lstStyle/>
-                    <a:p>
-                      <a:r>
-                        <a:rPr kumimoji="1" lang="en-US" altLang="ja-JP" dirty="0"/>
-                        <a:t>11</a:t>
-                      </a:r>
-                      <a:endParaRPr kumimoji="1" lang="ja-JP" altLang="en-US" dirty="0"/>
-                    </a:p>
-                  </a:txBody>
-                  <a:tcPr/>
-                </a:tc>
-                <a:tc>
-                  <a:txBody>
-                    <a:bodyPr/>
-                    <a:lstStyle/>
-                    <a:p>
-                      <a:r>
-                        <a:rPr kumimoji="1" lang="en-US" altLang="ja-JP" dirty="0"/>
-                        <a:t>7.5</a:t>
-                      </a:r>
-                      <a:endParaRPr kumimoji="1" lang="ja-JP" altLang="en-US" dirty="0"/>
-                    </a:p>
-                  </a:txBody>
-                  <a:tcPr/>
-                </a:tc>
-                <a:extLst>
-                  <a:ext uri="{0D108BD9-81ED-4DB2-BD59-A6C34878D82A}">
-                    <a16:rowId xmlns:a16="http://schemas.microsoft.com/office/drawing/2014/main" val="1967563761"/>
-                  </a:ext>
-                </a:extLst>
-              </a:tr>
-              <a:tr h="370840">
-                <a:tc>
-                  <a:txBody>
-                    <a:bodyPr/>
-                    <a:lstStyle/>
-                    <a:p>
-                      <a:r>
-                        <a:rPr kumimoji="1" lang="en-US" altLang="ja-JP" dirty="0"/>
-                        <a:t>0.7</a:t>
-                      </a:r>
-                      <a:endParaRPr kumimoji="1" lang="ja-JP" altLang="en-US" dirty="0"/>
-                    </a:p>
-                  </a:txBody>
-                  <a:tcPr/>
-                </a:tc>
-                <a:tc>
-                  <a:txBody>
-                    <a:bodyPr/>
-                    <a:lstStyle/>
-                    <a:p>
-                      <a:r>
-                        <a:rPr kumimoji="1" lang="en-US" altLang="ja-JP" dirty="0"/>
-                        <a:t>5</a:t>
-                      </a:r>
-                      <a:endParaRPr kumimoji="1" lang="ja-JP" altLang="en-US" dirty="0"/>
-                    </a:p>
-                  </a:txBody>
-                  <a:tcPr/>
-                </a:tc>
-                <a:tc>
-                  <a:txBody>
-                    <a:bodyPr/>
-                    <a:lstStyle/>
-                    <a:p>
-                      <a:r>
-                        <a:rPr kumimoji="1" lang="en-US" altLang="ja-JP" dirty="0"/>
-                        <a:t>11</a:t>
-                      </a:r>
-                      <a:endParaRPr kumimoji="1" lang="ja-JP" altLang="en-US" dirty="0"/>
-                    </a:p>
-                  </a:txBody>
-                  <a:tcPr/>
-                </a:tc>
-                <a:tc>
-                  <a:txBody>
-                    <a:bodyPr/>
-                    <a:lstStyle/>
-                    <a:p>
-                      <a:r>
-                        <a:rPr kumimoji="1" lang="en-US" altLang="ja-JP" dirty="0"/>
-                        <a:t>8.2</a:t>
-                      </a:r>
-                      <a:endParaRPr kumimoji="1" lang="ja-JP" altLang="en-US" dirty="0"/>
-                    </a:p>
-                  </a:txBody>
-                  <a:tcPr/>
-                </a:tc>
-                <a:extLst>
-                  <a:ext uri="{0D108BD9-81ED-4DB2-BD59-A6C34878D82A}">
-                    <a16:rowId xmlns:a16="http://schemas.microsoft.com/office/drawing/2014/main" val="1874551811"/>
-                  </a:ext>
-                </a:extLst>
-              </a:tr>
-              <a:tr h="370840">
-                <a:tc>
-                  <a:txBody>
-                    <a:bodyPr/>
-                    <a:lstStyle/>
-                    <a:p>
-                      <a:r>
-                        <a:rPr kumimoji="1" lang="en-US" altLang="ja-JP" dirty="0"/>
-                        <a:t>0.8</a:t>
-                      </a:r>
-                      <a:endParaRPr kumimoji="1" lang="ja-JP" altLang="en-US" dirty="0"/>
-                    </a:p>
-                  </a:txBody>
-                  <a:tcPr/>
-                </a:tc>
-                <a:tc>
-                  <a:txBody>
-                    <a:bodyPr/>
-                    <a:lstStyle/>
-                    <a:p>
-                      <a:r>
-                        <a:rPr kumimoji="1" lang="en-US" altLang="ja-JP" dirty="0"/>
-                        <a:t>5</a:t>
-                      </a:r>
-                      <a:endParaRPr kumimoji="1" lang="ja-JP" altLang="en-US" dirty="0"/>
-                    </a:p>
-                  </a:txBody>
-                  <a:tcPr/>
-                </a:tc>
-                <a:tc>
-                  <a:txBody>
-                    <a:bodyPr/>
-                    <a:lstStyle/>
-                    <a:p>
-                      <a:r>
-                        <a:rPr kumimoji="1" lang="en-US" altLang="ja-JP" dirty="0"/>
-                        <a:t>11</a:t>
-                      </a:r>
-                      <a:endParaRPr kumimoji="1" lang="ja-JP" altLang="en-US" dirty="0"/>
-                    </a:p>
-                  </a:txBody>
-                  <a:tcPr/>
-                </a:tc>
-                <a:tc>
-                  <a:txBody>
-                    <a:bodyPr/>
-                    <a:lstStyle/>
-                    <a:p>
-                      <a:r>
-                        <a:rPr kumimoji="1" lang="en-US" altLang="ja-JP" dirty="0"/>
-                        <a:t>8.5</a:t>
-                      </a:r>
-                      <a:endParaRPr kumimoji="1" lang="ja-JP" altLang="en-US" dirty="0"/>
-                    </a:p>
-                  </a:txBody>
-                  <a:tcPr/>
-                </a:tc>
-                <a:extLst>
-                  <a:ext uri="{0D108BD9-81ED-4DB2-BD59-A6C34878D82A}">
-                    <a16:rowId xmlns:a16="http://schemas.microsoft.com/office/drawing/2014/main" val="129328244"/>
-                  </a:ext>
-                </a:extLst>
-              </a:tr>
-              <a:tr h="370840">
-                <a:tc>
-                  <a:txBody>
-                    <a:bodyPr/>
-                    <a:lstStyle/>
-                    <a:p>
-                      <a:r>
-                        <a:rPr kumimoji="1" lang="en-US" altLang="ja-JP" dirty="0"/>
-                        <a:t>0.9</a:t>
-                      </a:r>
-                      <a:endParaRPr kumimoji="1" lang="ja-JP" altLang="en-US" dirty="0"/>
-                    </a:p>
-                  </a:txBody>
-                  <a:tcPr/>
-                </a:tc>
-                <a:tc>
-                  <a:txBody>
-                    <a:bodyPr/>
-                    <a:lstStyle/>
-                    <a:p>
-                      <a:r>
-                        <a:rPr kumimoji="1" lang="en-US" altLang="ja-JP" dirty="0"/>
-                        <a:t>4</a:t>
-                      </a:r>
-                      <a:endParaRPr kumimoji="1" lang="ja-JP" altLang="en-US" dirty="0"/>
-                    </a:p>
-                  </a:txBody>
-                  <a:tcPr/>
-                </a:tc>
-                <a:tc>
-                  <a:txBody>
-                    <a:bodyPr/>
-                    <a:lstStyle/>
-                    <a:p>
-                      <a:r>
-                        <a:rPr kumimoji="1" lang="en-US" altLang="ja-JP" dirty="0"/>
-                        <a:t>12</a:t>
-                      </a:r>
-                      <a:endParaRPr kumimoji="1" lang="ja-JP" altLang="en-US" dirty="0"/>
-                    </a:p>
-                  </a:txBody>
-                  <a:tcPr/>
-                </a:tc>
-                <a:tc>
-                  <a:txBody>
-                    <a:bodyPr/>
-                    <a:lstStyle/>
-                    <a:p>
-                      <a:r>
-                        <a:rPr kumimoji="1" lang="en-US" altLang="ja-JP" dirty="0"/>
-                        <a:t>8.4</a:t>
-                      </a:r>
-                      <a:endParaRPr kumimoji="1" lang="ja-JP" altLang="en-US" dirty="0"/>
-                    </a:p>
-                  </a:txBody>
-                  <a:tcPr/>
-                </a:tc>
-                <a:extLst>
-                  <a:ext uri="{0D108BD9-81ED-4DB2-BD59-A6C34878D82A}">
-                    <a16:rowId xmlns:a16="http://schemas.microsoft.com/office/drawing/2014/main" val="3361568843"/>
-                  </a:ext>
-                </a:extLst>
-              </a:tr>
-              <a:tr h="370840">
-                <a:tc>
-                  <a:txBody>
-                    <a:bodyPr/>
-                    <a:lstStyle/>
-                    <a:p>
-                      <a:r>
-                        <a:rPr kumimoji="1" lang="en-US" altLang="ja-JP" dirty="0"/>
-                        <a:t>1.0</a:t>
-                      </a:r>
-                      <a:endParaRPr kumimoji="1" lang="ja-JP" altLang="en-US" dirty="0"/>
-                    </a:p>
-                  </a:txBody>
-                  <a:tcPr/>
-                </a:tc>
-                <a:tc>
-                  <a:txBody>
-                    <a:bodyPr/>
-                    <a:lstStyle/>
-                    <a:p>
-                      <a:r>
-                        <a:rPr kumimoji="1" lang="en-US" altLang="ja-JP" dirty="0"/>
-                        <a:t>5</a:t>
-                      </a:r>
-                      <a:endParaRPr kumimoji="1" lang="ja-JP" altLang="en-US" dirty="0"/>
-                    </a:p>
-                  </a:txBody>
-                  <a:tcPr/>
-                </a:tc>
-                <a:tc>
-                  <a:txBody>
-                    <a:bodyPr/>
-                    <a:lstStyle/>
-                    <a:p>
-                      <a:r>
-                        <a:rPr kumimoji="1" lang="en-US" altLang="ja-JP" dirty="0"/>
-                        <a:t>12</a:t>
-                      </a:r>
-                      <a:endParaRPr kumimoji="1" lang="ja-JP" altLang="en-US" dirty="0"/>
-                    </a:p>
-                  </a:txBody>
-                  <a:tcPr/>
-                </a:tc>
-                <a:tc>
-                  <a:txBody>
-                    <a:bodyPr/>
-                    <a:lstStyle/>
-                    <a:p>
-                      <a:r>
-                        <a:rPr kumimoji="1" lang="en-US" altLang="ja-JP" dirty="0"/>
-                        <a:t>8.7</a:t>
-                      </a:r>
-                      <a:endParaRPr kumimoji="1" lang="ja-JP" altLang="en-US" dirty="0"/>
-                    </a:p>
-                  </a:txBody>
-                  <a:tcPr/>
-                </a:tc>
-                <a:extLst>
-                  <a:ext uri="{0D108BD9-81ED-4DB2-BD59-A6C34878D82A}">
-                    <a16:rowId xmlns:a16="http://schemas.microsoft.com/office/drawing/2014/main" val="678200452"/>
-                  </a:ext>
-                </a:extLst>
-              </a:tr>
-            </a:tbl>
-          </a:graphicData>
-        </a:graphic>
-      </p:graphicFrame>
       <p:sp>
         <p:nvSpPr>
           <p:cNvPr id="4" name="スライド番号プレースホルダー 3">
             <a:extLst>
               <a:ext uri="{FF2B5EF4-FFF2-40B4-BE49-F238E27FC236}">
-                <a16:creationId xmlns:a16="http://schemas.microsoft.com/office/drawing/2014/main" id="{33A3345E-63C7-691A-7206-F3B1B3199CC2}"/>
+                <a16:creationId xmlns:a16="http://schemas.microsoft.com/office/drawing/2014/main" id="{934DFF9C-9E16-0874-E371-A67C3105C43A}"/>
               </a:ext>
             </a:extLst>
           </p:cNvPr>
@@ -6598,898 +9177,64 @@
       </p:sp>
       <p:graphicFrame>
         <p:nvGraphicFramePr>
-          <p:cNvPr id="7" name="コンテンツ プレースホルダー 4">
+          <p:cNvPr id="12" name="グラフ 11">
             <a:extLst>
               <a:ext uri="{FF2B5EF4-FFF2-40B4-BE49-F238E27FC236}">
-                <a16:creationId xmlns:a16="http://schemas.microsoft.com/office/drawing/2014/main" id="{BF8E93EA-26EF-88C7-7A0E-EA1726047AEC}"/>
+                <a16:creationId xmlns:a16="http://schemas.microsoft.com/office/drawing/2014/main" id="{3A567038-DA06-C019-3780-DB89ADBD9072}"/>
               </a:ext>
             </a:extLst>
           </p:cNvPr>
-          <p:cNvGraphicFramePr>
-            <a:graphicFrameLocks/>
-          </p:cNvGraphicFramePr>
+          <p:cNvGraphicFramePr/>
           <p:nvPr>
             <p:extLst>
               <p:ext uri="{D42A27DB-BD31-4B8C-83A1-F6EECF244321}">
-                <p14:modId xmlns:p14="http://schemas.microsoft.com/office/powerpoint/2010/main" val="2995467743"/>
+                <p14:modId xmlns:p14="http://schemas.microsoft.com/office/powerpoint/2010/main" val="105760390"/>
               </p:ext>
             </p:extLst>
           </p:nvPr>
         </p:nvGraphicFramePr>
         <p:xfrm>
-          <a:off x="6286341" y="1897815"/>
-          <a:ext cx="4648518" cy="4450080"/>
+          <a:off x="593493" y="1690688"/>
+          <a:ext cx="5389618" cy="4665662"/>
         </p:xfrm>
         <a:graphic>
-          <a:graphicData uri="http://schemas.openxmlformats.org/drawingml/2006/table">
-            <a:tbl>
-              <a:tblPr firstRow="1" bandRow="1">
-                <a:tableStyleId>{5C22544A-7EE6-4342-B048-85BDC9FD1C3A}</a:tableStyleId>
-              </a:tblPr>
-              <a:tblGrid>
-                <a:gridCol w="810127">
-                  <a:extLst>
-                    <a:ext uri="{9D8B030D-6E8A-4147-A177-3AD203B41FA5}">
-                      <a16:colId xmlns:a16="http://schemas.microsoft.com/office/drawing/2014/main" val="2270667386"/>
-                    </a:ext>
-                  </a:extLst>
-                </a:gridCol>
-                <a:gridCol w="1209491">
-                  <a:extLst>
-                    <a:ext uri="{9D8B030D-6E8A-4147-A177-3AD203B41FA5}">
-                      <a16:colId xmlns:a16="http://schemas.microsoft.com/office/drawing/2014/main" val="3848557299"/>
-                    </a:ext>
-                  </a:extLst>
-                </a:gridCol>
-                <a:gridCol w="1314450">
-                  <a:extLst>
-                    <a:ext uri="{9D8B030D-6E8A-4147-A177-3AD203B41FA5}">
-                      <a16:colId xmlns:a16="http://schemas.microsoft.com/office/drawing/2014/main" val="1957530948"/>
-                    </a:ext>
-                  </a:extLst>
-                </a:gridCol>
-                <a:gridCol w="1314450">
-                  <a:extLst>
-                    <a:ext uri="{9D8B030D-6E8A-4147-A177-3AD203B41FA5}">
-                      <a16:colId xmlns:a16="http://schemas.microsoft.com/office/drawing/2014/main" val="35980887"/>
-                    </a:ext>
-                  </a:extLst>
-                </a:gridCol>
-              </a:tblGrid>
-              <a:tr h="370840">
-                <a:tc>
-                  <a:txBody>
-                    <a:bodyPr/>
-                    <a:lstStyle/>
-                    <a:p>
-                      <a:pPr algn="ctr"/>
-                      <a:r>
-                        <a:rPr kumimoji="1" lang="ja-JP" altLang="en-US" dirty="0"/>
-                        <a:t>温度</a:t>
-                      </a:r>
-                    </a:p>
-                  </a:txBody>
-                  <a:tcPr/>
-                </a:tc>
-                <a:tc>
-                  <a:txBody>
-                    <a:bodyPr/>
-                    <a:lstStyle/>
-                    <a:p>
-                      <a:pPr algn="ctr"/>
-                      <a:r>
-                        <a:rPr kumimoji="1" lang="ja-JP" altLang="en-US" dirty="0"/>
-                        <a:t>最小数</a:t>
-                      </a:r>
-                    </a:p>
-                  </a:txBody>
-                  <a:tcPr/>
-                </a:tc>
-                <a:tc>
-                  <a:txBody>
-                    <a:bodyPr/>
-                    <a:lstStyle/>
-                    <a:p>
-                      <a:pPr algn="ctr"/>
-                      <a:r>
-                        <a:rPr kumimoji="1" lang="ja-JP" altLang="en-US" dirty="0"/>
-                        <a:t>最大数</a:t>
-                      </a:r>
-                    </a:p>
-                  </a:txBody>
-                  <a:tcPr/>
-                </a:tc>
-                <a:tc>
-                  <a:txBody>
-                    <a:bodyPr/>
-                    <a:lstStyle/>
-                    <a:p>
-                      <a:pPr algn="ctr"/>
-                      <a:r>
-                        <a:rPr kumimoji="1" lang="ja-JP" altLang="en-US" dirty="0"/>
-                        <a:t>平均数</a:t>
-                      </a:r>
-                    </a:p>
-                  </a:txBody>
-                  <a:tcPr/>
-                </a:tc>
-                <a:extLst>
-                  <a:ext uri="{0D108BD9-81ED-4DB2-BD59-A6C34878D82A}">
-                    <a16:rowId xmlns:a16="http://schemas.microsoft.com/office/drawing/2014/main" val="3871198481"/>
-                  </a:ext>
-                </a:extLst>
-              </a:tr>
-              <a:tr h="370840">
-                <a:tc>
-                  <a:txBody>
-                    <a:bodyPr/>
-                    <a:lstStyle/>
-                    <a:p>
-                      <a:r>
-                        <a:rPr kumimoji="1" lang="en-US" altLang="ja-JP" dirty="0"/>
-                        <a:t>0.0</a:t>
-                      </a:r>
-                      <a:endParaRPr kumimoji="1" lang="ja-JP" altLang="en-US" dirty="0"/>
-                    </a:p>
-                  </a:txBody>
-                  <a:tcPr/>
-                </a:tc>
-                <a:tc>
-                  <a:txBody>
-                    <a:bodyPr/>
-                    <a:lstStyle/>
-                    <a:p>
-                      <a:r>
-                        <a:rPr kumimoji="1" lang="en-US" altLang="ja-JP" dirty="0"/>
-                        <a:t>8</a:t>
-                      </a:r>
-                    </a:p>
-                  </a:txBody>
-                  <a:tcPr/>
-                </a:tc>
-                <a:tc>
-                  <a:txBody>
-                    <a:bodyPr/>
-                    <a:lstStyle/>
-                    <a:p>
-                      <a:r>
-                        <a:rPr kumimoji="1" lang="en-US" altLang="ja-JP" dirty="0"/>
-                        <a:t>10</a:t>
-                      </a:r>
-                      <a:endParaRPr kumimoji="1" lang="ja-JP" altLang="en-US" dirty="0"/>
-                    </a:p>
-                  </a:txBody>
-                  <a:tcPr/>
-                </a:tc>
-                <a:tc>
-                  <a:txBody>
-                    <a:bodyPr/>
-                    <a:lstStyle/>
-                    <a:p>
-                      <a:r>
-                        <a:rPr kumimoji="1" lang="en-US" altLang="ja-JP" dirty="0"/>
-                        <a:t>8.5</a:t>
-                      </a:r>
-                      <a:endParaRPr kumimoji="1" lang="ja-JP" altLang="en-US" dirty="0"/>
-                    </a:p>
-                  </a:txBody>
-                  <a:tcPr/>
-                </a:tc>
-                <a:extLst>
-                  <a:ext uri="{0D108BD9-81ED-4DB2-BD59-A6C34878D82A}">
-                    <a16:rowId xmlns:a16="http://schemas.microsoft.com/office/drawing/2014/main" val="1444793946"/>
-                  </a:ext>
-                </a:extLst>
-              </a:tr>
-              <a:tr h="370840">
-                <a:tc>
-                  <a:txBody>
-                    <a:bodyPr/>
-                    <a:lstStyle/>
-                    <a:p>
-                      <a:r>
-                        <a:rPr kumimoji="1" lang="en-US" altLang="ja-JP" dirty="0"/>
-                        <a:t>0.1</a:t>
-                      </a:r>
-                      <a:endParaRPr kumimoji="1" lang="ja-JP" altLang="en-US" dirty="0"/>
-                    </a:p>
-                  </a:txBody>
-                  <a:tcPr/>
-                </a:tc>
-                <a:tc>
-                  <a:txBody>
-                    <a:bodyPr/>
-                    <a:lstStyle/>
-                    <a:p>
-                      <a:r>
-                        <a:rPr kumimoji="1" lang="en-US" altLang="ja-JP" dirty="0"/>
-                        <a:t>8</a:t>
-                      </a:r>
-                      <a:endParaRPr kumimoji="1" lang="ja-JP" altLang="en-US" dirty="0"/>
-                    </a:p>
-                  </a:txBody>
-                  <a:tcPr/>
-                </a:tc>
-                <a:tc>
-                  <a:txBody>
-                    <a:bodyPr/>
-                    <a:lstStyle/>
-                    <a:p>
-                      <a:r>
-                        <a:rPr kumimoji="1" lang="en-US" altLang="ja-JP" dirty="0"/>
-                        <a:t>10</a:t>
-                      </a:r>
-                      <a:endParaRPr kumimoji="1" lang="ja-JP" altLang="en-US" dirty="0"/>
-                    </a:p>
-                  </a:txBody>
-                  <a:tcPr/>
-                </a:tc>
-                <a:tc>
-                  <a:txBody>
-                    <a:bodyPr/>
-                    <a:lstStyle/>
-                    <a:p>
-                      <a:r>
-                        <a:rPr kumimoji="1" lang="en-US" altLang="ja-JP" dirty="0"/>
-                        <a:t>8.3</a:t>
-                      </a:r>
-                      <a:endParaRPr kumimoji="1" lang="ja-JP" altLang="en-US" dirty="0"/>
-                    </a:p>
-                  </a:txBody>
-                  <a:tcPr/>
-                </a:tc>
-                <a:extLst>
-                  <a:ext uri="{0D108BD9-81ED-4DB2-BD59-A6C34878D82A}">
-                    <a16:rowId xmlns:a16="http://schemas.microsoft.com/office/drawing/2014/main" val="2534638564"/>
-                  </a:ext>
-                </a:extLst>
-              </a:tr>
-              <a:tr h="370840">
-                <a:tc>
-                  <a:txBody>
-                    <a:bodyPr/>
-                    <a:lstStyle/>
-                    <a:p>
-                      <a:r>
-                        <a:rPr kumimoji="1" lang="en-US" altLang="ja-JP" dirty="0"/>
-                        <a:t>0.2</a:t>
-                      </a:r>
-                      <a:endParaRPr kumimoji="1" lang="ja-JP" altLang="en-US" dirty="0"/>
-                    </a:p>
-                  </a:txBody>
-                  <a:tcPr/>
-                </a:tc>
-                <a:tc>
-                  <a:txBody>
-                    <a:bodyPr/>
-                    <a:lstStyle/>
-                    <a:p>
-                      <a:r>
-                        <a:rPr kumimoji="1" lang="en-US" altLang="ja-JP" dirty="0"/>
-                        <a:t>7</a:t>
-                      </a:r>
-                      <a:endParaRPr kumimoji="1" lang="ja-JP" altLang="en-US" dirty="0"/>
-                    </a:p>
-                  </a:txBody>
-                  <a:tcPr/>
-                </a:tc>
-                <a:tc>
-                  <a:txBody>
-                    <a:bodyPr/>
-                    <a:lstStyle/>
-                    <a:p>
-                      <a:r>
-                        <a:rPr kumimoji="1" lang="en-US" altLang="ja-JP" dirty="0"/>
-                        <a:t>11</a:t>
-                      </a:r>
-                      <a:endParaRPr kumimoji="1" lang="ja-JP" altLang="en-US" dirty="0"/>
-                    </a:p>
-                  </a:txBody>
-                  <a:tcPr/>
-                </a:tc>
-                <a:tc>
-                  <a:txBody>
-                    <a:bodyPr/>
-                    <a:lstStyle/>
-                    <a:p>
-                      <a:r>
-                        <a:rPr kumimoji="1" lang="en-US" altLang="ja-JP" dirty="0"/>
-                        <a:t>8.8</a:t>
-                      </a:r>
-                      <a:endParaRPr kumimoji="1" lang="ja-JP" altLang="en-US" dirty="0"/>
-                    </a:p>
-                  </a:txBody>
-                  <a:tcPr/>
-                </a:tc>
-                <a:extLst>
-                  <a:ext uri="{0D108BD9-81ED-4DB2-BD59-A6C34878D82A}">
-                    <a16:rowId xmlns:a16="http://schemas.microsoft.com/office/drawing/2014/main" val="3043810087"/>
-                  </a:ext>
-                </a:extLst>
-              </a:tr>
-              <a:tr h="370840">
-                <a:tc>
-                  <a:txBody>
-                    <a:bodyPr/>
-                    <a:lstStyle/>
-                    <a:p>
-                      <a:r>
-                        <a:rPr kumimoji="1" lang="en-US" altLang="ja-JP" dirty="0"/>
-                        <a:t>0.3</a:t>
-                      </a:r>
-                      <a:endParaRPr kumimoji="1" lang="ja-JP" altLang="en-US" dirty="0"/>
-                    </a:p>
-                  </a:txBody>
-                  <a:tcPr/>
-                </a:tc>
-                <a:tc>
-                  <a:txBody>
-                    <a:bodyPr/>
-                    <a:lstStyle/>
-                    <a:p>
-                      <a:r>
-                        <a:rPr kumimoji="1" lang="en-US" altLang="ja-JP" dirty="0"/>
-                        <a:t>8</a:t>
-                      </a:r>
-                      <a:endParaRPr kumimoji="1" lang="ja-JP" altLang="en-US" dirty="0"/>
-                    </a:p>
-                  </a:txBody>
-                  <a:tcPr/>
-                </a:tc>
-                <a:tc>
-                  <a:txBody>
-                    <a:bodyPr/>
-                    <a:lstStyle/>
-                    <a:p>
-                      <a:r>
-                        <a:rPr kumimoji="1" lang="en-US" altLang="ja-JP" dirty="0"/>
-                        <a:t>13</a:t>
-                      </a:r>
-                      <a:endParaRPr kumimoji="1" lang="ja-JP" altLang="en-US" dirty="0"/>
-                    </a:p>
-                  </a:txBody>
-                  <a:tcPr/>
-                </a:tc>
-                <a:tc>
-                  <a:txBody>
-                    <a:bodyPr/>
-                    <a:lstStyle/>
-                    <a:p>
-                      <a:r>
-                        <a:rPr kumimoji="1" lang="en-US" altLang="ja-JP" dirty="0"/>
-                        <a:t>9.2</a:t>
-                      </a:r>
-                      <a:endParaRPr kumimoji="1" lang="ja-JP" altLang="en-US" dirty="0"/>
-                    </a:p>
-                  </a:txBody>
-                  <a:tcPr/>
-                </a:tc>
-                <a:extLst>
-                  <a:ext uri="{0D108BD9-81ED-4DB2-BD59-A6C34878D82A}">
-                    <a16:rowId xmlns:a16="http://schemas.microsoft.com/office/drawing/2014/main" val="1398615802"/>
-                  </a:ext>
-                </a:extLst>
-              </a:tr>
-              <a:tr h="370840">
-                <a:tc>
-                  <a:txBody>
-                    <a:bodyPr/>
-                    <a:lstStyle/>
-                    <a:p>
-                      <a:r>
-                        <a:rPr kumimoji="1" lang="en-US" altLang="ja-JP" dirty="0"/>
-                        <a:t>0.4</a:t>
-                      </a:r>
-                      <a:endParaRPr kumimoji="1" lang="ja-JP" altLang="en-US" dirty="0"/>
-                    </a:p>
-                  </a:txBody>
-                  <a:tcPr/>
-                </a:tc>
-                <a:tc>
-                  <a:txBody>
-                    <a:bodyPr/>
-                    <a:lstStyle/>
-                    <a:p>
-                      <a:r>
-                        <a:rPr kumimoji="1" lang="en-US" altLang="ja-JP" dirty="0"/>
-                        <a:t>7</a:t>
-                      </a:r>
-                      <a:endParaRPr kumimoji="1" lang="ja-JP" altLang="en-US" dirty="0"/>
-                    </a:p>
-                  </a:txBody>
-                  <a:tcPr/>
-                </a:tc>
-                <a:tc>
-                  <a:txBody>
-                    <a:bodyPr/>
-                    <a:lstStyle/>
-                    <a:p>
-                      <a:r>
-                        <a:rPr kumimoji="1" lang="en-US" altLang="ja-JP" dirty="0"/>
-                        <a:t>12</a:t>
-                      </a:r>
-                      <a:endParaRPr kumimoji="1" lang="ja-JP" altLang="en-US" dirty="0"/>
-                    </a:p>
-                  </a:txBody>
-                  <a:tcPr/>
-                </a:tc>
-                <a:tc>
-                  <a:txBody>
-                    <a:bodyPr/>
-                    <a:lstStyle/>
-                    <a:p>
-                      <a:r>
-                        <a:rPr kumimoji="1" lang="en-US" altLang="ja-JP" dirty="0"/>
-                        <a:t>9.0</a:t>
-                      </a:r>
-                      <a:endParaRPr kumimoji="1" lang="ja-JP" altLang="en-US" dirty="0"/>
-                    </a:p>
-                  </a:txBody>
-                  <a:tcPr/>
-                </a:tc>
-                <a:extLst>
-                  <a:ext uri="{0D108BD9-81ED-4DB2-BD59-A6C34878D82A}">
-                    <a16:rowId xmlns:a16="http://schemas.microsoft.com/office/drawing/2014/main" val="1488796844"/>
-                  </a:ext>
-                </a:extLst>
-              </a:tr>
-              <a:tr h="370840">
-                <a:tc>
-                  <a:txBody>
-                    <a:bodyPr/>
-                    <a:lstStyle/>
-                    <a:p>
-                      <a:r>
-                        <a:rPr kumimoji="1" lang="en-US" altLang="ja-JP" dirty="0"/>
-                        <a:t>0.5</a:t>
-                      </a:r>
-                    </a:p>
-                  </a:txBody>
-                  <a:tcPr/>
-                </a:tc>
-                <a:tc>
-                  <a:txBody>
-                    <a:bodyPr/>
-                    <a:lstStyle/>
-                    <a:p>
-                      <a:r>
-                        <a:rPr kumimoji="1" lang="en-US" altLang="ja-JP" dirty="0"/>
-                        <a:t>9</a:t>
-                      </a:r>
-                      <a:endParaRPr kumimoji="1" lang="ja-JP" altLang="en-US" dirty="0"/>
-                    </a:p>
-                  </a:txBody>
-                  <a:tcPr/>
-                </a:tc>
-                <a:tc>
-                  <a:txBody>
-                    <a:bodyPr/>
-                    <a:lstStyle/>
-                    <a:p>
-                      <a:r>
-                        <a:rPr kumimoji="1" lang="en-US" altLang="ja-JP" dirty="0"/>
-                        <a:t>12</a:t>
-                      </a:r>
-                      <a:endParaRPr kumimoji="1" lang="ja-JP" altLang="en-US" dirty="0"/>
-                    </a:p>
-                  </a:txBody>
-                  <a:tcPr/>
-                </a:tc>
-                <a:tc>
-                  <a:txBody>
-                    <a:bodyPr/>
-                    <a:lstStyle/>
-                    <a:p>
-                      <a:r>
-                        <a:rPr kumimoji="1" lang="en-US" altLang="ja-JP" dirty="0"/>
-                        <a:t>10.1</a:t>
-                      </a:r>
-                      <a:endParaRPr kumimoji="1" lang="ja-JP" altLang="en-US" dirty="0"/>
-                    </a:p>
-                  </a:txBody>
-                  <a:tcPr/>
-                </a:tc>
-                <a:extLst>
-                  <a:ext uri="{0D108BD9-81ED-4DB2-BD59-A6C34878D82A}">
-                    <a16:rowId xmlns:a16="http://schemas.microsoft.com/office/drawing/2014/main" val="2664121103"/>
-                  </a:ext>
-                </a:extLst>
-              </a:tr>
-              <a:tr h="370840">
-                <a:tc>
-                  <a:txBody>
-                    <a:bodyPr/>
-                    <a:lstStyle/>
-                    <a:p>
-                      <a:r>
-                        <a:rPr kumimoji="1" lang="en-US" altLang="ja-JP" dirty="0"/>
-                        <a:t>0.6</a:t>
-                      </a:r>
-                      <a:endParaRPr kumimoji="1" lang="ja-JP" altLang="en-US" dirty="0"/>
-                    </a:p>
-                  </a:txBody>
-                  <a:tcPr/>
-                </a:tc>
-                <a:tc>
-                  <a:txBody>
-                    <a:bodyPr/>
-                    <a:lstStyle/>
-                    <a:p>
-                      <a:r>
-                        <a:rPr kumimoji="1" lang="en-US" altLang="ja-JP" dirty="0"/>
-                        <a:t>8</a:t>
-                      </a:r>
-                      <a:endParaRPr kumimoji="1" lang="ja-JP" altLang="en-US" dirty="0"/>
-                    </a:p>
-                  </a:txBody>
-                  <a:tcPr/>
-                </a:tc>
-                <a:tc>
-                  <a:txBody>
-                    <a:bodyPr/>
-                    <a:lstStyle/>
-                    <a:p>
-                      <a:r>
-                        <a:rPr kumimoji="1" lang="en-US" altLang="ja-JP" dirty="0"/>
-                        <a:t>14</a:t>
-                      </a:r>
-                      <a:endParaRPr kumimoji="1" lang="ja-JP" altLang="en-US" dirty="0"/>
-                    </a:p>
-                  </a:txBody>
-                  <a:tcPr/>
-                </a:tc>
-                <a:tc>
-                  <a:txBody>
-                    <a:bodyPr/>
-                    <a:lstStyle/>
-                    <a:p>
-                      <a:r>
-                        <a:rPr kumimoji="1" lang="en-US" altLang="ja-JP" dirty="0"/>
-                        <a:t>10.9</a:t>
-                      </a:r>
-                      <a:endParaRPr kumimoji="1" lang="ja-JP" altLang="en-US" dirty="0"/>
-                    </a:p>
-                  </a:txBody>
-                  <a:tcPr/>
-                </a:tc>
-                <a:extLst>
-                  <a:ext uri="{0D108BD9-81ED-4DB2-BD59-A6C34878D82A}">
-                    <a16:rowId xmlns:a16="http://schemas.microsoft.com/office/drawing/2014/main" val="1967563761"/>
-                  </a:ext>
-                </a:extLst>
-              </a:tr>
-              <a:tr h="370840">
-                <a:tc>
-                  <a:txBody>
-                    <a:bodyPr/>
-                    <a:lstStyle/>
-                    <a:p>
-                      <a:r>
-                        <a:rPr kumimoji="1" lang="en-US" altLang="ja-JP" dirty="0"/>
-                        <a:t>0.7</a:t>
-                      </a:r>
-                      <a:endParaRPr kumimoji="1" lang="ja-JP" altLang="en-US" dirty="0"/>
-                    </a:p>
-                  </a:txBody>
-                  <a:tcPr/>
-                </a:tc>
-                <a:tc>
-                  <a:txBody>
-                    <a:bodyPr/>
-                    <a:lstStyle/>
-                    <a:p>
-                      <a:r>
-                        <a:rPr kumimoji="1" lang="en-US" altLang="ja-JP" dirty="0"/>
-                        <a:t>8</a:t>
-                      </a:r>
-                      <a:endParaRPr kumimoji="1" lang="ja-JP" altLang="en-US" dirty="0"/>
-                    </a:p>
-                  </a:txBody>
-                  <a:tcPr/>
-                </a:tc>
-                <a:tc>
-                  <a:txBody>
-                    <a:bodyPr/>
-                    <a:lstStyle/>
-                    <a:p>
-                      <a:r>
-                        <a:rPr kumimoji="1" lang="en-US" altLang="ja-JP" dirty="0"/>
-                        <a:t>14</a:t>
-                      </a:r>
-                      <a:endParaRPr kumimoji="1" lang="ja-JP" altLang="en-US" dirty="0"/>
-                    </a:p>
-                  </a:txBody>
-                  <a:tcPr/>
-                </a:tc>
-                <a:tc>
-                  <a:txBody>
-                    <a:bodyPr/>
-                    <a:lstStyle/>
-                    <a:p>
-                      <a:r>
-                        <a:rPr kumimoji="1" lang="en-US" altLang="ja-JP" dirty="0"/>
-                        <a:t>12.2</a:t>
-                      </a:r>
-                      <a:endParaRPr kumimoji="1" lang="ja-JP" altLang="en-US" dirty="0"/>
-                    </a:p>
-                  </a:txBody>
-                  <a:tcPr/>
-                </a:tc>
-                <a:extLst>
-                  <a:ext uri="{0D108BD9-81ED-4DB2-BD59-A6C34878D82A}">
-                    <a16:rowId xmlns:a16="http://schemas.microsoft.com/office/drawing/2014/main" val="1874551811"/>
-                  </a:ext>
-                </a:extLst>
-              </a:tr>
-              <a:tr h="370840">
-                <a:tc>
-                  <a:txBody>
-                    <a:bodyPr/>
-                    <a:lstStyle/>
-                    <a:p>
-                      <a:r>
-                        <a:rPr kumimoji="1" lang="en-US" altLang="ja-JP" dirty="0"/>
-                        <a:t>0.8</a:t>
-                      </a:r>
-                      <a:endParaRPr kumimoji="1" lang="ja-JP" altLang="en-US" dirty="0"/>
-                    </a:p>
-                  </a:txBody>
-                  <a:tcPr/>
-                </a:tc>
-                <a:tc>
-                  <a:txBody>
-                    <a:bodyPr/>
-                    <a:lstStyle/>
-                    <a:p>
-                      <a:r>
-                        <a:rPr kumimoji="1" lang="en-US" altLang="ja-JP" dirty="0"/>
-                        <a:t>6</a:t>
-                      </a:r>
-                      <a:endParaRPr kumimoji="1" lang="ja-JP" altLang="en-US" dirty="0"/>
-                    </a:p>
-                  </a:txBody>
-                  <a:tcPr/>
-                </a:tc>
-                <a:tc>
-                  <a:txBody>
-                    <a:bodyPr/>
-                    <a:lstStyle/>
-                    <a:p>
-                      <a:r>
-                        <a:rPr kumimoji="1" lang="en-US" altLang="ja-JP" dirty="0"/>
-                        <a:t>15</a:t>
-                      </a:r>
-                      <a:endParaRPr kumimoji="1" lang="ja-JP" altLang="en-US" dirty="0"/>
-                    </a:p>
-                  </a:txBody>
-                  <a:tcPr/>
-                </a:tc>
-                <a:tc>
-                  <a:txBody>
-                    <a:bodyPr/>
-                    <a:lstStyle/>
-                    <a:p>
-                      <a:r>
-                        <a:rPr kumimoji="1" lang="en-US" altLang="ja-JP" dirty="0"/>
-                        <a:t>13.6</a:t>
-                      </a:r>
-                      <a:endParaRPr kumimoji="1" lang="ja-JP" altLang="en-US" dirty="0"/>
-                    </a:p>
-                  </a:txBody>
-                  <a:tcPr/>
-                </a:tc>
-                <a:extLst>
-                  <a:ext uri="{0D108BD9-81ED-4DB2-BD59-A6C34878D82A}">
-                    <a16:rowId xmlns:a16="http://schemas.microsoft.com/office/drawing/2014/main" val="129328244"/>
-                  </a:ext>
-                </a:extLst>
-              </a:tr>
-              <a:tr h="370840">
-                <a:tc>
-                  <a:txBody>
-                    <a:bodyPr/>
-                    <a:lstStyle/>
-                    <a:p>
-                      <a:r>
-                        <a:rPr kumimoji="1" lang="en-US" altLang="ja-JP" dirty="0"/>
-                        <a:t>0.9</a:t>
-                      </a:r>
-                      <a:endParaRPr kumimoji="1" lang="ja-JP" altLang="en-US" dirty="0"/>
-                    </a:p>
-                  </a:txBody>
-                  <a:tcPr/>
-                </a:tc>
-                <a:tc>
-                  <a:txBody>
-                    <a:bodyPr/>
-                    <a:lstStyle/>
-                    <a:p>
-                      <a:r>
-                        <a:rPr kumimoji="1" lang="en-US" altLang="ja-JP" dirty="0"/>
-                        <a:t>8</a:t>
-                      </a:r>
-                      <a:endParaRPr kumimoji="1" lang="ja-JP" altLang="en-US" dirty="0"/>
-                    </a:p>
-                  </a:txBody>
-                  <a:tcPr/>
-                </a:tc>
-                <a:tc>
-                  <a:txBody>
-                    <a:bodyPr/>
-                    <a:lstStyle/>
-                    <a:p>
-                      <a:r>
-                        <a:rPr kumimoji="1" lang="en-US" altLang="ja-JP" dirty="0"/>
-                        <a:t>14</a:t>
-                      </a:r>
-                      <a:endParaRPr kumimoji="1" lang="ja-JP" altLang="en-US" dirty="0"/>
-                    </a:p>
-                  </a:txBody>
-                  <a:tcPr/>
-                </a:tc>
-                <a:tc>
-                  <a:txBody>
-                    <a:bodyPr/>
-                    <a:lstStyle/>
-                    <a:p>
-                      <a:r>
-                        <a:rPr kumimoji="1" lang="en-US" altLang="ja-JP" dirty="0"/>
-                        <a:t>12.4</a:t>
-                      </a:r>
-                      <a:endParaRPr kumimoji="1" lang="ja-JP" altLang="en-US" dirty="0"/>
-                    </a:p>
-                  </a:txBody>
-                  <a:tcPr/>
-                </a:tc>
-                <a:extLst>
-                  <a:ext uri="{0D108BD9-81ED-4DB2-BD59-A6C34878D82A}">
-                    <a16:rowId xmlns:a16="http://schemas.microsoft.com/office/drawing/2014/main" val="3361568843"/>
-                  </a:ext>
-                </a:extLst>
-              </a:tr>
-              <a:tr h="370840">
-                <a:tc>
-                  <a:txBody>
-                    <a:bodyPr/>
-                    <a:lstStyle/>
-                    <a:p>
-                      <a:r>
-                        <a:rPr kumimoji="1" lang="en-US" altLang="ja-JP" dirty="0"/>
-                        <a:t>1.0</a:t>
-                      </a:r>
-                      <a:endParaRPr kumimoji="1" lang="ja-JP" altLang="en-US" dirty="0"/>
-                    </a:p>
-                  </a:txBody>
-                  <a:tcPr/>
-                </a:tc>
-                <a:tc>
-                  <a:txBody>
-                    <a:bodyPr/>
-                    <a:lstStyle/>
-                    <a:p>
-                      <a:r>
-                        <a:rPr kumimoji="1" lang="en-US" altLang="ja-JP" dirty="0"/>
-                        <a:t>8</a:t>
-                      </a:r>
-                      <a:endParaRPr kumimoji="1" lang="ja-JP" altLang="en-US" dirty="0"/>
-                    </a:p>
-                  </a:txBody>
-                  <a:tcPr/>
-                </a:tc>
-                <a:tc>
-                  <a:txBody>
-                    <a:bodyPr/>
-                    <a:lstStyle/>
-                    <a:p>
-                      <a:r>
-                        <a:rPr kumimoji="1" lang="en-US" altLang="ja-JP" dirty="0"/>
-                        <a:t>15</a:t>
-                      </a:r>
-                      <a:endParaRPr kumimoji="1" lang="ja-JP" altLang="en-US" dirty="0"/>
-                    </a:p>
-                  </a:txBody>
-                  <a:tcPr/>
-                </a:tc>
-                <a:tc>
-                  <a:txBody>
-                    <a:bodyPr/>
-                    <a:lstStyle/>
-                    <a:p>
-                      <a:r>
-                        <a:rPr kumimoji="1" lang="en-US" altLang="ja-JP" dirty="0"/>
-                        <a:t>13.6</a:t>
-                      </a:r>
-                      <a:endParaRPr kumimoji="1" lang="ja-JP" altLang="en-US" dirty="0"/>
-                    </a:p>
-                  </a:txBody>
-                  <a:tcPr/>
-                </a:tc>
-                <a:extLst>
-                  <a:ext uri="{0D108BD9-81ED-4DB2-BD59-A6C34878D82A}">
-                    <a16:rowId xmlns:a16="http://schemas.microsoft.com/office/drawing/2014/main" val="678200452"/>
-                  </a:ext>
-                </a:extLst>
-              </a:tr>
-            </a:tbl>
+          <a:graphicData uri="http://schemas.openxmlformats.org/drawingml/2006/chart">
+            <c:chart xmlns:c="http://schemas.openxmlformats.org/drawingml/2006/chart" xmlns:r="http://schemas.openxmlformats.org/officeDocument/2006/relationships" r:id="rId3"/>
           </a:graphicData>
         </a:graphic>
       </p:graphicFrame>
-      <p:sp>
-        <p:nvSpPr>
-          <p:cNvPr id="8" name="テキスト ボックス 7">
+      <p:graphicFrame>
+        <p:nvGraphicFramePr>
+          <p:cNvPr id="13" name="グラフ 12">
             <a:extLst>
               <a:ext uri="{FF2B5EF4-FFF2-40B4-BE49-F238E27FC236}">
-                <a16:creationId xmlns:a16="http://schemas.microsoft.com/office/drawing/2014/main" id="{328A33D5-D342-E4CB-7DCC-DEB26752C78F}"/>
+                <a16:creationId xmlns:a16="http://schemas.microsoft.com/office/drawing/2014/main" id="{5AE20213-E9F7-C634-8D5F-CCC8696BBD58}"/>
               </a:ext>
             </a:extLst>
           </p:cNvPr>
-          <p:cNvSpPr txBox="1"/>
-          <p:nvPr/>
-        </p:nvSpPr>
-        <p:spPr>
-          <a:xfrm>
-            <a:off x="2434548" y="1528483"/>
-            <a:ext cx="1094874" cy="369332"/>
-          </a:xfrm>
-          <a:prstGeom prst="rect">
-            <a:avLst/>
-          </a:prstGeom>
-          <a:noFill/>
-        </p:spPr>
-        <p:txBody>
-          <a:bodyPr wrap="square" rtlCol="0">
-            <a:spAutoFit/>
-          </a:bodyPr>
-          <a:lstStyle/>
-          <a:p>
-            <a:r>
-              <a:rPr kumimoji="1" lang="en-US" altLang="ja-JP" b="1" dirty="0"/>
-              <a:t>DS1</a:t>
-            </a:r>
-            <a:endParaRPr kumimoji="1" lang="ja-JP" altLang="en-US" b="1" dirty="0"/>
-          </a:p>
-        </p:txBody>
-      </p:sp>
-      <p:sp>
-        <p:nvSpPr>
-          <p:cNvPr id="9" name="テキスト ボックス 8">
-            <a:extLst>
-              <a:ext uri="{FF2B5EF4-FFF2-40B4-BE49-F238E27FC236}">
-                <a16:creationId xmlns:a16="http://schemas.microsoft.com/office/drawing/2014/main" id="{6EC3551A-44C1-C94A-EDCE-C7A23A153451}"/>
-              </a:ext>
-            </a:extLst>
-          </p:cNvPr>
-          <p:cNvSpPr txBox="1"/>
-          <p:nvPr/>
-        </p:nvSpPr>
-        <p:spPr>
-          <a:xfrm>
-            <a:off x="8277885" y="1506022"/>
-            <a:ext cx="1094874" cy="369332"/>
-          </a:xfrm>
-          <a:prstGeom prst="rect">
-            <a:avLst/>
-          </a:prstGeom>
-          <a:noFill/>
-        </p:spPr>
-        <p:txBody>
-          <a:bodyPr wrap="square" rtlCol="0">
-            <a:spAutoFit/>
-          </a:bodyPr>
-          <a:lstStyle/>
-          <a:p>
-            <a:r>
-              <a:rPr kumimoji="1" lang="en-US" altLang="ja-JP" b="1" dirty="0"/>
-              <a:t>DS2</a:t>
-            </a:r>
-            <a:endParaRPr kumimoji="1" lang="ja-JP" altLang="en-US" b="1" dirty="0"/>
-          </a:p>
-        </p:txBody>
-      </p:sp>
+          <p:cNvGraphicFramePr/>
+          <p:nvPr>
+            <p:extLst>
+              <p:ext uri="{D42A27DB-BD31-4B8C-83A1-F6EECF244321}">
+                <p14:modId xmlns:p14="http://schemas.microsoft.com/office/powerpoint/2010/main" val="1183562224"/>
+              </p:ext>
+            </p:extLst>
+          </p:nvPr>
+        </p:nvGraphicFramePr>
+        <p:xfrm>
+          <a:off x="6227818" y="1690688"/>
+          <a:ext cx="5389618" cy="4665662"/>
+        </p:xfrm>
+        <a:graphic>
+          <a:graphicData uri="http://schemas.openxmlformats.org/drawingml/2006/chart">
+            <c:chart xmlns:c="http://schemas.openxmlformats.org/drawingml/2006/chart" xmlns:r="http://schemas.openxmlformats.org/officeDocument/2006/relationships" r:id="rId4"/>
+          </a:graphicData>
+        </a:graphic>
+      </p:graphicFrame>
     </p:spTree>
     <p:extLst>
       <p:ext uri="{BB962C8B-B14F-4D97-AF65-F5344CB8AC3E}">
-        <p14:creationId xmlns:p14="http://schemas.microsoft.com/office/powerpoint/2010/main" val="4192823729"/>
+        <p14:creationId xmlns:p14="http://schemas.microsoft.com/office/powerpoint/2010/main" val="3676824639"/>
       </p:ext>
     </p:extLst>
   </p:cSld>
@@ -8565,6 +10310,42 @@
           </a:p>
         </p:txBody>
       </p:sp>
+      <p:sp>
+        <p:nvSpPr>
+          <p:cNvPr id="3" name="テキスト ボックス 2">
+            <a:extLst>
+              <a:ext uri="{FF2B5EF4-FFF2-40B4-BE49-F238E27FC236}">
+                <a16:creationId xmlns:a16="http://schemas.microsoft.com/office/drawing/2014/main" id="{D24F11C6-F6F8-1E1C-D55C-66AC85F02E8F}"/>
+              </a:ext>
+            </a:extLst>
+          </p:cNvPr>
+          <p:cNvSpPr txBox="1"/>
+          <p:nvPr/>
+        </p:nvSpPr>
+        <p:spPr>
+          <a:xfrm flipH="1">
+            <a:off x="1165722" y="5508689"/>
+            <a:ext cx="9777919" cy="400110"/>
+          </a:xfrm>
+          <a:prstGeom prst="rect">
+            <a:avLst/>
+          </a:prstGeom>
+          <a:noFill/>
+        </p:spPr>
+        <p:txBody>
+          <a:bodyPr wrap="square" rtlCol="0">
+            <a:spAutoFit/>
+          </a:bodyPr>
+          <a:lstStyle/>
+          <a:p>
+            <a:r>
+              <a:rPr lang="ja-JP" altLang="en-US" sz="2000" b="1" dirty="0"/>
+              <a:t>同系統のデータセットに対して、温度調整・固定情報の保持は、有効である</a:t>
+            </a:r>
+            <a:endParaRPr kumimoji="1" lang="ja-JP" altLang="en-US" sz="2000" b="1" dirty="0"/>
+          </a:p>
+        </p:txBody>
+      </p:sp>
     </p:spTree>
     <p:extLst>
       <p:ext uri="{BB962C8B-B14F-4D97-AF65-F5344CB8AC3E}">
@@ -10029,6 +11810,41 @@
           </a:p>
         </p:txBody>
       </p:sp>
+      <p:sp>
+        <p:nvSpPr>
+          <p:cNvPr id="6" name="テキスト ボックス 5">
+            <a:extLst>
+              <a:ext uri="{FF2B5EF4-FFF2-40B4-BE49-F238E27FC236}">
+                <a16:creationId xmlns:a16="http://schemas.microsoft.com/office/drawing/2014/main" id="{30FA2AF0-0AAF-8F5F-D0B6-F1AC0F94A0ED}"/>
+              </a:ext>
+            </a:extLst>
+          </p:cNvPr>
+          <p:cNvSpPr txBox="1"/>
+          <p:nvPr/>
+        </p:nvSpPr>
+        <p:spPr>
+          <a:xfrm>
+            <a:off x="1303507" y="5897899"/>
+            <a:ext cx="8648521" cy="400110"/>
+          </a:xfrm>
+          <a:prstGeom prst="rect">
+            <a:avLst/>
+          </a:prstGeom>
+          <a:noFill/>
+        </p:spPr>
+        <p:txBody>
+          <a:bodyPr wrap="none" rtlCol="0">
+            <a:spAutoFit/>
+          </a:bodyPr>
+          <a:lstStyle/>
+          <a:p>
+            <a:r>
+              <a:rPr kumimoji="1" lang="ja-JP" altLang="en-US" sz="2000" b="1" dirty="0"/>
+              <a:t>温度調整・段階処理・テンプレートエンジンによって、精度・品質が向上</a:t>
+            </a:r>
+          </a:p>
+        </p:txBody>
+      </p:sp>
     </p:spTree>
     <p:extLst>
       <p:ext uri="{BB962C8B-B14F-4D97-AF65-F5344CB8AC3E}">
@@ -10086,11 +11902,11 @@
             </a:r>
             <a:r>
               <a:rPr kumimoji="1" lang="en-US" altLang="ja-JP" dirty="0"/>
-              <a:t>: AI</a:t>
+              <a:t>: </a:t>
             </a:r>
             <a:r>
               <a:rPr kumimoji="1" lang="ja-JP" altLang="en-US" dirty="0"/>
-              <a:t>プログラム </a:t>
+              <a:t>本研究プログラム </a:t>
             </a:r>
             <a:r>
               <a:rPr kumimoji="1" lang="en-US" altLang="ja-JP" dirty="0"/>
@@ -11208,7 +13024,7 @@
             </a:r>
             <a:r>
               <a:rPr lang="ja-JP" altLang="en-US" dirty="0"/>
-              <a:t>の分析特性によるものだと考える</a:t>
+              <a:t>の分析・出力特性によるものだと考える</a:t>
             </a:r>
             <a:endParaRPr kumimoji="1" lang="en-US" altLang="ja-JP" dirty="0"/>
           </a:p>
@@ -13550,7 +15366,7 @@
             </a:r>
             <a:r>
               <a:rPr lang="ja-JP" altLang="en-US" dirty="0"/>
-              <a:t>を用いるステップで区切り、</a:t>
+              <a:t>を用いる工程で区切り、</a:t>
             </a:r>
             <a:r>
               <a:rPr lang="en-US" altLang="ja-JP" dirty="0"/>
